--- a/pivot-table-dashboards-reports.pptx
+++ b/pivot-table-dashboards-reports.pptx
@@ -5,7 +5,7 @@
     <p:sldMasterId id="2147483648" r:id="rId1"/>
   </p:sldMasterIdLst>
   <p:notesMasterIdLst>
-    <p:notesMasterId r:id="rId29"/>
+    <p:notesMasterId r:id="rId30"/>
   </p:notesMasterIdLst>
   <p:sldIdLst>
     <p:sldId id="256" r:id="rId2"/>
@@ -29,12 +29,13 @@
     <p:sldId id="367" r:id="rId20"/>
     <p:sldId id="371" r:id="rId21"/>
     <p:sldId id="372" r:id="rId22"/>
-    <p:sldId id="370" r:id="rId23"/>
-    <p:sldId id="350" r:id="rId24"/>
-    <p:sldId id="351" r:id="rId25"/>
-    <p:sldId id="352" r:id="rId26"/>
-    <p:sldId id="354" r:id="rId27"/>
-    <p:sldId id="355" r:id="rId28"/>
+    <p:sldId id="377" r:id="rId23"/>
+    <p:sldId id="370" r:id="rId24"/>
+    <p:sldId id="350" r:id="rId25"/>
+    <p:sldId id="351" r:id="rId26"/>
+    <p:sldId id="352" r:id="rId27"/>
+    <p:sldId id="354" r:id="rId28"/>
+    <p:sldId id="355" r:id="rId29"/>
   </p:sldIdLst>
   <p:sldSz cx="12192000" cy="6858000"/>
   <p:notesSz cx="6858000" cy="9144000"/>
@@ -235,7 +236,7 @@
           <a:p>
             <a:fld id="{05534BD0-1400-4EBA-BBA1-04F52AB31B36}" type="datetimeFigureOut">
               <a:rPr lang="en-US" smtClean="0"/>
-              <a:t>11/28/2022</a:t>
+              <a:t>11/29/2022</a:t>
             </a:fld>
             <a:endParaRPr lang="en-US"/>
           </a:p>
@@ -894,6 +895,93 @@
           <a:bodyPr/>
           <a:lstStyle/>
           <a:p>
+            <a:r>
+              <a:rPr lang="en-US" dirty="0"/>
+              <a:t>The Power Query course will be good to actually shape this data. /</a:t>
+            </a:r>
+          </a:p>
+        </p:txBody>
+      </p:sp>
+      <p:sp>
+        <p:nvSpPr>
+          <p:cNvPr id="4" name="Slide Number Placeholder 3"/>
+          <p:cNvSpPr>
+            <a:spLocks noGrp="1"/>
+          </p:cNvSpPr>
+          <p:nvPr>
+            <p:ph type="sldNum" sz="quarter" idx="5"/>
+          </p:nvPr>
+        </p:nvSpPr>
+        <p:spPr/>
+        <p:txBody>
+          <a:bodyPr/>
+          <a:lstStyle/>
+          <a:p>
+            <a:fld id="{1300335D-9F13-4B80-ADC5-B0EA3E10FF6B}" type="slidenum">
+              <a:rPr lang="en-US" smtClean="0"/>
+              <a:t>22</a:t>
+            </a:fld>
+            <a:endParaRPr lang="en-US"/>
+          </a:p>
+        </p:txBody>
+      </p:sp>
+    </p:spTree>
+    <p:extLst>
+      <p:ext uri="{BB962C8B-B14F-4D97-AF65-F5344CB8AC3E}">
+        <p14:creationId xmlns:p14="http://schemas.microsoft.com/office/powerpoint/2010/main" val="3439483730"/>
+      </p:ext>
+    </p:extLst>
+  </p:cSld>
+  <p:clrMapOvr>
+    <a:masterClrMapping/>
+  </p:clrMapOvr>
+</p:notes>
+</file>
+
+<file path=ppt/notesSlides/notesSlide14.xml><?xml version="1.0" encoding="utf-8"?>
+<p:notes xmlns:a="http://schemas.openxmlformats.org/drawingml/2006/main" xmlns:r="http://schemas.openxmlformats.org/officeDocument/2006/relationships" xmlns:p="http://schemas.openxmlformats.org/presentationml/2006/main">
+  <p:cSld>
+    <p:spTree>
+      <p:nvGrpSpPr>
+        <p:cNvPr id="1" name=""/>
+        <p:cNvGrpSpPr/>
+        <p:nvPr/>
+      </p:nvGrpSpPr>
+      <p:grpSpPr>
+        <a:xfrm>
+          <a:off x="0" y="0"/>
+          <a:ext cx="0" cy="0"/>
+          <a:chOff x="0" y="0"/>
+          <a:chExt cx="0" cy="0"/>
+        </a:xfrm>
+      </p:grpSpPr>
+      <p:sp>
+        <p:nvSpPr>
+          <p:cNvPr id="2" name="Slide Image Placeholder 1"/>
+          <p:cNvSpPr>
+            <a:spLocks noGrp="1" noRot="1" noChangeAspect="1"/>
+          </p:cNvSpPr>
+          <p:nvPr>
+            <p:ph type="sldImg"/>
+          </p:nvPr>
+        </p:nvSpPr>
+        <p:spPr/>
+      </p:sp>
+      <p:sp>
+        <p:nvSpPr>
+          <p:cNvPr id="3" name="Notes Placeholder 2"/>
+          <p:cNvSpPr>
+            <a:spLocks noGrp="1"/>
+          </p:cNvSpPr>
+          <p:nvPr>
+            <p:ph type="body" idx="1"/>
+          </p:nvPr>
+        </p:nvSpPr>
+        <p:spPr/>
+        <p:txBody>
+          <a:bodyPr/>
+          <a:lstStyle/>
+          <a:p>
             <a:endParaRPr lang="en-US" dirty="0"/>
           </a:p>
         </p:txBody>
@@ -915,7 +1003,7 @@
           <a:p>
             <a:fld id="{FFB500C5-13F7-48FC-8160-C29AECF6C602}" type="slidenum">
               <a:rPr lang="en-US" smtClean="0"/>
-              <a:t>22</a:t>
+              <a:t>23</a:t>
             </a:fld>
             <a:endParaRPr lang="en-US"/>
           </a:p>
@@ -1771,7 +1859,7 @@
           <a:p>
             <a:fld id="{0138B082-EFC2-46C1-B47C-51736C670379}" type="datetimeFigureOut">
               <a:rPr lang="en-US" smtClean="0"/>
-              <a:t>11/28/2022</a:t>
+              <a:t>11/29/2022</a:t>
             </a:fld>
             <a:endParaRPr lang="en-US"/>
           </a:p>
@@ -1939,7 +2027,7 @@
           <a:p>
             <a:fld id="{0138B082-EFC2-46C1-B47C-51736C670379}" type="datetimeFigureOut">
               <a:rPr lang="en-US" smtClean="0"/>
-              <a:t>11/28/2022</a:t>
+              <a:t>11/29/2022</a:t>
             </a:fld>
             <a:endParaRPr lang="en-US"/>
           </a:p>
@@ -2117,7 +2205,7 @@
           <a:p>
             <a:fld id="{0138B082-EFC2-46C1-B47C-51736C670379}" type="datetimeFigureOut">
               <a:rPr lang="en-US" smtClean="0"/>
-              <a:t>11/28/2022</a:t>
+              <a:t>11/29/2022</a:t>
             </a:fld>
             <a:endParaRPr lang="en-US"/>
           </a:p>
@@ -2285,7 +2373,7 @@
           <a:p>
             <a:fld id="{0138B082-EFC2-46C1-B47C-51736C670379}" type="datetimeFigureOut">
               <a:rPr lang="en-US" smtClean="0"/>
-              <a:t>11/28/2022</a:t>
+              <a:t>11/29/2022</a:t>
             </a:fld>
             <a:endParaRPr lang="en-US"/>
           </a:p>
@@ -2530,7 +2618,7 @@
           <a:p>
             <a:fld id="{0138B082-EFC2-46C1-B47C-51736C670379}" type="datetimeFigureOut">
               <a:rPr lang="en-US" smtClean="0"/>
-              <a:t>11/28/2022</a:t>
+              <a:t>11/29/2022</a:t>
             </a:fld>
             <a:endParaRPr lang="en-US"/>
           </a:p>
@@ -2759,7 +2847,7 @@
           <a:p>
             <a:fld id="{0138B082-EFC2-46C1-B47C-51736C670379}" type="datetimeFigureOut">
               <a:rPr lang="en-US" smtClean="0"/>
-              <a:t>11/28/2022</a:t>
+              <a:t>11/29/2022</a:t>
             </a:fld>
             <a:endParaRPr lang="en-US"/>
           </a:p>
@@ -3123,7 +3211,7 @@
           <a:p>
             <a:fld id="{0138B082-EFC2-46C1-B47C-51736C670379}" type="datetimeFigureOut">
               <a:rPr lang="en-US" smtClean="0"/>
-              <a:t>11/28/2022</a:t>
+              <a:t>11/29/2022</a:t>
             </a:fld>
             <a:endParaRPr lang="en-US"/>
           </a:p>
@@ -3240,7 +3328,7 @@
           <a:p>
             <a:fld id="{0138B082-EFC2-46C1-B47C-51736C670379}" type="datetimeFigureOut">
               <a:rPr lang="en-US" smtClean="0"/>
-              <a:t>11/28/2022</a:t>
+              <a:t>11/29/2022</a:t>
             </a:fld>
             <a:endParaRPr lang="en-US"/>
           </a:p>
@@ -3335,7 +3423,7 @@
           <a:p>
             <a:fld id="{0138B082-EFC2-46C1-B47C-51736C670379}" type="datetimeFigureOut">
               <a:rPr lang="en-US" smtClean="0"/>
-              <a:t>11/28/2022</a:t>
+              <a:t>11/29/2022</a:t>
             </a:fld>
             <a:endParaRPr lang="en-US"/>
           </a:p>
@@ -3610,7 +3698,7 @@
           <a:p>
             <a:fld id="{0138B082-EFC2-46C1-B47C-51736C670379}" type="datetimeFigureOut">
               <a:rPr lang="en-US" smtClean="0"/>
-              <a:t>11/28/2022</a:t>
+              <a:t>11/29/2022</a:t>
             </a:fld>
             <a:endParaRPr lang="en-US"/>
           </a:p>
@@ -3862,7 +3950,7 @@
           <a:p>
             <a:fld id="{0138B082-EFC2-46C1-B47C-51736C670379}" type="datetimeFigureOut">
               <a:rPr lang="en-US" smtClean="0"/>
-              <a:t>11/28/2022</a:t>
+              <a:t>11/29/2022</a:t>
             </a:fld>
             <a:endParaRPr lang="en-US"/>
           </a:p>
@@ -4076,7 +4164,7 @@
           <a:p>
             <a:fld id="{0138B082-EFC2-46C1-B47C-51736C670379}" type="datetimeFigureOut">
               <a:rPr lang="en-US" smtClean="0"/>
-              <a:t>11/28/2022</a:t>
+              <a:t>11/29/2022</a:t>
             </a:fld>
             <a:endParaRPr lang="en-US"/>
           </a:p>
@@ -7332,7 +7420,7 @@
         <p:spPr>
           <a:xfrm>
             <a:off x="520861" y="393539"/>
-            <a:ext cx="10324617" cy="2123658"/>
+            <a:ext cx="10324617" cy="3139321"/>
           </a:xfrm>
           <a:prstGeom prst="rect">
             <a:avLst/>
@@ -7352,7 +7440,7 @@
                 </a:solidFill>
                 <a:latin typeface="Normafixed Tryout" panose="00000409000000000000" pitchFamily="49" charset="0"/>
               </a:rPr>
-              <a:t>4. Introduction to Excel dashboards</a:t>
+              <a:t>3. Introduction to PowerPivot &amp; Excel dashboards</a:t>
             </a:r>
             <a:endParaRPr lang="en-US" sz="6600" b="1" dirty="0">
               <a:solidFill>
@@ -7393,49 +7481,6 @@
           <a:chExt cx="0" cy="0"/>
         </a:xfrm>
       </p:grpSpPr>
-      <p:sp>
-        <p:nvSpPr>
-          <p:cNvPr id="11" name="TextBox 10"/>
-          <p:cNvSpPr txBox="1"/>
-          <p:nvPr/>
-        </p:nvSpPr>
-        <p:spPr>
-          <a:xfrm>
-            <a:off x="347240" y="113388"/>
-            <a:ext cx="10348056" cy="830997"/>
-          </a:xfrm>
-          <a:prstGeom prst="rect">
-            <a:avLst/>
-          </a:prstGeom>
-          <a:noFill/>
-        </p:spPr>
-        <p:txBody>
-          <a:bodyPr wrap="square" rtlCol="0">
-            <a:spAutoFit/>
-          </a:bodyPr>
-          <a:lstStyle/>
-          <a:p>
-            <a:r>
-              <a:rPr lang="en-US" sz="4800" dirty="0">
-                <a:latin typeface="Aliens &amp; cows" panose="00000500000000000000" pitchFamily="2" charset="0"/>
-              </a:rPr>
-              <a:t>No more </a:t>
-            </a:r>
-            <a:r>
-              <a:rPr lang="en-US" sz="4800" dirty="0" err="1">
-                <a:latin typeface="Aliens &amp; cows" panose="00000500000000000000" pitchFamily="2" charset="0"/>
-              </a:rPr>
-              <a:t>Frankentables</a:t>
-            </a:r>
-            <a:r>
-              <a:rPr lang="en-US" sz="4800" dirty="0">
-                <a:latin typeface="Aliens &amp; cows" panose="00000500000000000000" pitchFamily="2" charset="0"/>
-              </a:rPr>
-              <a:t>!</a:t>
-            </a:r>
-          </a:p>
-        </p:txBody>
-      </p:sp>
       <p:pic>
         <p:nvPicPr>
           <p:cNvPr id="15" name="Picture 14" descr="A close up of a sign&#10;&#10;Description automatically generated">
@@ -7472,121 +7517,42 @@
           </a:prstGeom>
         </p:spPr>
       </p:pic>
-      <p:sp>
-        <p:nvSpPr>
-          <p:cNvPr id="5" name="TextBox 4">
+      <p:pic>
+        <p:nvPicPr>
+          <p:cNvPr id="3" name="Picture 2" descr="A picture containing text, person&#10;&#10;Description automatically generated">
             <a:extLst>
               <a:ext uri="{FF2B5EF4-FFF2-40B4-BE49-F238E27FC236}">
-                <a16:creationId xmlns:a16="http://schemas.microsoft.com/office/drawing/2014/main" id="{E6387811-4F0E-B40E-9FBC-65A81E1411FB}"/>
+                <a16:creationId xmlns:a16="http://schemas.microsoft.com/office/drawing/2014/main" id="{2C5519E8-A2DF-E3A6-D9D3-18CCCC3AF548}"/>
               </a:ext>
             </a:extLst>
           </p:cNvPr>
-          <p:cNvSpPr txBox="1"/>
+          <p:cNvPicPr>
+            <a:picLocks noChangeAspect="1"/>
+          </p:cNvPicPr>
           <p:nvPr/>
-        </p:nvSpPr>
-        <p:spPr>
-          <a:xfrm>
-            <a:off x="295835" y="1271570"/>
-            <a:ext cx="8589981" cy="2250488"/>
+        </p:nvPicPr>
+        <p:blipFill>
+          <a:blip r:embed="rId4">
+            <a:extLst>
+              <a:ext uri="{28A0092B-C50C-407E-A947-70E740481C1C}">
+                <a14:useLocalDpi xmlns:a14="http://schemas.microsoft.com/office/drawing/2010/main" val="0"/>
+              </a:ext>
+            </a:extLst>
+          </a:blip>
+          <a:stretch>
+            <a:fillRect/>
+          </a:stretch>
+        </p:blipFill>
+        <p:spPr>
+          <a:xfrm>
+            <a:off x="762" y="428"/>
+            <a:ext cx="12190476" cy="6857143"/>
           </a:xfrm>
           <a:prstGeom prst="rect">
             <a:avLst/>
           </a:prstGeom>
-          <a:noFill/>
-        </p:spPr>
-        <p:txBody>
-          <a:bodyPr wrap="square" rtlCol="0">
-            <a:spAutoFit/>
-          </a:bodyPr>
-          <a:lstStyle/>
-          <a:p>
-            <a:pPr marL="457200" marR="190500" lvl="0" indent="-381000">
-              <a:lnSpc>
-                <a:spcPct val="115000"/>
-              </a:lnSpc>
-              <a:spcBef>
-                <a:spcPts val="800"/>
-              </a:spcBef>
-              <a:buClr>
-                <a:srgbClr val="CF3338"/>
-              </a:buClr>
-              <a:buSzPts val="2400"/>
-              <a:buChar char="•"/>
-            </a:pPr>
-            <a:r>
-              <a:rPr lang="en-US" sz="2800" dirty="0">
-                <a:solidFill>
-                  <a:srgbClr val="505050"/>
-                </a:solidFill>
-              </a:rPr>
-              <a:t>Files: </a:t>
-            </a:r>
-            <a:r>
-              <a:rPr lang="en-US" sz="2800" dirty="0">
-                <a:solidFill>
-                  <a:srgbClr val="505050"/>
-                </a:solidFill>
-                <a:latin typeface="Consolas" panose="020B0609020204030204" pitchFamily="49" charset="0"/>
-              </a:rPr>
-              <a:t>nycflights13</a:t>
-            </a:r>
-            <a:r>
-              <a:rPr lang="en-US" sz="2800" dirty="0">
-                <a:solidFill>
-                  <a:srgbClr val="505050"/>
-                </a:solidFill>
-              </a:rPr>
-              <a:t> folder</a:t>
-            </a:r>
-          </a:p>
-          <a:p>
-            <a:pPr marL="457200" marR="190500" lvl="0" indent="-381000">
-              <a:lnSpc>
-                <a:spcPct val="115000"/>
-              </a:lnSpc>
-              <a:spcBef>
-                <a:spcPts val="800"/>
-              </a:spcBef>
-              <a:buClr>
-                <a:srgbClr val="CF3338"/>
-              </a:buClr>
-              <a:buSzPts val="2400"/>
-              <a:buChar char="•"/>
-            </a:pPr>
-            <a:r>
-              <a:rPr lang="en-US" sz="2800" dirty="0">
-                <a:solidFill>
-                  <a:srgbClr val="505050"/>
-                </a:solidFill>
-              </a:rPr>
-              <a:t>How can we analyze flight info &amp; track cancellations over time? </a:t>
-            </a:r>
-          </a:p>
-          <a:p>
-            <a:pPr marL="457200" marR="190500" lvl="0" indent="-381000">
-              <a:lnSpc>
-                <a:spcPct val="115000"/>
-              </a:lnSpc>
-              <a:spcBef>
-                <a:spcPts val="800"/>
-              </a:spcBef>
-              <a:buClr>
-                <a:srgbClr val="CF3338"/>
-              </a:buClr>
-              <a:buSzPts val="2400"/>
-              <a:buChar char="•"/>
-            </a:pPr>
-            <a:r>
-              <a:rPr lang="en-US" sz="2800" dirty="0">
-                <a:solidFill>
-                  <a:srgbClr val="505050"/>
-                </a:solidFill>
-              </a:rPr>
-              <a:t>Open a blank workbook to start…</a:t>
-            </a:r>
-          </a:p>
-        </p:txBody>
-      </p:sp>
+        </p:spPr>
+      </p:pic>
     </p:spTree>
     <p:extLst>
       <p:ext uri="{BB962C8B-B14F-4D97-AF65-F5344CB8AC3E}">
@@ -7601,6 +7567,230 @@
 </file>
 
 <file path=ppt/slides/slide22.xml><?xml version="1.0" encoding="utf-8"?>
+<p:sld xmlns:a="http://schemas.openxmlformats.org/drawingml/2006/main" xmlns:r="http://schemas.openxmlformats.org/officeDocument/2006/relationships" xmlns:p="http://schemas.openxmlformats.org/presentationml/2006/main">
+  <p:cSld>
+    <p:spTree>
+      <p:nvGrpSpPr>
+        <p:cNvPr id="1" name=""/>
+        <p:cNvGrpSpPr/>
+        <p:nvPr/>
+      </p:nvGrpSpPr>
+      <p:grpSpPr>
+        <a:xfrm>
+          <a:off x="0" y="0"/>
+          <a:ext cx="0" cy="0"/>
+          <a:chOff x="0" y="0"/>
+          <a:chExt cx="0" cy="0"/>
+        </a:xfrm>
+      </p:grpSpPr>
+      <p:sp>
+        <p:nvSpPr>
+          <p:cNvPr id="11" name="TextBox 10"/>
+          <p:cNvSpPr txBox="1"/>
+          <p:nvPr/>
+        </p:nvSpPr>
+        <p:spPr>
+          <a:xfrm>
+            <a:off x="347240" y="113388"/>
+            <a:ext cx="10348056" cy="830997"/>
+          </a:xfrm>
+          <a:prstGeom prst="rect">
+            <a:avLst/>
+          </a:prstGeom>
+          <a:noFill/>
+        </p:spPr>
+        <p:txBody>
+          <a:bodyPr wrap="square" rtlCol="0">
+            <a:spAutoFit/>
+          </a:bodyPr>
+          <a:lstStyle/>
+          <a:p>
+            <a:r>
+              <a:rPr lang="en-US" sz="4800" dirty="0">
+                <a:latin typeface="Aliens &amp; cows" panose="00000500000000000000" pitchFamily="2" charset="0"/>
+              </a:rPr>
+              <a:t>No more </a:t>
+            </a:r>
+            <a:r>
+              <a:rPr lang="en-US" sz="4800" dirty="0" err="1">
+                <a:latin typeface="Aliens &amp; cows" panose="00000500000000000000" pitchFamily="2" charset="0"/>
+              </a:rPr>
+              <a:t>Frankentables</a:t>
+            </a:r>
+            <a:r>
+              <a:rPr lang="en-US" sz="4800" dirty="0">
+                <a:latin typeface="Aliens &amp; cows" panose="00000500000000000000" pitchFamily="2" charset="0"/>
+              </a:rPr>
+              <a:t>!</a:t>
+            </a:r>
+          </a:p>
+        </p:txBody>
+      </p:sp>
+      <p:pic>
+        <p:nvPicPr>
+          <p:cNvPr id="15" name="Picture 14" descr="A close up of a sign&#10;&#10;Description automatically generated">
+            <a:extLst>
+              <a:ext uri="{FF2B5EF4-FFF2-40B4-BE49-F238E27FC236}">
+                <a16:creationId xmlns:a16="http://schemas.microsoft.com/office/drawing/2014/main" id="{29761B90-A7DE-4A60-A915-F085BD87CAB4}"/>
+              </a:ext>
+            </a:extLst>
+          </p:cNvPr>
+          <p:cNvPicPr>
+            <a:picLocks noChangeAspect="1"/>
+          </p:cNvPicPr>
+          <p:nvPr/>
+        </p:nvPicPr>
+        <p:blipFill>
+          <a:blip r:embed="rId3">
+            <a:extLst>
+              <a:ext uri="{28A0092B-C50C-407E-A947-70E740481C1C}">
+                <a14:useLocalDpi xmlns:a14="http://schemas.microsoft.com/office/drawing/2010/main" val="0"/>
+              </a:ext>
+            </a:extLst>
+          </a:blip>
+          <a:stretch>
+            <a:fillRect/>
+          </a:stretch>
+        </p:blipFill>
+        <p:spPr>
+          <a:xfrm>
+            <a:off x="10894024" y="5372286"/>
+            <a:ext cx="1295238" cy="1485714"/>
+          </a:xfrm>
+          <a:prstGeom prst="rect">
+            <a:avLst/>
+          </a:prstGeom>
+        </p:spPr>
+      </p:pic>
+      <p:sp>
+        <p:nvSpPr>
+          <p:cNvPr id="5" name="TextBox 4">
+            <a:extLst>
+              <a:ext uri="{FF2B5EF4-FFF2-40B4-BE49-F238E27FC236}">
+                <a16:creationId xmlns:a16="http://schemas.microsoft.com/office/drawing/2014/main" id="{E6387811-4F0E-B40E-9FBC-65A81E1411FB}"/>
+              </a:ext>
+            </a:extLst>
+          </p:cNvPr>
+          <p:cNvSpPr txBox="1"/>
+          <p:nvPr/>
+        </p:nvSpPr>
+        <p:spPr>
+          <a:xfrm>
+            <a:off x="295835" y="1271570"/>
+            <a:ext cx="8589981" cy="2250488"/>
+          </a:xfrm>
+          <a:prstGeom prst="rect">
+            <a:avLst/>
+          </a:prstGeom>
+          <a:noFill/>
+        </p:spPr>
+        <p:txBody>
+          <a:bodyPr wrap="square" rtlCol="0">
+            <a:spAutoFit/>
+          </a:bodyPr>
+          <a:lstStyle/>
+          <a:p>
+            <a:pPr marL="457200" marR="190500" lvl="0" indent="-381000">
+              <a:lnSpc>
+                <a:spcPct val="115000"/>
+              </a:lnSpc>
+              <a:spcBef>
+                <a:spcPts val="800"/>
+              </a:spcBef>
+              <a:buClr>
+                <a:srgbClr val="CF3338"/>
+              </a:buClr>
+              <a:buSzPts val="2400"/>
+              <a:buChar char="•"/>
+            </a:pPr>
+            <a:r>
+              <a:rPr lang="en-US" sz="2800" dirty="0">
+                <a:solidFill>
+                  <a:srgbClr val="505050"/>
+                </a:solidFill>
+              </a:rPr>
+              <a:t>Files: </a:t>
+            </a:r>
+            <a:r>
+              <a:rPr lang="en-US" sz="2800" dirty="0">
+                <a:solidFill>
+                  <a:srgbClr val="505050"/>
+                </a:solidFill>
+                <a:latin typeface="Consolas" panose="020B0609020204030204" pitchFamily="49" charset="0"/>
+              </a:rPr>
+              <a:t>superstore</a:t>
+            </a:r>
+            <a:r>
+              <a:rPr lang="en-US" sz="2800" dirty="0">
+                <a:solidFill>
+                  <a:srgbClr val="505050"/>
+                </a:solidFill>
+              </a:rPr>
+              <a:t> folder</a:t>
+            </a:r>
+          </a:p>
+          <a:p>
+            <a:pPr marL="457200" marR="190500" lvl="0" indent="-381000">
+              <a:lnSpc>
+                <a:spcPct val="115000"/>
+              </a:lnSpc>
+              <a:spcBef>
+                <a:spcPts val="800"/>
+              </a:spcBef>
+              <a:buClr>
+                <a:srgbClr val="CF3338"/>
+              </a:buClr>
+              <a:buSzPts val="2400"/>
+              <a:buChar char="•"/>
+            </a:pPr>
+            <a:r>
+              <a:rPr lang="en-US" sz="2800" dirty="0">
+                <a:solidFill>
+                  <a:srgbClr val="505050"/>
+                </a:solidFill>
+              </a:rPr>
+              <a:t>Create a dashboard to monitor average unit sales, profitability, _______ </a:t>
+            </a:r>
+          </a:p>
+          <a:p>
+            <a:pPr marL="457200" marR="190500" lvl="0" indent="-381000">
+              <a:lnSpc>
+                <a:spcPct val="115000"/>
+              </a:lnSpc>
+              <a:spcBef>
+                <a:spcPts val="800"/>
+              </a:spcBef>
+              <a:buClr>
+                <a:srgbClr val="CF3338"/>
+              </a:buClr>
+              <a:buSzPts val="2400"/>
+              <a:buChar char="•"/>
+            </a:pPr>
+            <a:r>
+              <a:rPr lang="en-US" sz="2800" dirty="0">
+                <a:solidFill>
+                  <a:srgbClr val="505050"/>
+                </a:solidFill>
+              </a:rPr>
+              <a:t>Open a blank workbook to start…</a:t>
+            </a:r>
+          </a:p>
+        </p:txBody>
+      </p:sp>
+    </p:spTree>
+    <p:extLst>
+      <p:ext uri="{BB962C8B-B14F-4D97-AF65-F5344CB8AC3E}">
+        <p14:creationId xmlns:p14="http://schemas.microsoft.com/office/powerpoint/2010/main" val="3050525721"/>
+      </p:ext>
+    </p:extLst>
+  </p:cSld>
+  <p:clrMapOvr>
+    <a:masterClrMapping/>
+  </p:clrMapOvr>
+</p:sld>
+</file>
+
+<file path=ppt/slides/slide23.xml><?xml version="1.0" encoding="utf-8"?>
 <p:sld xmlns:a="http://schemas.openxmlformats.org/drawingml/2006/main" xmlns:r="http://schemas.openxmlformats.org/officeDocument/2006/relationships" xmlns:p="http://schemas.openxmlformats.org/presentationml/2006/main">
   <p:cSld>
     <p:spTree>
@@ -7733,122 +7923,6 @@
 </p:sld>
 </file>
 
-<file path=ppt/slides/slide23.xml><?xml version="1.0" encoding="utf-8"?>
-<p:sld xmlns:a="http://schemas.openxmlformats.org/drawingml/2006/main" xmlns:r="http://schemas.openxmlformats.org/officeDocument/2006/relationships" xmlns:p="http://schemas.openxmlformats.org/presentationml/2006/main">
-  <p:cSld>
-    <p:spTree>
-      <p:nvGrpSpPr>
-        <p:cNvPr id="1" name=""/>
-        <p:cNvGrpSpPr/>
-        <p:nvPr/>
-      </p:nvGrpSpPr>
-      <p:grpSpPr>
-        <a:xfrm>
-          <a:off x="0" y="0"/>
-          <a:ext cx="0" cy="0"/>
-          <a:chOff x="0" y="0"/>
-          <a:chExt cx="0" cy="0"/>
-        </a:xfrm>
-      </p:grpSpPr>
-      <p:sp>
-        <p:nvSpPr>
-          <p:cNvPr id="4" name="Rectangle 3"/>
-          <p:cNvSpPr/>
-          <p:nvPr/>
-        </p:nvSpPr>
-        <p:spPr>
-          <a:xfrm>
-            <a:off x="0" y="0"/>
-            <a:ext cx="12192000" cy="6858000"/>
-          </a:xfrm>
-          <a:prstGeom prst="rect">
-            <a:avLst/>
-          </a:prstGeom>
-          <a:solidFill>
-            <a:srgbClr val="CF3338"/>
-          </a:solidFill>
-          <a:ln>
-            <a:noFill/>
-          </a:ln>
-        </p:spPr>
-        <p:style>
-          <a:lnRef idx="2">
-            <a:schemeClr val="accent1">
-              <a:shade val="50000"/>
-            </a:schemeClr>
-          </a:lnRef>
-          <a:fillRef idx="1">
-            <a:schemeClr val="accent1"/>
-          </a:fillRef>
-          <a:effectRef idx="0">
-            <a:schemeClr val="accent1"/>
-          </a:effectRef>
-          <a:fontRef idx="minor">
-            <a:schemeClr val="lt1"/>
-          </a:fontRef>
-        </p:style>
-        <p:txBody>
-          <a:bodyPr rtlCol="0" anchor="ctr"/>
-          <a:lstStyle/>
-          <a:p>
-            <a:pPr algn="ctr"/>
-            <a:endParaRPr lang="en-US"/>
-          </a:p>
-        </p:txBody>
-      </p:sp>
-      <p:sp>
-        <p:nvSpPr>
-          <p:cNvPr id="5" name="TextBox 4"/>
-          <p:cNvSpPr txBox="1"/>
-          <p:nvPr/>
-        </p:nvSpPr>
-        <p:spPr>
-          <a:xfrm>
-            <a:off x="520861" y="393539"/>
-            <a:ext cx="10324617" cy="1107996"/>
-          </a:xfrm>
-          <a:prstGeom prst="rect">
-            <a:avLst/>
-          </a:prstGeom>
-          <a:noFill/>
-        </p:spPr>
-        <p:txBody>
-          <a:bodyPr wrap="square" rtlCol="0">
-            <a:spAutoFit/>
-          </a:bodyPr>
-          <a:lstStyle/>
-          <a:p>
-            <a:r>
-              <a:rPr lang="en-US" sz="6600" b="1" dirty="0">
-                <a:solidFill>
-                  <a:schemeClr val="bg1"/>
-                </a:solidFill>
-                <a:latin typeface="Normafixed Tryout" panose="00000409000000000000" pitchFamily="49" charset="0"/>
-              </a:rPr>
-              <a:t>Conclusion &amp; Resources</a:t>
-            </a:r>
-            <a:endParaRPr lang="en-US" sz="6600" b="1" dirty="0">
-              <a:solidFill>
-                <a:schemeClr val="bg1"/>
-              </a:solidFill>
-              <a:latin typeface="Consolas" panose="020B0609020204030204" pitchFamily="49" charset="0"/>
-            </a:endParaRPr>
-          </a:p>
-        </p:txBody>
-      </p:sp>
-    </p:spTree>
-    <p:extLst>
-      <p:ext uri="{BB962C8B-B14F-4D97-AF65-F5344CB8AC3E}">
-        <p14:creationId xmlns:p14="http://schemas.microsoft.com/office/powerpoint/2010/main" val="1115844779"/>
-      </p:ext>
-    </p:extLst>
-  </p:cSld>
-  <p:clrMapOvr>
-    <a:masterClrMapping/>
-  </p:clrMapOvr>
-</p:sld>
-</file>
-
 <file path=ppt/slides/slide24.xml><?xml version="1.0" encoding="utf-8"?>
 <p:sld xmlns:a="http://schemas.openxmlformats.org/drawingml/2006/main" xmlns:r="http://schemas.openxmlformats.org/officeDocument/2006/relationships" xmlns:p="http://schemas.openxmlformats.org/presentationml/2006/main">
   <p:cSld>
@@ -7866,45 +7940,62 @@
           <a:chExt cx="0" cy="0"/>
         </a:xfrm>
       </p:grpSpPr>
-      <p:pic>
-        <p:nvPicPr>
-          <p:cNvPr id="10" name="Picture 9"/>
-          <p:cNvPicPr>
-            <a:picLocks noChangeAspect="1"/>
-          </p:cNvPicPr>
+      <p:sp>
+        <p:nvSpPr>
+          <p:cNvPr id="4" name="Rectangle 3"/>
+          <p:cNvSpPr/>
           <p:nvPr/>
-        </p:nvPicPr>
-        <p:blipFill rotWithShape="1">
-          <a:blip r:embed="rId2">
-            <a:extLst>
-              <a:ext uri="{28A0092B-C50C-407E-A947-70E740481C1C}">
-                <a14:useLocalDpi xmlns:a14="http://schemas.microsoft.com/office/drawing/2010/main" val="0"/>
-              </a:ext>
-            </a:extLst>
-          </a:blip>
-          <a:srcRect l="50728" t="56371"/>
-          <a:stretch/>
-        </p:blipFill>
-        <p:spPr>
-          <a:xfrm>
-            <a:off x="10894024" y="5370653"/>
-            <a:ext cx="1297975" cy="1487348"/>
+        </p:nvSpPr>
+        <p:spPr>
+          <a:xfrm>
+            <a:off x="0" y="0"/>
+            <a:ext cx="12192000" cy="6858000"/>
           </a:xfrm>
           <a:prstGeom prst="rect">
             <a:avLst/>
           </a:prstGeom>
-        </p:spPr>
-      </p:pic>
-      <p:sp>
-        <p:nvSpPr>
-          <p:cNvPr id="11" name="TextBox 10"/>
+          <a:solidFill>
+            <a:srgbClr val="CF3338"/>
+          </a:solidFill>
+          <a:ln>
+            <a:noFill/>
+          </a:ln>
+        </p:spPr>
+        <p:style>
+          <a:lnRef idx="2">
+            <a:schemeClr val="accent1">
+              <a:shade val="50000"/>
+            </a:schemeClr>
+          </a:lnRef>
+          <a:fillRef idx="1">
+            <a:schemeClr val="accent1"/>
+          </a:fillRef>
+          <a:effectRef idx="0">
+            <a:schemeClr val="accent1"/>
+          </a:effectRef>
+          <a:fontRef idx="minor">
+            <a:schemeClr val="lt1"/>
+          </a:fontRef>
+        </p:style>
+        <p:txBody>
+          <a:bodyPr rtlCol="0" anchor="ctr"/>
+          <a:lstStyle/>
+          <a:p>
+            <a:pPr algn="ctr"/>
+            <a:endParaRPr lang="en-US"/>
+          </a:p>
+        </p:txBody>
+      </p:sp>
+      <p:sp>
+        <p:nvSpPr>
+          <p:cNvPr id="5" name="TextBox 4"/>
           <p:cNvSpPr txBox="1"/>
           <p:nvPr/>
         </p:nvSpPr>
         <p:spPr>
           <a:xfrm>
-            <a:off x="347240" y="113388"/>
-            <a:ext cx="11447363" cy="2585323"/>
+            <a:off x="520861" y="393539"/>
+            <a:ext cx="10324617" cy="1107996"/>
           </a:xfrm>
           <a:prstGeom prst="rect">
             <a:avLst/>
@@ -7918,127 +8009,27 @@
           <a:lstStyle/>
           <a:p>
             <a:r>
-              <a:rPr lang="en-US" sz="5400" i="1" dirty="0">
-                <a:latin typeface="Aliens &amp; cows" panose="00000500000000000000" pitchFamily="2" charset="0"/>
-              </a:rPr>
-              <a:t>Excel Power Pivot &amp; Power Query for Dummies, </a:t>
-            </a:r>
-            <a:r>
-              <a:rPr lang="en-US" sz="5400" dirty="0">
-                <a:latin typeface="Aliens &amp; cows" panose="00000500000000000000" pitchFamily="2" charset="0"/>
-              </a:rPr>
-              <a:t>2</a:t>
-            </a:r>
-            <a:r>
-              <a:rPr lang="en-US" sz="5400" baseline="30000" dirty="0">
-                <a:latin typeface="Aliens &amp; cows" panose="00000500000000000000" pitchFamily="2" charset="0"/>
-              </a:rPr>
-              <a:t>nd</a:t>
-            </a:r>
-            <a:r>
-              <a:rPr lang="en-US" sz="5400" dirty="0">
-                <a:latin typeface="Aliens &amp; cows" panose="00000500000000000000" pitchFamily="2" charset="0"/>
-              </a:rPr>
-              <a:t> Edition</a:t>
-            </a:r>
-          </a:p>
-          <a:p>
-            <a:r>
-              <a:rPr lang="en-US" sz="5400" dirty="0">
-                <a:latin typeface="Aliens &amp; cows" panose="00000500000000000000" pitchFamily="2" charset="0"/>
-              </a:rPr>
-              <a:t>by Michael Alexander</a:t>
-            </a:r>
-          </a:p>
-        </p:txBody>
-      </p:sp>
-      <p:pic>
-        <p:nvPicPr>
-          <p:cNvPr id="6" name="Picture 5" descr="A close up of a sign&#10;&#10;Description automatically generated">
-            <a:extLst>
-              <a:ext uri="{FF2B5EF4-FFF2-40B4-BE49-F238E27FC236}">
-                <a16:creationId xmlns:a16="http://schemas.microsoft.com/office/drawing/2014/main" id="{69CD627F-A48D-4910-BDAB-E86D1B428A91}"/>
-              </a:ext>
-            </a:extLst>
-          </p:cNvPr>
-          <p:cNvPicPr>
-            <a:picLocks noChangeAspect="1"/>
-          </p:cNvPicPr>
-          <p:nvPr/>
-        </p:nvPicPr>
-        <p:blipFill>
-          <a:blip r:embed="rId3">
-            <a:extLst>
-              <a:ext uri="{28A0092B-C50C-407E-A947-70E740481C1C}">
-                <a14:useLocalDpi xmlns:a14="http://schemas.microsoft.com/office/drawing/2010/main" val="0"/>
-              </a:ext>
-            </a:extLst>
-          </a:blip>
-          <a:stretch>
-            <a:fillRect/>
-          </a:stretch>
-        </p:blipFill>
-        <p:spPr>
-          <a:xfrm>
-            <a:off x="10894024" y="5372286"/>
-            <a:ext cx="1295238" cy="1485714"/>
-          </a:xfrm>
-          <a:prstGeom prst="rect">
-            <a:avLst/>
-          </a:prstGeom>
-        </p:spPr>
-      </p:pic>
-      <p:pic>
-        <p:nvPicPr>
-          <p:cNvPr id="1026" name="Picture 2" descr="Excel Power Pivot &amp; Power Query For Dummies, 2nd Edition | Wiley">
-            <a:extLst>
-              <a:ext uri="{FF2B5EF4-FFF2-40B4-BE49-F238E27FC236}">
-                <a16:creationId xmlns:a16="http://schemas.microsoft.com/office/drawing/2014/main" id="{E8BEF313-D798-61BA-155B-712422A0FF33}"/>
-              </a:ext>
-            </a:extLst>
-          </p:cNvPr>
-          <p:cNvPicPr>
-            <a:picLocks noChangeAspect="1" noChangeArrowheads="1"/>
-          </p:cNvPicPr>
-          <p:nvPr/>
-        </p:nvPicPr>
-        <p:blipFill>
-          <a:blip r:embed="rId4">
-            <a:extLst>
-              <a:ext uri="{28A0092B-C50C-407E-A947-70E740481C1C}">
-                <a14:useLocalDpi xmlns:a14="http://schemas.microsoft.com/office/drawing/2010/main" val="0"/>
-              </a:ext>
-            </a:extLst>
-          </a:blip>
-          <a:srcRect/>
-          <a:stretch>
-            <a:fillRect/>
-          </a:stretch>
-        </p:blipFill>
-        <p:spPr bwMode="auto">
-          <a:xfrm>
-            <a:off x="7263081" y="1450041"/>
-            <a:ext cx="3829909" cy="4800152"/>
-          </a:xfrm>
-          <a:prstGeom prst="rect">
-            <a:avLst/>
-          </a:prstGeom>
-          <a:noFill/>
-          <a:extLst>
-            <a:ext uri="{909E8E84-426E-40DD-AFC4-6F175D3DCCD1}">
-              <a14:hiddenFill xmlns:a14="http://schemas.microsoft.com/office/drawing/2010/main">
-                <a:solidFill>
-                  <a:srgbClr val="FFFFFF"/>
-                </a:solidFill>
-              </a14:hiddenFill>
-            </a:ext>
-          </a:extLst>
-        </p:spPr>
-      </p:pic>
+              <a:rPr lang="en-US" sz="6600" b="1" dirty="0">
+                <a:solidFill>
+                  <a:schemeClr val="bg1"/>
+                </a:solidFill>
+                <a:latin typeface="Normafixed Tryout" panose="00000409000000000000" pitchFamily="49" charset="0"/>
+              </a:rPr>
+              <a:t>Conclusion &amp; Resources</a:t>
+            </a:r>
+            <a:endParaRPr lang="en-US" sz="6600" b="1" dirty="0">
+              <a:solidFill>
+                <a:schemeClr val="bg1"/>
+              </a:solidFill>
+              <a:latin typeface="Consolas" panose="020B0609020204030204" pitchFamily="49" charset="0"/>
+            </a:endParaRPr>
+          </a:p>
+        </p:txBody>
+      </p:sp>
     </p:spTree>
     <p:extLst>
       <p:ext uri="{BB962C8B-B14F-4D97-AF65-F5344CB8AC3E}">
-        <p14:creationId xmlns:p14="http://schemas.microsoft.com/office/powerpoint/2010/main" val="2647322791"/>
+        <p14:creationId xmlns:p14="http://schemas.microsoft.com/office/powerpoint/2010/main" val="1115844779"/>
       </p:ext>
     </p:extLst>
   </p:cSld>
@@ -8102,6 +8093,205 @@
         </p:nvSpPr>
         <p:spPr>
           <a:xfrm>
+            <a:off x="347240" y="113388"/>
+            <a:ext cx="11447363" cy="2585323"/>
+          </a:xfrm>
+          <a:prstGeom prst="rect">
+            <a:avLst/>
+          </a:prstGeom>
+          <a:noFill/>
+        </p:spPr>
+        <p:txBody>
+          <a:bodyPr wrap="square" rtlCol="0">
+            <a:spAutoFit/>
+          </a:bodyPr>
+          <a:lstStyle/>
+          <a:p>
+            <a:r>
+              <a:rPr lang="en-US" sz="5400" i="1" dirty="0">
+                <a:latin typeface="Aliens &amp; cows" panose="00000500000000000000" pitchFamily="2" charset="0"/>
+              </a:rPr>
+              <a:t>Excel Power Pivot &amp; Power Query for Dummies, </a:t>
+            </a:r>
+            <a:r>
+              <a:rPr lang="en-US" sz="5400" dirty="0">
+                <a:latin typeface="Aliens &amp; cows" panose="00000500000000000000" pitchFamily="2" charset="0"/>
+              </a:rPr>
+              <a:t>2</a:t>
+            </a:r>
+            <a:r>
+              <a:rPr lang="en-US" sz="5400" baseline="30000" dirty="0">
+                <a:latin typeface="Aliens &amp; cows" panose="00000500000000000000" pitchFamily="2" charset="0"/>
+              </a:rPr>
+              <a:t>nd</a:t>
+            </a:r>
+            <a:r>
+              <a:rPr lang="en-US" sz="5400" dirty="0">
+                <a:latin typeface="Aliens &amp; cows" panose="00000500000000000000" pitchFamily="2" charset="0"/>
+              </a:rPr>
+              <a:t> Edition</a:t>
+            </a:r>
+          </a:p>
+          <a:p>
+            <a:r>
+              <a:rPr lang="en-US" sz="5400" dirty="0">
+                <a:latin typeface="Aliens &amp; cows" panose="00000500000000000000" pitchFamily="2" charset="0"/>
+              </a:rPr>
+              <a:t>by Michael Alexander</a:t>
+            </a:r>
+          </a:p>
+        </p:txBody>
+      </p:sp>
+      <p:pic>
+        <p:nvPicPr>
+          <p:cNvPr id="6" name="Picture 5" descr="A close up of a sign&#10;&#10;Description automatically generated">
+            <a:extLst>
+              <a:ext uri="{FF2B5EF4-FFF2-40B4-BE49-F238E27FC236}">
+                <a16:creationId xmlns:a16="http://schemas.microsoft.com/office/drawing/2014/main" id="{69CD627F-A48D-4910-BDAB-E86D1B428A91}"/>
+              </a:ext>
+            </a:extLst>
+          </p:cNvPr>
+          <p:cNvPicPr>
+            <a:picLocks noChangeAspect="1"/>
+          </p:cNvPicPr>
+          <p:nvPr/>
+        </p:nvPicPr>
+        <p:blipFill>
+          <a:blip r:embed="rId3">
+            <a:extLst>
+              <a:ext uri="{28A0092B-C50C-407E-A947-70E740481C1C}">
+                <a14:useLocalDpi xmlns:a14="http://schemas.microsoft.com/office/drawing/2010/main" val="0"/>
+              </a:ext>
+            </a:extLst>
+          </a:blip>
+          <a:stretch>
+            <a:fillRect/>
+          </a:stretch>
+        </p:blipFill>
+        <p:spPr>
+          <a:xfrm>
+            <a:off x="10894024" y="5372286"/>
+            <a:ext cx="1295238" cy="1485714"/>
+          </a:xfrm>
+          <a:prstGeom prst="rect">
+            <a:avLst/>
+          </a:prstGeom>
+        </p:spPr>
+      </p:pic>
+      <p:pic>
+        <p:nvPicPr>
+          <p:cNvPr id="1026" name="Picture 2" descr="Excel Power Pivot &amp; Power Query For Dummies, 2nd Edition | Wiley">
+            <a:extLst>
+              <a:ext uri="{FF2B5EF4-FFF2-40B4-BE49-F238E27FC236}">
+                <a16:creationId xmlns:a16="http://schemas.microsoft.com/office/drawing/2014/main" id="{E8BEF313-D798-61BA-155B-712422A0FF33}"/>
+              </a:ext>
+            </a:extLst>
+          </p:cNvPr>
+          <p:cNvPicPr>
+            <a:picLocks noChangeAspect="1" noChangeArrowheads="1"/>
+          </p:cNvPicPr>
+          <p:nvPr/>
+        </p:nvPicPr>
+        <p:blipFill>
+          <a:blip r:embed="rId4">
+            <a:extLst>
+              <a:ext uri="{28A0092B-C50C-407E-A947-70E740481C1C}">
+                <a14:useLocalDpi xmlns:a14="http://schemas.microsoft.com/office/drawing/2010/main" val="0"/>
+              </a:ext>
+            </a:extLst>
+          </a:blip>
+          <a:srcRect/>
+          <a:stretch>
+            <a:fillRect/>
+          </a:stretch>
+        </p:blipFill>
+        <p:spPr bwMode="auto">
+          <a:xfrm>
+            <a:off x="7263081" y="1450041"/>
+            <a:ext cx="3829909" cy="4800152"/>
+          </a:xfrm>
+          <a:prstGeom prst="rect">
+            <a:avLst/>
+          </a:prstGeom>
+          <a:noFill/>
+          <a:extLst>
+            <a:ext uri="{909E8E84-426E-40DD-AFC4-6F175D3DCCD1}">
+              <a14:hiddenFill xmlns:a14="http://schemas.microsoft.com/office/drawing/2010/main">
+                <a:solidFill>
+                  <a:srgbClr val="FFFFFF"/>
+                </a:solidFill>
+              </a14:hiddenFill>
+            </a:ext>
+          </a:extLst>
+        </p:spPr>
+      </p:pic>
+    </p:spTree>
+    <p:extLst>
+      <p:ext uri="{BB962C8B-B14F-4D97-AF65-F5344CB8AC3E}">
+        <p14:creationId xmlns:p14="http://schemas.microsoft.com/office/powerpoint/2010/main" val="2647322791"/>
+      </p:ext>
+    </p:extLst>
+  </p:cSld>
+  <p:clrMapOvr>
+    <a:masterClrMapping/>
+  </p:clrMapOvr>
+</p:sld>
+</file>
+
+<file path=ppt/slides/slide26.xml><?xml version="1.0" encoding="utf-8"?>
+<p:sld xmlns:a="http://schemas.openxmlformats.org/drawingml/2006/main" xmlns:r="http://schemas.openxmlformats.org/officeDocument/2006/relationships" xmlns:p="http://schemas.openxmlformats.org/presentationml/2006/main">
+  <p:cSld>
+    <p:spTree>
+      <p:nvGrpSpPr>
+        <p:cNvPr id="1" name=""/>
+        <p:cNvGrpSpPr/>
+        <p:nvPr/>
+      </p:nvGrpSpPr>
+      <p:grpSpPr>
+        <a:xfrm>
+          <a:off x="0" y="0"/>
+          <a:ext cx="0" cy="0"/>
+          <a:chOff x="0" y="0"/>
+          <a:chExt cx="0" cy="0"/>
+        </a:xfrm>
+      </p:grpSpPr>
+      <p:pic>
+        <p:nvPicPr>
+          <p:cNvPr id="10" name="Picture 9"/>
+          <p:cNvPicPr>
+            <a:picLocks noChangeAspect="1"/>
+          </p:cNvPicPr>
+          <p:nvPr/>
+        </p:nvPicPr>
+        <p:blipFill rotWithShape="1">
+          <a:blip r:embed="rId2">
+            <a:extLst>
+              <a:ext uri="{28A0092B-C50C-407E-A947-70E740481C1C}">
+                <a14:useLocalDpi xmlns:a14="http://schemas.microsoft.com/office/drawing/2010/main" val="0"/>
+              </a:ext>
+            </a:extLst>
+          </a:blip>
+          <a:srcRect l="50728" t="56371"/>
+          <a:stretch/>
+        </p:blipFill>
+        <p:spPr>
+          <a:xfrm>
+            <a:off x="10894024" y="5370653"/>
+            <a:ext cx="1297975" cy="1487348"/>
+          </a:xfrm>
+          <a:prstGeom prst="rect">
+            <a:avLst/>
+          </a:prstGeom>
+        </p:spPr>
+      </p:pic>
+      <p:sp>
+        <p:nvSpPr>
+          <p:cNvPr id="11" name="TextBox 10"/>
+          <p:cNvSpPr txBox="1"/>
+          <p:nvPr/>
+        </p:nvSpPr>
+        <p:spPr>
+          <a:xfrm>
             <a:off x="347241" y="113388"/>
             <a:ext cx="10116044" cy="3416320"/>
           </a:xfrm>
@@ -8237,7 +8427,7 @@
 </p:sld>
 </file>
 
-<file path=ppt/slides/slide26.xml><?xml version="1.0" encoding="utf-8"?>
+<file path=ppt/slides/slide27.xml><?xml version="1.0" encoding="utf-8"?>
 <p:sld xmlns:a="http://schemas.openxmlformats.org/drawingml/2006/main" xmlns:r="http://schemas.openxmlformats.org/officeDocument/2006/relationships" xmlns:p="http://schemas.openxmlformats.org/presentationml/2006/main">
   <p:cSld>
     <p:spTree>
@@ -8442,7 +8632,7 @@
 </p:sld>
 </file>
 
-<file path=ppt/slides/slide27.xml><?xml version="1.0" encoding="utf-8"?>
+<file path=ppt/slides/slide28.xml><?xml version="1.0" encoding="utf-8"?>
 <p:sld xmlns:a="http://schemas.openxmlformats.org/drawingml/2006/main" xmlns:r="http://schemas.openxmlformats.org/officeDocument/2006/relationships" xmlns:p="http://schemas.openxmlformats.org/presentationml/2006/main">
   <p:cSld>
     <p:spTree>

--- a/pivot-table-dashboards-reports.pptx
+++ b/pivot-table-dashboards-reports.pptx
@@ -5,7 +5,7 @@
     <p:sldMasterId id="2147483648" r:id="rId1"/>
   </p:sldMasterIdLst>
   <p:notesMasterIdLst>
-    <p:notesMasterId r:id="rId30"/>
+    <p:notesMasterId r:id="rId33"/>
   </p:notesMasterIdLst>
   <p:sldIdLst>
     <p:sldId id="256" r:id="rId2"/>
@@ -26,16 +26,19 @@
     <p:sldId id="365" r:id="rId17"/>
     <p:sldId id="366" r:id="rId18"/>
     <p:sldId id="376" r:id="rId19"/>
-    <p:sldId id="367" r:id="rId20"/>
-    <p:sldId id="371" r:id="rId21"/>
-    <p:sldId id="372" r:id="rId22"/>
-    <p:sldId id="377" r:id="rId23"/>
-    <p:sldId id="370" r:id="rId24"/>
-    <p:sldId id="350" r:id="rId25"/>
-    <p:sldId id="351" r:id="rId26"/>
-    <p:sldId id="352" r:id="rId27"/>
-    <p:sldId id="354" r:id="rId28"/>
-    <p:sldId id="355" r:id="rId29"/>
+    <p:sldId id="381" r:id="rId20"/>
+    <p:sldId id="367" r:id="rId21"/>
+    <p:sldId id="371" r:id="rId22"/>
+    <p:sldId id="372" r:id="rId23"/>
+    <p:sldId id="380" r:id="rId24"/>
+    <p:sldId id="379" r:id="rId25"/>
+    <p:sldId id="378" r:id="rId26"/>
+    <p:sldId id="370" r:id="rId27"/>
+    <p:sldId id="350" r:id="rId28"/>
+    <p:sldId id="351" r:id="rId29"/>
+    <p:sldId id="352" r:id="rId30"/>
+    <p:sldId id="354" r:id="rId31"/>
+    <p:sldId id="355" r:id="rId32"/>
   </p:sldIdLst>
   <p:sldSz cx="12192000" cy="6858000"/>
   <p:notesSz cx="6858000" cy="9144000"/>
@@ -810,7 +813,7 @@
           <a:p>
             <a:r>
               <a:rPr lang="en-US" dirty="0"/>
-              <a:t>The Power Query course will be good to actually shape this data. /</a:t>
+              <a:t>Basically let’s see how people feel about these and they can become guided to the right extent </a:t>
             </a:r>
           </a:p>
         </p:txBody>
@@ -832,7 +835,7 @@
           <a:p>
             <a:fld id="{1300335D-9F13-4B80-ADC5-B0EA3E10FF6B}" type="slidenum">
               <a:rPr lang="en-US" smtClean="0"/>
-              <a:t>21</a:t>
+              <a:t>19</a:t>
             </a:fld>
             <a:endParaRPr lang="en-US"/>
           </a:p>
@@ -841,7 +844,7 @@
     </p:spTree>
     <p:extLst>
       <p:ext uri="{BB962C8B-B14F-4D97-AF65-F5344CB8AC3E}">
-        <p14:creationId xmlns:p14="http://schemas.microsoft.com/office/powerpoint/2010/main" val="1608172016"/>
+        <p14:creationId xmlns:p14="http://schemas.microsoft.com/office/powerpoint/2010/main" val="2272772244"/>
       </p:ext>
     </p:extLst>
   </p:cSld>
@@ -928,7 +931,7 @@
     </p:spTree>
     <p:extLst>
       <p:ext uri="{BB962C8B-B14F-4D97-AF65-F5344CB8AC3E}">
-        <p14:creationId xmlns:p14="http://schemas.microsoft.com/office/powerpoint/2010/main" val="3439483730"/>
+        <p14:creationId xmlns:p14="http://schemas.microsoft.com/office/powerpoint/2010/main" val="1608172016"/>
       </p:ext>
     </p:extLst>
   </p:cSld>
@@ -982,7 +985,10 @@
           <a:bodyPr/>
           <a:lstStyle/>
           <a:p>
-            <a:endParaRPr lang="en-US" dirty="0"/>
+            <a:r>
+              <a:rPr lang="en-US" dirty="0"/>
+              <a:t>So this is like the Power Pivot PDQ stuff. </a:t>
+            </a:r>
           </a:p>
         </p:txBody>
       </p:sp>
@@ -1001,9 +1007,267 @@
           <a:bodyPr/>
           <a:lstStyle/>
           <a:p>
+            <a:fld id="{1300335D-9F13-4B80-ADC5-B0EA3E10FF6B}" type="slidenum">
+              <a:rPr lang="en-US" smtClean="0"/>
+              <a:t>23</a:t>
+            </a:fld>
+            <a:endParaRPr lang="en-US"/>
+          </a:p>
+        </p:txBody>
+      </p:sp>
+    </p:spTree>
+    <p:extLst>
+      <p:ext uri="{BB962C8B-B14F-4D97-AF65-F5344CB8AC3E}">
+        <p14:creationId xmlns:p14="http://schemas.microsoft.com/office/powerpoint/2010/main" val="1621216276"/>
+      </p:ext>
+    </p:extLst>
+  </p:cSld>
+  <p:clrMapOvr>
+    <a:masterClrMapping/>
+  </p:clrMapOvr>
+</p:notes>
+</file>
+
+<file path=ppt/notesSlides/notesSlide15.xml><?xml version="1.0" encoding="utf-8"?>
+<p:notes xmlns:a="http://schemas.openxmlformats.org/drawingml/2006/main" xmlns:r="http://schemas.openxmlformats.org/officeDocument/2006/relationships" xmlns:p="http://schemas.openxmlformats.org/presentationml/2006/main">
+  <p:cSld>
+    <p:spTree>
+      <p:nvGrpSpPr>
+        <p:cNvPr id="1" name=""/>
+        <p:cNvGrpSpPr/>
+        <p:nvPr/>
+      </p:nvGrpSpPr>
+      <p:grpSpPr>
+        <a:xfrm>
+          <a:off x="0" y="0"/>
+          <a:ext cx="0" cy="0"/>
+          <a:chOff x="0" y="0"/>
+          <a:chExt cx="0" cy="0"/>
+        </a:xfrm>
+      </p:grpSpPr>
+      <p:sp>
+        <p:nvSpPr>
+          <p:cNvPr id="2" name="Slide Image Placeholder 1"/>
+          <p:cNvSpPr>
+            <a:spLocks noGrp="1" noRot="1" noChangeAspect="1"/>
+          </p:cNvSpPr>
+          <p:nvPr>
+            <p:ph type="sldImg"/>
+          </p:nvPr>
+        </p:nvSpPr>
+        <p:spPr/>
+      </p:sp>
+      <p:sp>
+        <p:nvSpPr>
+          <p:cNvPr id="3" name="Notes Placeholder 2"/>
+          <p:cNvSpPr>
+            <a:spLocks noGrp="1"/>
+          </p:cNvSpPr>
+          <p:nvPr>
+            <p:ph type="body" idx="1"/>
+          </p:nvPr>
+        </p:nvSpPr>
+        <p:spPr/>
+        <p:txBody>
+          <a:bodyPr/>
+          <a:lstStyle/>
+          <a:p>
+            <a:r>
+              <a:rPr lang="en-US" dirty="0"/>
+              <a:t>Doesn’t work so well, right? </a:t>
+            </a:r>
+          </a:p>
+        </p:txBody>
+      </p:sp>
+      <p:sp>
+        <p:nvSpPr>
+          <p:cNvPr id="4" name="Slide Number Placeholder 3"/>
+          <p:cNvSpPr>
+            <a:spLocks noGrp="1"/>
+          </p:cNvSpPr>
+          <p:nvPr>
+            <p:ph type="sldNum" sz="quarter" idx="5"/>
+          </p:nvPr>
+        </p:nvSpPr>
+        <p:spPr/>
+        <p:txBody>
+          <a:bodyPr/>
+          <a:lstStyle/>
+          <a:p>
+            <a:fld id="{1300335D-9F13-4B80-ADC5-B0EA3E10FF6B}" type="slidenum">
+              <a:rPr lang="en-US" smtClean="0"/>
+              <a:t>24</a:t>
+            </a:fld>
+            <a:endParaRPr lang="en-US"/>
+          </a:p>
+        </p:txBody>
+      </p:sp>
+    </p:spTree>
+    <p:extLst>
+      <p:ext uri="{BB962C8B-B14F-4D97-AF65-F5344CB8AC3E}">
+        <p14:creationId xmlns:p14="http://schemas.microsoft.com/office/powerpoint/2010/main" val="3797840150"/>
+      </p:ext>
+    </p:extLst>
+  </p:cSld>
+  <p:clrMapOvr>
+    <a:masterClrMapping/>
+  </p:clrMapOvr>
+</p:notes>
+</file>
+
+<file path=ppt/notesSlides/notesSlide16.xml><?xml version="1.0" encoding="utf-8"?>
+<p:notes xmlns:a="http://schemas.openxmlformats.org/drawingml/2006/main" xmlns:r="http://schemas.openxmlformats.org/officeDocument/2006/relationships" xmlns:p="http://schemas.openxmlformats.org/presentationml/2006/main">
+  <p:cSld>
+    <p:spTree>
+      <p:nvGrpSpPr>
+        <p:cNvPr id="1" name=""/>
+        <p:cNvGrpSpPr/>
+        <p:nvPr/>
+      </p:nvGrpSpPr>
+      <p:grpSpPr>
+        <a:xfrm>
+          <a:off x="0" y="0"/>
+          <a:ext cx="0" cy="0"/>
+          <a:chOff x="0" y="0"/>
+          <a:chExt cx="0" cy="0"/>
+        </a:xfrm>
+      </p:grpSpPr>
+      <p:sp>
+        <p:nvSpPr>
+          <p:cNvPr id="2" name="Slide Image Placeholder 1"/>
+          <p:cNvSpPr>
+            <a:spLocks noGrp="1" noRot="1" noChangeAspect="1"/>
+          </p:cNvSpPr>
+          <p:nvPr>
+            <p:ph type="sldImg"/>
+          </p:nvPr>
+        </p:nvSpPr>
+        <p:spPr/>
+      </p:sp>
+      <p:sp>
+        <p:nvSpPr>
+          <p:cNvPr id="3" name="Notes Placeholder 2"/>
+          <p:cNvSpPr>
+            <a:spLocks noGrp="1"/>
+          </p:cNvSpPr>
+          <p:nvPr>
+            <p:ph type="body" idx="1"/>
+          </p:nvPr>
+        </p:nvSpPr>
+        <p:spPr/>
+        <p:txBody>
+          <a:bodyPr/>
+          <a:lstStyle/>
+          <a:p>
+            <a:r>
+              <a:rPr lang="en-US" dirty="0"/>
+              <a:t>Doesn’t work so well, right? </a:t>
+            </a:r>
+          </a:p>
+        </p:txBody>
+      </p:sp>
+      <p:sp>
+        <p:nvSpPr>
+          <p:cNvPr id="4" name="Slide Number Placeholder 3"/>
+          <p:cNvSpPr>
+            <a:spLocks noGrp="1"/>
+          </p:cNvSpPr>
+          <p:nvPr>
+            <p:ph type="sldNum" sz="quarter" idx="5"/>
+          </p:nvPr>
+        </p:nvSpPr>
+        <p:spPr/>
+        <p:txBody>
+          <a:bodyPr/>
+          <a:lstStyle/>
+          <a:p>
+            <a:fld id="{1300335D-9F13-4B80-ADC5-B0EA3E10FF6B}" type="slidenum">
+              <a:rPr lang="en-US" smtClean="0"/>
+              <a:t>25</a:t>
+            </a:fld>
+            <a:endParaRPr lang="en-US"/>
+          </a:p>
+        </p:txBody>
+      </p:sp>
+    </p:spTree>
+    <p:extLst>
+      <p:ext uri="{BB962C8B-B14F-4D97-AF65-F5344CB8AC3E}">
+        <p14:creationId xmlns:p14="http://schemas.microsoft.com/office/powerpoint/2010/main" val="2767374928"/>
+      </p:ext>
+    </p:extLst>
+  </p:cSld>
+  <p:clrMapOvr>
+    <a:masterClrMapping/>
+  </p:clrMapOvr>
+</p:notes>
+</file>
+
+<file path=ppt/notesSlides/notesSlide17.xml><?xml version="1.0" encoding="utf-8"?>
+<p:notes xmlns:a="http://schemas.openxmlformats.org/drawingml/2006/main" xmlns:r="http://schemas.openxmlformats.org/officeDocument/2006/relationships" xmlns:p="http://schemas.openxmlformats.org/presentationml/2006/main">
+  <p:cSld>
+    <p:spTree>
+      <p:nvGrpSpPr>
+        <p:cNvPr id="1" name=""/>
+        <p:cNvGrpSpPr/>
+        <p:nvPr/>
+      </p:nvGrpSpPr>
+      <p:grpSpPr>
+        <a:xfrm>
+          <a:off x="0" y="0"/>
+          <a:ext cx="0" cy="0"/>
+          <a:chOff x="0" y="0"/>
+          <a:chExt cx="0" cy="0"/>
+        </a:xfrm>
+      </p:grpSpPr>
+      <p:sp>
+        <p:nvSpPr>
+          <p:cNvPr id="2" name="Slide Image Placeholder 1"/>
+          <p:cNvSpPr>
+            <a:spLocks noGrp="1" noRot="1" noChangeAspect="1"/>
+          </p:cNvSpPr>
+          <p:nvPr>
+            <p:ph type="sldImg"/>
+          </p:nvPr>
+        </p:nvSpPr>
+        <p:spPr/>
+      </p:sp>
+      <p:sp>
+        <p:nvSpPr>
+          <p:cNvPr id="3" name="Notes Placeholder 2"/>
+          <p:cNvSpPr>
+            <a:spLocks noGrp="1"/>
+          </p:cNvSpPr>
+          <p:nvPr>
+            <p:ph type="body" idx="1"/>
+          </p:nvPr>
+        </p:nvSpPr>
+        <p:spPr/>
+        <p:txBody>
+          <a:bodyPr/>
+          <a:lstStyle/>
+          <a:p>
+            <a:endParaRPr lang="en-US" dirty="0"/>
+          </a:p>
+        </p:txBody>
+      </p:sp>
+      <p:sp>
+        <p:nvSpPr>
+          <p:cNvPr id="4" name="Slide Number Placeholder 3"/>
+          <p:cNvSpPr>
+            <a:spLocks noGrp="1"/>
+          </p:cNvSpPr>
+          <p:nvPr>
+            <p:ph type="sldNum" sz="quarter" idx="5"/>
+          </p:nvPr>
+        </p:nvSpPr>
+        <p:spPr/>
+        <p:txBody>
+          <a:bodyPr/>
+          <a:lstStyle/>
+          <a:p>
             <a:fld id="{FFB500C5-13F7-48FC-8160-C29AECF6C602}" type="slidenum">
               <a:rPr lang="en-US" smtClean="0"/>
-              <a:t>23</a:t>
+              <a:t>26</a:t>
             </a:fld>
             <a:endParaRPr lang="en-US"/>
           </a:p>
@@ -6207,7 +6471,7 @@
         <p:spPr>
           <a:xfrm>
             <a:off x="173620" y="219919"/>
-            <a:ext cx="5937813" cy="3752822"/>
+            <a:ext cx="5937813" cy="4183709"/>
           </a:xfrm>
           <a:prstGeom prst="rect">
             <a:avLst/>
@@ -6229,6 +6493,32 @@
               </a:rPr>
               <a:t>Demo</a:t>
             </a:r>
+          </a:p>
+          <a:p>
+            <a:r>
+              <a:rPr lang="en-US" sz="2800" dirty="0">
+                <a:solidFill>
+                  <a:srgbClr val="CF3338"/>
+                </a:solidFill>
+                <a:latin typeface="Pragmatica" panose="020B0403040502020204"/>
+              </a:rPr>
+              <a:t>File:</a:t>
+            </a:r>
+            <a:r>
+              <a:rPr lang="en-US" sz="2800" dirty="0">
+                <a:solidFill>
+                  <a:srgbClr val="CF3338"/>
+                </a:solidFill>
+                <a:latin typeface="Consolas" panose="020B0609020204030204" pitchFamily="49" charset="0"/>
+              </a:rPr>
+              <a:t> pivot-charts-start.xlsx</a:t>
+            </a:r>
+            <a:endParaRPr lang="en-US" sz="2800" b="1" dirty="0">
+              <a:solidFill>
+                <a:srgbClr val="CF3338"/>
+              </a:solidFill>
+              <a:latin typeface="Pragmatica" panose="020B0403040502020204" pitchFamily="34" charset="0"/>
+            </a:endParaRPr>
           </a:p>
           <a:p>
             <a:r>
@@ -6672,7 +6962,7 @@
         <p:spPr>
           <a:xfrm>
             <a:off x="173620" y="219919"/>
-            <a:ext cx="5937813" cy="6771084"/>
+            <a:ext cx="5937813" cy="2364493"/>
           </a:xfrm>
           <a:prstGeom prst="rect">
             <a:avLst/>
@@ -6697,46 +6987,31 @@
           </a:p>
           <a:p>
             <a:r>
+              <a:rPr lang="en-US" sz="2000" dirty="0" err="1">
+                <a:solidFill>
+                  <a:srgbClr val="CF3338"/>
+                </a:solidFill>
+                <a:latin typeface="Consolas" panose="020B0609020204030204" pitchFamily="49" charset="0"/>
+              </a:rPr>
+              <a:t>hstarts</a:t>
+            </a:r>
+            <a:r>
               <a:rPr lang="en-US" sz="2000" dirty="0">
                 <a:solidFill>
                   <a:srgbClr val="CF3338"/>
                 </a:solidFill>
-                <a:latin typeface="Pragmatica" panose="020B0403040502020204" pitchFamily="34" charset="0"/>
-              </a:rPr>
-              <a:t>File: </a:t>
+                <a:latin typeface="Consolas" panose="020B0609020204030204" pitchFamily="49" charset="0"/>
+              </a:rPr>
+              <a:t> </a:t>
             </a:r>
             <a:r>
               <a:rPr lang="en-US" sz="2000" dirty="0">
                 <a:solidFill>
                   <a:srgbClr val="CF3338"/>
                 </a:solidFill>
-                <a:latin typeface="Consolas" panose="020B0609020204030204" pitchFamily="49" charset="0"/>
-              </a:rPr>
-              <a:t>teams-start.xlsx</a:t>
-            </a:r>
-          </a:p>
-          <a:p>
-            <a:pPr marL="95250" lvl="0">
-              <a:lnSpc>
-                <a:spcPct val="115000"/>
-              </a:lnSpc>
-              <a:spcBef>
-                <a:spcPts val="750"/>
-              </a:spcBef>
-              <a:buClr>
-                <a:srgbClr val="C00000"/>
-              </a:buClr>
-              <a:buSzPts val="2100"/>
-            </a:pPr>
-            <a:r>
-              <a:rPr lang="en-US" sz="2000" dirty="0">
-                <a:solidFill>
-                  <a:srgbClr val="CF3338"/>
-                </a:solidFill>
-                <a:latin typeface="Pragmatica" panose="020B0403040502020204" pitchFamily="34" charset="0"/>
-                <a:sym typeface="Consolas"/>
-              </a:rPr>
-              <a:t>Use PivotTables, charts and more to analyze &amp; visualize MLB data: </a:t>
+                <a:latin typeface="Pragmatica" panose="020B0403040502020204"/>
+              </a:rPr>
+              <a:t>worksheet:</a:t>
             </a:r>
           </a:p>
           <a:p>
@@ -6787,41 +7062,8 @@
                 <a:cs typeface="Consolas"/>
                 <a:sym typeface="Consolas"/>
               </a:rPr>
-              <a:t>Plot the franchises with the 10 most World Series wins since 1903 vs those </a:t>
-            </a:r>
-            <a:r>
-              <a:rPr lang="en-US" sz="2000" dirty="0" err="1">
-                <a:solidFill>
-                  <a:srgbClr val="CF3338"/>
-                </a:solidFill>
-                <a:latin typeface="Pragmatica" panose="020B0403040502020204" pitchFamily="34" charset="0"/>
-                <a:ea typeface="Consolas"/>
-                <a:cs typeface="Consolas"/>
-                <a:sym typeface="Consolas"/>
-              </a:rPr>
-              <a:t>franchses</a:t>
-            </a:r>
-            <a:r>
-              <a:rPr lang="en-US" sz="2000" dirty="0">
-                <a:solidFill>
-                  <a:srgbClr val="CF3338"/>
-                </a:solidFill>
-                <a:latin typeface="Pragmatica" panose="020B0403040502020204" pitchFamily="34" charset="0"/>
-                <a:ea typeface="Consolas"/>
-                <a:cs typeface="Consolas"/>
-                <a:sym typeface="Consolas"/>
-              </a:rPr>
-              <a:t>’ total number of World Series appearances. </a:t>
-            </a:r>
-            <a:endParaRPr lang="en-US" sz="2000" dirty="0">
-              <a:solidFill>
-                <a:srgbClr val="C00000"/>
-              </a:solidFill>
-              <a:latin typeface="Consolas" panose="020B0609020204030204" pitchFamily="49" charset="0"/>
-              <a:ea typeface="Consolas"/>
-              <a:cs typeface="Consolas"/>
-              <a:sym typeface="Consolas"/>
-            </a:endParaRPr>
+              <a:t>Visualize &amp; resample trends</a:t>
+            </a:r>
           </a:p>
           <a:p>
             <a:pPr marL="552450" lvl="0" indent="-457200">
@@ -6848,8 +7090,214 @@
                 <a:cs typeface="Consolas"/>
                 <a:sym typeface="Consolas"/>
               </a:rPr>
-              <a:t>Plot the average number of stolen bases per game from 1990 to 2017</a:t>
-            </a:r>
+              <a:t>Summarize &amp; visualize segments as % to total</a:t>
+            </a:r>
+          </a:p>
+        </p:txBody>
+      </p:sp>
+    </p:spTree>
+    <p:extLst>
+      <p:ext uri="{BB962C8B-B14F-4D97-AF65-F5344CB8AC3E}">
+        <p14:creationId xmlns:p14="http://schemas.microsoft.com/office/powerpoint/2010/main" val="1558020940"/>
+      </p:ext>
+    </p:extLst>
+  </p:cSld>
+  <p:clrMapOvr>
+    <a:masterClrMapping/>
+  </p:clrMapOvr>
+</p:sld>
+</file>
+
+<file path=ppt/slides/slide19.xml><?xml version="1.0" encoding="utf-8"?>
+<p:sld xmlns:a="http://schemas.openxmlformats.org/drawingml/2006/main" xmlns:r="http://schemas.openxmlformats.org/officeDocument/2006/relationships" xmlns:p="http://schemas.openxmlformats.org/presentationml/2006/main">
+  <p:cSld>
+    <p:spTree>
+      <p:nvGrpSpPr>
+        <p:cNvPr id="1" name=""/>
+        <p:cNvGrpSpPr/>
+        <p:nvPr/>
+      </p:nvGrpSpPr>
+      <p:grpSpPr>
+        <a:xfrm>
+          <a:off x="0" y="0"/>
+          <a:ext cx="0" cy="0"/>
+          <a:chOff x="0" y="0"/>
+          <a:chExt cx="0" cy="0"/>
+        </a:xfrm>
+      </p:grpSpPr>
+      <p:sp>
+        <p:nvSpPr>
+          <p:cNvPr id="4" name="Rectangle 3"/>
+          <p:cNvSpPr/>
+          <p:nvPr/>
+        </p:nvSpPr>
+        <p:spPr>
+          <a:xfrm>
+            <a:off x="6574420" y="0"/>
+            <a:ext cx="5617580" cy="6858000"/>
+          </a:xfrm>
+          <a:prstGeom prst="rect">
+            <a:avLst/>
+          </a:prstGeom>
+          <a:solidFill>
+            <a:srgbClr val="CF3338"/>
+          </a:solidFill>
+          <a:ln>
+            <a:noFill/>
+          </a:ln>
+        </p:spPr>
+        <p:style>
+          <a:lnRef idx="2">
+            <a:schemeClr val="accent1">
+              <a:shade val="50000"/>
+            </a:schemeClr>
+          </a:lnRef>
+          <a:fillRef idx="1">
+            <a:schemeClr val="accent1"/>
+          </a:fillRef>
+          <a:effectRef idx="0">
+            <a:schemeClr val="accent1"/>
+          </a:effectRef>
+          <a:fontRef idx="minor">
+            <a:schemeClr val="lt1"/>
+          </a:fontRef>
+        </p:style>
+        <p:txBody>
+          <a:bodyPr rtlCol="0" anchor="ctr"/>
+          <a:lstStyle/>
+          <a:p>
+            <a:pPr algn="ctr"/>
+            <a:endParaRPr lang="en-US"/>
+          </a:p>
+        </p:txBody>
+      </p:sp>
+      <p:pic>
+        <p:nvPicPr>
+          <p:cNvPr id="2" name="Picture 1"/>
+          <p:cNvPicPr>
+            <a:picLocks noChangeAspect="1"/>
+          </p:cNvPicPr>
+          <p:nvPr/>
+        </p:nvPicPr>
+        <p:blipFill rotWithShape="1">
+          <a:blip r:embed="rId3">
+            <a:extLst>
+              <a:ext uri="{28A0092B-C50C-407E-A947-70E740481C1C}">
+                <a14:useLocalDpi xmlns:a14="http://schemas.microsoft.com/office/drawing/2010/main" val="0"/>
+              </a:ext>
+            </a:extLst>
+          </a:blip>
+          <a:srcRect l="69227" t="33418" r="20112" b="50548"/>
+          <a:stretch/>
+        </p:blipFill>
+        <p:spPr>
+          <a:xfrm>
+            <a:off x="10386349" y="5029795"/>
+            <a:ext cx="1805651" cy="1991719"/>
+          </a:xfrm>
+          <a:prstGeom prst="rect">
+            <a:avLst/>
+          </a:prstGeom>
+        </p:spPr>
+      </p:pic>
+      <p:sp>
+        <p:nvSpPr>
+          <p:cNvPr id="3" name="TextBox 2"/>
+          <p:cNvSpPr txBox="1"/>
+          <p:nvPr/>
+        </p:nvSpPr>
+        <p:spPr>
+          <a:xfrm>
+            <a:off x="173620" y="219919"/>
+            <a:ext cx="5937813" cy="5857757"/>
+          </a:xfrm>
+          <a:prstGeom prst="rect">
+            <a:avLst/>
+          </a:prstGeom>
+          <a:noFill/>
+        </p:spPr>
+        <p:txBody>
+          <a:bodyPr wrap="square" rtlCol="0">
+            <a:spAutoFit/>
+          </a:bodyPr>
+          <a:lstStyle/>
+          <a:p>
+            <a:r>
+              <a:rPr lang="en-US" sz="4000" b="1" dirty="0">
+                <a:solidFill>
+                  <a:srgbClr val="CF3338"/>
+                </a:solidFill>
+                <a:latin typeface="Pragmatica" panose="020B0403040502020204" pitchFamily="34" charset="0"/>
+              </a:rPr>
+              <a:t>Demo/Exercises?</a:t>
+            </a:r>
+          </a:p>
+          <a:p>
+            <a:r>
+              <a:rPr lang="en-US" sz="2000" dirty="0">
+                <a:solidFill>
+                  <a:srgbClr val="CF3338"/>
+                </a:solidFill>
+                <a:latin typeface="Pragmatica" panose="020B0403040502020204" pitchFamily="34" charset="0"/>
+              </a:rPr>
+              <a:t>File: </a:t>
+            </a:r>
+            <a:r>
+              <a:rPr lang="en-US" sz="2000" dirty="0">
+                <a:solidFill>
+                  <a:srgbClr val="CF3338"/>
+                </a:solidFill>
+                <a:latin typeface="Consolas" panose="020B0609020204030204" pitchFamily="49" charset="0"/>
+              </a:rPr>
+              <a:t>teams-start.xlsx</a:t>
+            </a:r>
+          </a:p>
+          <a:p>
+            <a:pPr marL="95250" lvl="0">
+              <a:lnSpc>
+                <a:spcPct val="115000"/>
+              </a:lnSpc>
+              <a:spcBef>
+                <a:spcPts val="750"/>
+              </a:spcBef>
+              <a:buClr>
+                <a:srgbClr val="C00000"/>
+              </a:buClr>
+              <a:buSzPts val="2100"/>
+            </a:pPr>
+            <a:r>
+              <a:rPr lang="en-US" sz="2000" dirty="0">
+                <a:solidFill>
+                  <a:srgbClr val="CF3338"/>
+                </a:solidFill>
+                <a:latin typeface="Pragmatica" panose="020B0403040502020204" pitchFamily="34" charset="0"/>
+                <a:sym typeface="Consolas"/>
+              </a:rPr>
+              <a:t>Use PivotTables, charts and more to analyze &amp; visualize MLB data: </a:t>
+            </a:r>
+          </a:p>
+          <a:p>
+            <a:pPr marL="95250" lvl="0">
+              <a:lnSpc>
+                <a:spcPct val="115000"/>
+              </a:lnSpc>
+              <a:spcBef>
+                <a:spcPts val="750"/>
+              </a:spcBef>
+              <a:buClr>
+                <a:srgbClr val="C00000"/>
+              </a:buClr>
+              <a:buSzPts val="2100"/>
+            </a:pPr>
+            <a:endParaRPr lang="en-US" sz="2000" dirty="0">
+              <a:solidFill>
+                <a:srgbClr val="CF3338"/>
+              </a:solidFill>
+              <a:latin typeface="Pragmatica" panose="020B0403040502020204" pitchFamily="34" charset="0"/>
+              <a:ea typeface="Consolas"/>
+              <a:cs typeface="Consolas"/>
+              <a:sym typeface="Consolas"/>
+            </a:endParaRPr>
           </a:p>
           <a:p>
             <a:pPr marL="552450" lvl="0" indent="-457200">
@@ -6876,8 +7324,41 @@
                 <a:cs typeface="Consolas"/>
                 <a:sym typeface="Consolas"/>
               </a:rPr>
-              <a:t>Identify which wild card teams have won the World Series</a:t>
-            </a:r>
+              <a:t>Plot the franchises with the 10 most World Series wins since 1903 vs those </a:t>
+            </a:r>
+            <a:r>
+              <a:rPr lang="en-US" sz="2000" dirty="0" err="1">
+                <a:solidFill>
+                  <a:srgbClr val="CF3338"/>
+                </a:solidFill>
+                <a:latin typeface="Pragmatica" panose="020B0403040502020204" pitchFamily="34" charset="0"/>
+                <a:ea typeface="Consolas"/>
+                <a:cs typeface="Consolas"/>
+                <a:sym typeface="Consolas"/>
+              </a:rPr>
+              <a:t>franchses</a:t>
+            </a:r>
+            <a:r>
+              <a:rPr lang="en-US" sz="2000" dirty="0">
+                <a:solidFill>
+                  <a:srgbClr val="CF3338"/>
+                </a:solidFill>
+                <a:latin typeface="Pragmatica" panose="020B0403040502020204" pitchFamily="34" charset="0"/>
+                <a:ea typeface="Consolas"/>
+                <a:cs typeface="Consolas"/>
+                <a:sym typeface="Consolas"/>
+              </a:rPr>
+              <a:t>’ total number of World Series appearances. </a:t>
+            </a:r>
+            <a:endParaRPr lang="en-US" sz="2000" dirty="0">
+              <a:solidFill>
+                <a:srgbClr val="C00000"/>
+              </a:solidFill>
+              <a:latin typeface="Consolas" panose="020B0609020204030204" pitchFamily="49" charset="0"/>
+              <a:ea typeface="Consolas"/>
+              <a:cs typeface="Consolas"/>
+              <a:sym typeface="Consolas"/>
+            </a:endParaRPr>
           </a:p>
           <a:p>
             <a:pPr marL="552450" lvl="0" indent="-457200">
@@ -6904,43 +7385,71 @@
                 <a:cs typeface="Consolas"/>
                 <a:sym typeface="Consolas"/>
               </a:rPr>
+              <a:t>Plot the average number of stolen bases per game from 1990 to 2017</a:t>
+            </a:r>
+          </a:p>
+          <a:p>
+            <a:pPr marL="552450" lvl="0" indent="-457200">
+              <a:lnSpc>
+                <a:spcPct val="115000"/>
+              </a:lnSpc>
+              <a:spcBef>
+                <a:spcPts val="750"/>
+              </a:spcBef>
+              <a:buClr>
+                <a:srgbClr val="C00000"/>
+              </a:buClr>
+              <a:buSzPts val="2100"/>
+              <a:buFont typeface="+mj-lt"/>
+              <a:buAutoNum type="arabicPeriod"/>
+            </a:pPr>
+            <a:r>
+              <a:rPr lang="en-US" sz="2000" dirty="0">
+                <a:solidFill>
+                  <a:srgbClr val="CF3338"/>
+                </a:solidFill>
+                <a:latin typeface="Pragmatica" panose="020B0403040502020204" pitchFamily="34" charset="0"/>
+                <a:ea typeface="Consolas"/>
+                <a:cs typeface="Consolas"/>
+                <a:sym typeface="Consolas"/>
+              </a:rPr>
+              <a:t>Identify which wild card teams have won the World Series</a:t>
+            </a:r>
+          </a:p>
+          <a:p>
+            <a:pPr marL="552450" lvl="0" indent="-457200">
+              <a:lnSpc>
+                <a:spcPct val="115000"/>
+              </a:lnSpc>
+              <a:spcBef>
+                <a:spcPts val="750"/>
+              </a:spcBef>
+              <a:buClr>
+                <a:srgbClr val="C00000"/>
+              </a:buClr>
+              <a:buSzPts val="2100"/>
+              <a:buFont typeface="+mj-lt"/>
+              <a:buAutoNum type="arabicPeriod"/>
+            </a:pPr>
+            <a:r>
+              <a:rPr lang="en-US" sz="2000" dirty="0">
+                <a:solidFill>
+                  <a:srgbClr val="CF3338"/>
+                </a:solidFill>
+                <a:latin typeface="Pragmatica" panose="020B0403040502020204" pitchFamily="34" charset="0"/>
+                <a:ea typeface="Consolas"/>
+                <a:cs typeface="Consolas"/>
+                <a:sym typeface="Consolas"/>
+              </a:rPr>
               <a:t>Plot the average team ERA of AL vs NL teams since 1973</a:t>
             </a:r>
-          </a:p>
-          <a:p>
-            <a:r>
-              <a:rPr lang="en-US" sz="2000" dirty="0">
-                <a:solidFill>
-                  <a:srgbClr val="CF3338"/>
-                </a:solidFill>
-                <a:latin typeface="Pragmatica" panose="020B0403040502020204" pitchFamily="34" charset="0"/>
-              </a:rPr>
-              <a:t>Solutions: </a:t>
-            </a:r>
-            <a:r>
-              <a:rPr lang="en-US" sz="2000" dirty="0">
-                <a:solidFill>
-                  <a:srgbClr val="CF3338"/>
-                </a:solidFill>
-                <a:latin typeface="Consolas" panose="020B0609020204030204" pitchFamily="49" charset="0"/>
-              </a:rPr>
-              <a:t>teams-solutions.xlsx</a:t>
-            </a:r>
-          </a:p>
-          <a:p>
-            <a:endParaRPr lang="en-US" sz="4000" dirty="0">
-              <a:solidFill>
-                <a:srgbClr val="CF3338"/>
-              </a:solidFill>
-              <a:latin typeface="Pragmatica" panose="020B0403040502020204" pitchFamily="34" charset="0"/>
-            </a:endParaRPr>
           </a:p>
         </p:txBody>
       </p:sp>
     </p:spTree>
     <p:extLst>
       <p:ext uri="{BB962C8B-B14F-4D97-AF65-F5344CB8AC3E}">
-        <p14:creationId xmlns:p14="http://schemas.microsoft.com/office/powerpoint/2010/main" val="1558020940"/>
+        <p14:creationId xmlns:p14="http://schemas.microsoft.com/office/powerpoint/2010/main" val="2901871732"/>
       </p:ext>
     </p:extLst>
   </p:cSld>
@@ -6950,7 +7459,247 @@
 </p:sld>
 </file>
 
-<file path=ppt/slides/slide19.xml><?xml version="1.0" encoding="utf-8"?>
+<file path=ppt/slides/slide2.xml><?xml version="1.0" encoding="utf-8"?>
+<p:sld xmlns:a="http://schemas.openxmlformats.org/drawingml/2006/main" xmlns:r="http://schemas.openxmlformats.org/officeDocument/2006/relationships" xmlns:p="http://schemas.openxmlformats.org/presentationml/2006/main">
+  <p:cSld>
+    <p:spTree>
+      <p:nvGrpSpPr>
+        <p:cNvPr id="1" name=""/>
+        <p:cNvGrpSpPr/>
+        <p:nvPr/>
+      </p:nvGrpSpPr>
+      <p:grpSpPr>
+        <a:xfrm>
+          <a:off x="0" y="0"/>
+          <a:ext cx="0" cy="0"/>
+          <a:chOff x="0" y="0"/>
+          <a:chExt cx="0" cy="0"/>
+        </a:xfrm>
+      </p:grpSpPr>
+      <p:sp>
+        <p:nvSpPr>
+          <p:cNvPr id="4" name="Rectangle 3"/>
+          <p:cNvSpPr/>
+          <p:nvPr/>
+        </p:nvSpPr>
+        <p:spPr>
+          <a:xfrm>
+            <a:off x="0" y="0"/>
+            <a:ext cx="12192000" cy="6858000"/>
+          </a:xfrm>
+          <a:prstGeom prst="rect">
+            <a:avLst/>
+          </a:prstGeom>
+          <a:solidFill>
+            <a:srgbClr val="CF3338"/>
+          </a:solidFill>
+          <a:ln>
+            <a:noFill/>
+          </a:ln>
+        </p:spPr>
+        <p:style>
+          <a:lnRef idx="2">
+            <a:schemeClr val="accent1">
+              <a:shade val="50000"/>
+            </a:schemeClr>
+          </a:lnRef>
+          <a:fillRef idx="1">
+            <a:schemeClr val="accent1"/>
+          </a:fillRef>
+          <a:effectRef idx="0">
+            <a:schemeClr val="accent1"/>
+          </a:effectRef>
+          <a:fontRef idx="minor">
+            <a:schemeClr val="lt1"/>
+          </a:fontRef>
+        </p:style>
+        <p:txBody>
+          <a:bodyPr rtlCol="0" anchor="ctr"/>
+          <a:lstStyle/>
+          <a:p>
+            <a:pPr algn="ctr"/>
+            <a:endParaRPr lang="en-US"/>
+          </a:p>
+        </p:txBody>
+      </p:sp>
+      <p:sp>
+        <p:nvSpPr>
+          <p:cNvPr id="5" name="TextBox 4"/>
+          <p:cNvSpPr txBox="1"/>
+          <p:nvPr/>
+        </p:nvSpPr>
+        <p:spPr>
+          <a:xfrm>
+            <a:off x="520861" y="393539"/>
+            <a:ext cx="10324617" cy="1107996"/>
+          </a:xfrm>
+          <a:prstGeom prst="rect">
+            <a:avLst/>
+          </a:prstGeom>
+          <a:noFill/>
+        </p:spPr>
+        <p:txBody>
+          <a:bodyPr wrap="square" rtlCol="0">
+            <a:spAutoFit/>
+          </a:bodyPr>
+          <a:lstStyle/>
+          <a:p>
+            <a:r>
+              <a:rPr lang="en-US" sz="6600" b="1" dirty="0">
+                <a:solidFill>
+                  <a:schemeClr val="bg1"/>
+                </a:solidFill>
+                <a:latin typeface="Normafixed Tryout" panose="00000409000000000000" pitchFamily="49" charset="0"/>
+              </a:rPr>
+              <a:t>Hi, I’m George</a:t>
+            </a:r>
+          </a:p>
+        </p:txBody>
+      </p:sp>
+      <p:pic>
+        <p:nvPicPr>
+          <p:cNvPr id="3" name="Picture 4" descr="Advancing into Analytics Cover Image">
+            <a:extLst>
+              <a:ext uri="{FF2B5EF4-FFF2-40B4-BE49-F238E27FC236}">
+                <a16:creationId xmlns:a16="http://schemas.microsoft.com/office/drawing/2014/main" id="{588F684B-18EF-D76C-5F7B-15E4BAD60643}"/>
+              </a:ext>
+            </a:extLst>
+          </p:cNvPr>
+          <p:cNvPicPr>
+            <a:picLocks noChangeAspect="1" noChangeArrowheads="1"/>
+          </p:cNvPicPr>
+          <p:nvPr/>
+        </p:nvPicPr>
+        <p:blipFill>
+          <a:blip r:embed="rId2" cstate="print">
+            <a:extLst>
+              <a:ext uri="{28A0092B-C50C-407E-A947-70E740481C1C}">
+                <a14:useLocalDpi xmlns:a14="http://schemas.microsoft.com/office/drawing/2010/main" val="0"/>
+              </a:ext>
+            </a:extLst>
+          </a:blip>
+          <a:srcRect/>
+          <a:stretch>
+            <a:fillRect/>
+          </a:stretch>
+        </p:blipFill>
+        <p:spPr bwMode="auto">
+          <a:xfrm>
+            <a:off x="7588155" y="350009"/>
+            <a:ext cx="2830945" cy="3697560"/>
+          </a:xfrm>
+          <a:prstGeom prst="rect">
+            <a:avLst/>
+          </a:prstGeom>
+          <a:noFill/>
+          <a:extLst>
+            <a:ext uri="{909E8E84-426E-40DD-AFC4-6F175D3DCCD1}">
+              <a14:hiddenFill xmlns:a14="http://schemas.microsoft.com/office/drawing/2010/main">
+                <a:solidFill>
+                  <a:srgbClr val="FFFFFF"/>
+                </a:solidFill>
+              </a14:hiddenFill>
+            </a:ext>
+          </a:extLst>
+        </p:spPr>
+      </p:pic>
+      <p:pic>
+        <p:nvPicPr>
+          <p:cNvPr id="6" name="Picture 6" descr="Free photos of Cleveland">
+            <a:extLst>
+              <a:ext uri="{FF2B5EF4-FFF2-40B4-BE49-F238E27FC236}">
+                <a16:creationId xmlns:a16="http://schemas.microsoft.com/office/drawing/2014/main" id="{CBA53EEE-E3E1-D99E-A4DC-1C4DD2E6CE4A}"/>
+              </a:ext>
+            </a:extLst>
+          </p:cNvPr>
+          <p:cNvPicPr>
+            <a:picLocks noChangeAspect="1" noChangeArrowheads="1"/>
+          </p:cNvPicPr>
+          <p:nvPr/>
+        </p:nvPicPr>
+        <p:blipFill>
+          <a:blip r:embed="rId3" cstate="print">
+            <a:extLst>
+              <a:ext uri="{28A0092B-C50C-407E-A947-70E740481C1C}">
+                <a14:useLocalDpi xmlns:a14="http://schemas.microsoft.com/office/drawing/2010/main" val="0"/>
+              </a:ext>
+            </a:extLst>
+          </a:blip>
+          <a:srcRect/>
+          <a:stretch>
+            <a:fillRect/>
+          </a:stretch>
+        </p:blipFill>
+        <p:spPr bwMode="auto">
+          <a:xfrm>
+            <a:off x="1130461" y="1979206"/>
+            <a:ext cx="3690239" cy="2456315"/>
+          </a:xfrm>
+          <a:prstGeom prst="rect">
+            <a:avLst/>
+          </a:prstGeom>
+          <a:noFill/>
+          <a:extLst>
+            <a:ext uri="{909E8E84-426E-40DD-AFC4-6F175D3DCCD1}">
+              <a14:hiddenFill xmlns:a14="http://schemas.microsoft.com/office/drawing/2010/main">
+                <a:solidFill>
+                  <a:srgbClr val="FFFFFF"/>
+                </a:solidFill>
+              </a14:hiddenFill>
+            </a:ext>
+          </a:extLst>
+        </p:spPr>
+      </p:pic>
+      <p:pic>
+        <p:nvPicPr>
+          <p:cNvPr id="8" name="Picture 7" descr="Logo&#10;&#10;Description automatically generated">
+            <a:extLst>
+              <a:ext uri="{FF2B5EF4-FFF2-40B4-BE49-F238E27FC236}">
+                <a16:creationId xmlns:a16="http://schemas.microsoft.com/office/drawing/2014/main" id="{97E0F267-87DF-961E-1FAA-47FD4F27A5C6}"/>
+              </a:ext>
+            </a:extLst>
+          </p:cNvPr>
+          <p:cNvPicPr>
+            <a:picLocks noChangeAspect="1"/>
+          </p:cNvPicPr>
+          <p:nvPr/>
+        </p:nvPicPr>
+        <p:blipFill>
+          <a:blip r:embed="rId4" cstate="print">
+            <a:extLst>
+              <a:ext uri="{28A0092B-C50C-407E-A947-70E740481C1C}">
+                <a14:useLocalDpi xmlns:a14="http://schemas.microsoft.com/office/drawing/2010/main" val="0"/>
+              </a:ext>
+            </a:extLst>
+          </a:blip>
+          <a:stretch>
+            <a:fillRect/>
+          </a:stretch>
+        </p:blipFill>
+        <p:spPr>
+          <a:xfrm>
+            <a:off x="5122460" y="4001797"/>
+            <a:ext cx="4965539" cy="3641787"/>
+          </a:xfrm>
+          <a:prstGeom prst="rect">
+            <a:avLst/>
+          </a:prstGeom>
+        </p:spPr>
+      </p:pic>
+    </p:spTree>
+    <p:extLst>
+      <p:ext uri="{BB962C8B-B14F-4D97-AF65-F5344CB8AC3E}">
+        <p14:creationId xmlns:p14="http://schemas.microsoft.com/office/powerpoint/2010/main" val="166785523"/>
+      </p:ext>
+    </p:extLst>
+  </p:cSld>
+  <p:clrMapOvr>
+    <a:masterClrMapping/>
+  </p:clrMapOvr>
+</p:sld>
+</file>
+
+<file path=ppt/slides/slide20.xml><?xml version="1.0" encoding="utf-8"?>
 <p:sld xmlns:a="http://schemas.openxmlformats.org/drawingml/2006/main" xmlns:r="http://schemas.openxmlformats.org/officeDocument/2006/relationships" xmlns:p="http://schemas.openxmlformats.org/presentationml/2006/main">
   <p:cSld>
     <p:spTree>
@@ -7108,7 +7857,7 @@
 </p:sld>
 </file>
 
-<file path=ppt/slides/slide2.xml><?xml version="1.0" encoding="utf-8"?>
+<file path=ppt/slides/slide21.xml><?xml version="1.0" encoding="utf-8"?>
 <p:sld xmlns:a="http://schemas.openxmlformats.org/drawingml/2006/main" xmlns:r="http://schemas.openxmlformats.org/officeDocument/2006/relationships" xmlns:p="http://schemas.openxmlformats.org/presentationml/2006/main">
   <p:cSld>
     <p:spTree>
@@ -7180,246 +7929,6 @@
         <p:spPr>
           <a:xfrm>
             <a:off x="520861" y="393539"/>
-            <a:ext cx="10324617" cy="1107996"/>
-          </a:xfrm>
-          <a:prstGeom prst="rect">
-            <a:avLst/>
-          </a:prstGeom>
-          <a:noFill/>
-        </p:spPr>
-        <p:txBody>
-          <a:bodyPr wrap="square" rtlCol="0">
-            <a:spAutoFit/>
-          </a:bodyPr>
-          <a:lstStyle/>
-          <a:p>
-            <a:r>
-              <a:rPr lang="en-US" sz="6600" b="1" dirty="0">
-                <a:solidFill>
-                  <a:schemeClr val="bg1"/>
-                </a:solidFill>
-                <a:latin typeface="Normafixed Tryout" panose="00000409000000000000" pitchFamily="49" charset="0"/>
-              </a:rPr>
-              <a:t>Hi, I’m George</a:t>
-            </a:r>
-          </a:p>
-        </p:txBody>
-      </p:sp>
-      <p:pic>
-        <p:nvPicPr>
-          <p:cNvPr id="3" name="Picture 4" descr="Advancing into Analytics Cover Image">
-            <a:extLst>
-              <a:ext uri="{FF2B5EF4-FFF2-40B4-BE49-F238E27FC236}">
-                <a16:creationId xmlns:a16="http://schemas.microsoft.com/office/drawing/2014/main" id="{588F684B-18EF-D76C-5F7B-15E4BAD60643}"/>
-              </a:ext>
-            </a:extLst>
-          </p:cNvPr>
-          <p:cNvPicPr>
-            <a:picLocks noChangeAspect="1" noChangeArrowheads="1"/>
-          </p:cNvPicPr>
-          <p:nvPr/>
-        </p:nvPicPr>
-        <p:blipFill>
-          <a:blip r:embed="rId2" cstate="print">
-            <a:extLst>
-              <a:ext uri="{28A0092B-C50C-407E-A947-70E740481C1C}">
-                <a14:useLocalDpi xmlns:a14="http://schemas.microsoft.com/office/drawing/2010/main" val="0"/>
-              </a:ext>
-            </a:extLst>
-          </a:blip>
-          <a:srcRect/>
-          <a:stretch>
-            <a:fillRect/>
-          </a:stretch>
-        </p:blipFill>
-        <p:spPr bwMode="auto">
-          <a:xfrm>
-            <a:off x="7588155" y="350009"/>
-            <a:ext cx="2830945" cy="3697560"/>
-          </a:xfrm>
-          <a:prstGeom prst="rect">
-            <a:avLst/>
-          </a:prstGeom>
-          <a:noFill/>
-          <a:extLst>
-            <a:ext uri="{909E8E84-426E-40DD-AFC4-6F175D3DCCD1}">
-              <a14:hiddenFill xmlns:a14="http://schemas.microsoft.com/office/drawing/2010/main">
-                <a:solidFill>
-                  <a:srgbClr val="FFFFFF"/>
-                </a:solidFill>
-              </a14:hiddenFill>
-            </a:ext>
-          </a:extLst>
-        </p:spPr>
-      </p:pic>
-      <p:pic>
-        <p:nvPicPr>
-          <p:cNvPr id="6" name="Picture 6" descr="Free photos of Cleveland">
-            <a:extLst>
-              <a:ext uri="{FF2B5EF4-FFF2-40B4-BE49-F238E27FC236}">
-                <a16:creationId xmlns:a16="http://schemas.microsoft.com/office/drawing/2014/main" id="{CBA53EEE-E3E1-D99E-A4DC-1C4DD2E6CE4A}"/>
-              </a:ext>
-            </a:extLst>
-          </p:cNvPr>
-          <p:cNvPicPr>
-            <a:picLocks noChangeAspect="1" noChangeArrowheads="1"/>
-          </p:cNvPicPr>
-          <p:nvPr/>
-        </p:nvPicPr>
-        <p:blipFill>
-          <a:blip r:embed="rId3" cstate="print">
-            <a:extLst>
-              <a:ext uri="{28A0092B-C50C-407E-A947-70E740481C1C}">
-                <a14:useLocalDpi xmlns:a14="http://schemas.microsoft.com/office/drawing/2010/main" val="0"/>
-              </a:ext>
-            </a:extLst>
-          </a:blip>
-          <a:srcRect/>
-          <a:stretch>
-            <a:fillRect/>
-          </a:stretch>
-        </p:blipFill>
-        <p:spPr bwMode="auto">
-          <a:xfrm>
-            <a:off x="1130461" y="1979206"/>
-            <a:ext cx="3690239" cy="2456315"/>
-          </a:xfrm>
-          <a:prstGeom prst="rect">
-            <a:avLst/>
-          </a:prstGeom>
-          <a:noFill/>
-          <a:extLst>
-            <a:ext uri="{909E8E84-426E-40DD-AFC4-6F175D3DCCD1}">
-              <a14:hiddenFill xmlns:a14="http://schemas.microsoft.com/office/drawing/2010/main">
-                <a:solidFill>
-                  <a:srgbClr val="FFFFFF"/>
-                </a:solidFill>
-              </a14:hiddenFill>
-            </a:ext>
-          </a:extLst>
-        </p:spPr>
-      </p:pic>
-      <p:pic>
-        <p:nvPicPr>
-          <p:cNvPr id="8" name="Picture 7" descr="Logo&#10;&#10;Description automatically generated">
-            <a:extLst>
-              <a:ext uri="{FF2B5EF4-FFF2-40B4-BE49-F238E27FC236}">
-                <a16:creationId xmlns:a16="http://schemas.microsoft.com/office/drawing/2014/main" id="{97E0F267-87DF-961E-1FAA-47FD4F27A5C6}"/>
-              </a:ext>
-            </a:extLst>
-          </p:cNvPr>
-          <p:cNvPicPr>
-            <a:picLocks noChangeAspect="1"/>
-          </p:cNvPicPr>
-          <p:nvPr/>
-        </p:nvPicPr>
-        <p:blipFill>
-          <a:blip r:embed="rId4" cstate="print">
-            <a:extLst>
-              <a:ext uri="{28A0092B-C50C-407E-A947-70E740481C1C}">
-                <a14:useLocalDpi xmlns:a14="http://schemas.microsoft.com/office/drawing/2010/main" val="0"/>
-              </a:ext>
-            </a:extLst>
-          </a:blip>
-          <a:stretch>
-            <a:fillRect/>
-          </a:stretch>
-        </p:blipFill>
-        <p:spPr>
-          <a:xfrm>
-            <a:off x="5122460" y="4001797"/>
-            <a:ext cx="4965539" cy="3641787"/>
-          </a:xfrm>
-          <a:prstGeom prst="rect">
-            <a:avLst/>
-          </a:prstGeom>
-        </p:spPr>
-      </p:pic>
-    </p:spTree>
-    <p:extLst>
-      <p:ext uri="{BB962C8B-B14F-4D97-AF65-F5344CB8AC3E}">
-        <p14:creationId xmlns:p14="http://schemas.microsoft.com/office/powerpoint/2010/main" val="166785523"/>
-      </p:ext>
-    </p:extLst>
-  </p:cSld>
-  <p:clrMapOvr>
-    <a:masterClrMapping/>
-  </p:clrMapOvr>
-</p:sld>
-</file>
-
-<file path=ppt/slides/slide20.xml><?xml version="1.0" encoding="utf-8"?>
-<p:sld xmlns:a="http://schemas.openxmlformats.org/drawingml/2006/main" xmlns:r="http://schemas.openxmlformats.org/officeDocument/2006/relationships" xmlns:p="http://schemas.openxmlformats.org/presentationml/2006/main">
-  <p:cSld>
-    <p:spTree>
-      <p:nvGrpSpPr>
-        <p:cNvPr id="1" name=""/>
-        <p:cNvGrpSpPr/>
-        <p:nvPr/>
-      </p:nvGrpSpPr>
-      <p:grpSpPr>
-        <a:xfrm>
-          <a:off x="0" y="0"/>
-          <a:ext cx="0" cy="0"/>
-          <a:chOff x="0" y="0"/>
-          <a:chExt cx="0" cy="0"/>
-        </a:xfrm>
-      </p:grpSpPr>
-      <p:sp>
-        <p:nvSpPr>
-          <p:cNvPr id="4" name="Rectangle 3"/>
-          <p:cNvSpPr/>
-          <p:nvPr/>
-        </p:nvSpPr>
-        <p:spPr>
-          <a:xfrm>
-            <a:off x="0" y="0"/>
-            <a:ext cx="12192000" cy="6858000"/>
-          </a:xfrm>
-          <a:prstGeom prst="rect">
-            <a:avLst/>
-          </a:prstGeom>
-          <a:solidFill>
-            <a:srgbClr val="CF3338"/>
-          </a:solidFill>
-          <a:ln>
-            <a:noFill/>
-          </a:ln>
-        </p:spPr>
-        <p:style>
-          <a:lnRef idx="2">
-            <a:schemeClr val="accent1">
-              <a:shade val="50000"/>
-            </a:schemeClr>
-          </a:lnRef>
-          <a:fillRef idx="1">
-            <a:schemeClr val="accent1"/>
-          </a:fillRef>
-          <a:effectRef idx="0">
-            <a:schemeClr val="accent1"/>
-          </a:effectRef>
-          <a:fontRef idx="minor">
-            <a:schemeClr val="lt1"/>
-          </a:fontRef>
-        </p:style>
-        <p:txBody>
-          <a:bodyPr rtlCol="0" anchor="ctr"/>
-          <a:lstStyle/>
-          <a:p>
-            <a:pPr algn="ctr"/>
-            <a:endParaRPr lang="en-US"/>
-          </a:p>
-        </p:txBody>
-      </p:sp>
-      <p:sp>
-        <p:nvSpPr>
-          <p:cNvPr id="5" name="TextBox 4"/>
-          <p:cNvSpPr txBox="1"/>
-          <p:nvPr/>
-        </p:nvSpPr>
-        <p:spPr>
-          <a:xfrm>
-            <a:off x="520861" y="393539"/>
             <a:ext cx="10324617" cy="3139321"/>
           </a:xfrm>
           <a:prstGeom prst="rect">
@@ -7464,7 +7973,7 @@
 </p:sld>
 </file>
 
-<file path=ppt/slides/slide21.xml><?xml version="1.0" encoding="utf-8"?>
+<file path=ppt/slides/slide22.xml><?xml version="1.0" encoding="utf-8"?>
 <p:sld xmlns:a="http://schemas.openxmlformats.org/drawingml/2006/main" xmlns:r="http://schemas.openxmlformats.org/officeDocument/2006/relationships" xmlns:p="http://schemas.openxmlformats.org/presentationml/2006/main">
   <p:cSld>
     <p:spTree>
@@ -7566,7 +8075,7 @@
 </p:sld>
 </file>
 
-<file path=ppt/slides/slide22.xml><?xml version="1.0" encoding="utf-8"?>
+<file path=ppt/slides/slide23.xml><?xml version="1.0" encoding="utf-8"?>
 <p:sld xmlns:a="http://schemas.openxmlformats.org/drawingml/2006/main" xmlns:r="http://schemas.openxmlformats.org/officeDocument/2006/relationships" xmlns:p="http://schemas.openxmlformats.org/presentationml/2006/main">
   <p:cSld>
     <p:spTree>
@@ -7585,62 +8094,59 @@
       </p:grpSpPr>
       <p:sp>
         <p:nvSpPr>
-          <p:cNvPr id="11" name="TextBox 10"/>
-          <p:cNvSpPr txBox="1"/>
+          <p:cNvPr id="4" name="Rectangle 3"/>
+          <p:cNvSpPr/>
           <p:nvPr/>
         </p:nvSpPr>
         <p:spPr>
           <a:xfrm>
-            <a:off x="347240" y="113388"/>
-            <a:ext cx="10348056" cy="830997"/>
+            <a:off x="6574420" y="0"/>
+            <a:ext cx="5617580" cy="6858000"/>
           </a:xfrm>
           <a:prstGeom prst="rect">
             <a:avLst/>
           </a:prstGeom>
-          <a:noFill/>
-        </p:spPr>
-        <p:txBody>
-          <a:bodyPr wrap="square" rtlCol="0">
-            <a:spAutoFit/>
-          </a:bodyPr>
-          <a:lstStyle/>
-          <a:p>
-            <a:r>
-              <a:rPr lang="en-US" sz="4800" dirty="0">
-                <a:latin typeface="Aliens &amp; cows" panose="00000500000000000000" pitchFamily="2" charset="0"/>
-              </a:rPr>
-              <a:t>No more </a:t>
-            </a:r>
-            <a:r>
-              <a:rPr lang="en-US" sz="4800" dirty="0" err="1">
-                <a:latin typeface="Aliens &amp; cows" panose="00000500000000000000" pitchFamily="2" charset="0"/>
-              </a:rPr>
-              <a:t>Frankentables</a:t>
-            </a:r>
-            <a:r>
-              <a:rPr lang="en-US" sz="4800" dirty="0">
-                <a:latin typeface="Aliens &amp; cows" panose="00000500000000000000" pitchFamily="2" charset="0"/>
-              </a:rPr>
-              <a:t>!</a:t>
-            </a:r>
+          <a:solidFill>
+            <a:srgbClr val="CF3338"/>
+          </a:solidFill>
+          <a:ln>
+            <a:noFill/>
+          </a:ln>
+        </p:spPr>
+        <p:style>
+          <a:lnRef idx="2">
+            <a:schemeClr val="accent1">
+              <a:shade val="50000"/>
+            </a:schemeClr>
+          </a:lnRef>
+          <a:fillRef idx="1">
+            <a:schemeClr val="accent1"/>
+          </a:fillRef>
+          <a:effectRef idx="0">
+            <a:schemeClr val="accent1"/>
+          </a:effectRef>
+          <a:fontRef idx="minor">
+            <a:schemeClr val="lt1"/>
+          </a:fontRef>
+        </p:style>
+        <p:txBody>
+          <a:bodyPr rtlCol="0" anchor="ctr"/>
+          <a:lstStyle/>
+          <a:p>
+            <a:pPr algn="ctr"/>
+            <a:endParaRPr lang="en-US"/>
           </a:p>
         </p:txBody>
       </p:sp>
       <p:pic>
         <p:nvPicPr>
-          <p:cNvPr id="15" name="Picture 14" descr="A close up of a sign&#10;&#10;Description automatically generated">
-            <a:extLst>
-              <a:ext uri="{FF2B5EF4-FFF2-40B4-BE49-F238E27FC236}">
-                <a16:creationId xmlns:a16="http://schemas.microsoft.com/office/drawing/2014/main" id="{29761B90-A7DE-4A60-A915-F085BD87CAB4}"/>
-              </a:ext>
-            </a:extLst>
-          </p:cNvPr>
+          <p:cNvPr id="2" name="Picture 1"/>
           <p:cNvPicPr>
             <a:picLocks noChangeAspect="1"/>
           </p:cNvPicPr>
           <p:nvPr/>
         </p:nvPicPr>
-        <p:blipFill>
+        <p:blipFill rotWithShape="1">
           <a:blip r:embed="rId3">
             <a:extLst>
               <a:ext uri="{28A0092B-C50C-407E-A947-70E740481C1C}">
@@ -7648,14 +8154,13 @@
               </a:ext>
             </a:extLst>
           </a:blip>
-          <a:stretch>
-            <a:fillRect/>
-          </a:stretch>
+          <a:srcRect l="69227" t="33418" r="20112" b="50548"/>
+          <a:stretch/>
         </p:blipFill>
         <p:spPr>
           <a:xfrm>
-            <a:off x="10894024" y="5372286"/>
-            <a:ext cx="1295238" cy="1485714"/>
+            <a:off x="10386349" y="5029795"/>
+            <a:ext cx="1805651" cy="1991719"/>
           </a:xfrm>
           <a:prstGeom prst="rect">
             <a:avLst/>
@@ -7664,20 +8169,14 @@
       </p:pic>
       <p:sp>
         <p:nvSpPr>
-          <p:cNvPr id="5" name="TextBox 4">
-            <a:extLst>
-              <a:ext uri="{FF2B5EF4-FFF2-40B4-BE49-F238E27FC236}">
-                <a16:creationId xmlns:a16="http://schemas.microsoft.com/office/drawing/2014/main" id="{E6387811-4F0E-B40E-9FBC-65A81E1411FB}"/>
-              </a:ext>
-            </a:extLst>
-          </p:cNvPr>
+          <p:cNvPr id="3" name="TextBox 2"/>
           <p:cNvSpPr txBox="1"/>
           <p:nvPr/>
         </p:nvSpPr>
         <p:spPr>
           <a:xfrm>
-            <a:off x="295835" y="1271570"/>
-            <a:ext cx="8589981" cy="2250488"/>
+            <a:off x="173620" y="219919"/>
+            <a:ext cx="5937813" cy="4807470"/>
           </a:xfrm>
           <a:prstGeom prst="rect">
             <a:avLst/>
@@ -7690,97 +8189,168 @@
           </a:bodyPr>
           <a:lstStyle/>
           <a:p>
-            <a:pPr marL="457200" marR="190500" lvl="0" indent="-381000">
+            <a:r>
+              <a:rPr lang="en-US" sz="4000" b="1" dirty="0">
+                <a:solidFill>
+                  <a:srgbClr val="CF3338"/>
+                </a:solidFill>
+                <a:latin typeface="Pragmatica" panose="020B0403040502020204" pitchFamily="34" charset="0"/>
+              </a:rPr>
+              <a:t>Demo</a:t>
+            </a:r>
+          </a:p>
+          <a:p>
+            <a:r>
+              <a:rPr lang="en-US" sz="2800" dirty="0">
+                <a:solidFill>
+                  <a:srgbClr val="CF3338"/>
+                </a:solidFill>
+                <a:latin typeface="Pragmatica" panose="020B0403040502020204" pitchFamily="34" charset="0"/>
+              </a:rPr>
+              <a:t>Data: </a:t>
+            </a:r>
+            <a:r>
+              <a:rPr lang="en-US" sz="2800" dirty="0">
+                <a:solidFill>
+                  <a:srgbClr val="CF3338"/>
+                </a:solidFill>
+                <a:latin typeface="Consolas" panose="020B0609020204030204" pitchFamily="49" charset="0"/>
+              </a:rPr>
+              <a:t>superstore</a:t>
+            </a:r>
+            <a:r>
+              <a:rPr lang="en-US" sz="2800" dirty="0">
+                <a:solidFill>
+                  <a:srgbClr val="CF3338"/>
+                </a:solidFill>
+                <a:latin typeface="Pragmatica" panose="020B0403040502020204" pitchFamily="34" charset="0"/>
+              </a:rPr>
+              <a:t> data folder</a:t>
+            </a:r>
+          </a:p>
+          <a:p>
+            <a:endParaRPr lang="en-US" sz="2800" dirty="0">
+              <a:solidFill>
+                <a:srgbClr val="CF3338"/>
+              </a:solidFill>
+              <a:latin typeface="Pragmatica" panose="020B0403040502020204" pitchFamily="34" charset="0"/>
+            </a:endParaRPr>
+          </a:p>
+          <a:p>
+            <a:pPr marL="457200" lvl="0" indent="-361950">
               <a:lnSpc>
                 <a:spcPct val="115000"/>
               </a:lnSpc>
               <a:spcBef>
-                <a:spcPts val="800"/>
+                <a:spcPts val="750"/>
               </a:spcBef>
               <a:buClr>
-                <a:srgbClr val="CF3338"/>
+                <a:srgbClr val="C00000"/>
               </a:buClr>
-              <a:buSzPts val="2400"/>
+              <a:buSzPts val="2100"/>
+              <a:buFont typeface="Arial" panose="020B0604020202020204" pitchFamily="34" charset="0"/>
               <a:buChar char="•"/>
             </a:pPr>
             <a:r>
-              <a:rPr lang="en-US" sz="2800" dirty="0">
-                <a:solidFill>
-                  <a:srgbClr val="505050"/>
-                </a:solidFill>
-              </a:rPr>
-              <a:t>Files: </a:t>
-            </a:r>
-            <a:r>
-              <a:rPr lang="en-US" sz="2800" dirty="0">
-                <a:solidFill>
-                  <a:srgbClr val="505050"/>
-                </a:solidFill>
-                <a:latin typeface="Consolas" panose="020B0609020204030204" pitchFamily="49" charset="0"/>
-              </a:rPr>
-              <a:t>superstore</a:t>
-            </a:r>
-            <a:r>
-              <a:rPr lang="en-US" sz="2800" dirty="0">
-                <a:solidFill>
-                  <a:srgbClr val="505050"/>
-                </a:solidFill>
-              </a:rPr>
-              <a:t> folder</a:t>
-            </a:r>
-          </a:p>
-          <a:p>
-            <a:pPr marL="457200" marR="190500" lvl="0" indent="-381000">
+              <a:rPr lang="en-US" sz="2400" dirty="0">
+                <a:solidFill>
+                  <a:srgbClr val="C00000"/>
+                </a:solidFill>
+                <a:latin typeface="Pragmatica" panose="020B0403040502020204"/>
+                <a:ea typeface="Consolas"/>
+                <a:cs typeface="Consolas"/>
+                <a:sym typeface="Consolas"/>
+              </a:rPr>
+              <a:t>Combine data sources with the Data Model</a:t>
+            </a:r>
+          </a:p>
+          <a:p>
+            <a:pPr marL="457200" lvl="0" indent="-361950">
               <a:lnSpc>
                 <a:spcPct val="115000"/>
               </a:lnSpc>
               <a:spcBef>
-                <a:spcPts val="800"/>
+                <a:spcPts val="750"/>
               </a:spcBef>
               <a:buClr>
-                <a:srgbClr val="CF3338"/>
+                <a:srgbClr val="C00000"/>
               </a:buClr>
-              <a:buSzPts val="2400"/>
+              <a:buSzPts val="2100"/>
+              <a:buFont typeface="Arial" panose="020B0604020202020204" pitchFamily="34" charset="0"/>
               <a:buChar char="•"/>
             </a:pPr>
             <a:r>
-              <a:rPr lang="en-US" sz="2800" dirty="0">
-                <a:solidFill>
-                  <a:srgbClr val="505050"/>
-                </a:solidFill>
-              </a:rPr>
-              <a:t>Create a dashboard to monitor average unit sales, profitability, _______ </a:t>
-            </a:r>
-          </a:p>
-          <a:p>
-            <a:pPr marL="457200" marR="190500" lvl="0" indent="-381000">
+              <a:rPr lang="en-US" sz="2400" dirty="0">
+                <a:solidFill>
+                  <a:srgbClr val="C00000"/>
+                </a:solidFill>
+                <a:latin typeface="Pragmatica" panose="020B0403040502020204"/>
+                <a:ea typeface="Consolas"/>
+                <a:cs typeface="Consolas"/>
+                <a:sym typeface="Consolas"/>
+              </a:rPr>
+              <a:t>Create a “Power” PivotTable</a:t>
+            </a:r>
+          </a:p>
+          <a:p>
+            <a:pPr marL="457200" lvl="0" indent="-361950">
               <a:lnSpc>
                 <a:spcPct val="115000"/>
               </a:lnSpc>
               <a:spcBef>
-                <a:spcPts val="800"/>
+                <a:spcPts val="750"/>
               </a:spcBef>
               <a:buClr>
-                <a:srgbClr val="CF3338"/>
+                <a:srgbClr val="C00000"/>
               </a:buClr>
-              <a:buSzPts val="2400"/>
+              <a:buSzPts val="2100"/>
+              <a:buFont typeface="Arial" panose="020B0604020202020204" pitchFamily="34" charset="0"/>
               <a:buChar char="•"/>
             </a:pPr>
             <a:r>
-              <a:rPr lang="en-US" sz="2800" dirty="0">
-                <a:solidFill>
-                  <a:srgbClr val="505050"/>
-                </a:solidFill>
+              <a:rPr lang="en-US" sz="2400" dirty="0">
+                <a:solidFill>
+                  <a:srgbClr val="C00000"/>
+                </a:solidFill>
+                <a:latin typeface="Pragmatica" panose="020B0403040502020204"/>
+                <a:ea typeface="Consolas"/>
+                <a:cs typeface="Consolas"/>
+                <a:sym typeface="Consolas"/>
               </a:rPr>
               <a:t>Open a blank workbook to start…</a:t>
             </a:r>
+            <a:endParaRPr lang="en-US" sz="2400" dirty="0">
+              <a:solidFill>
+                <a:srgbClr val="C00000"/>
+              </a:solidFill>
+              <a:latin typeface="Consolas" panose="020B0609020204030204" pitchFamily="49" charset="0"/>
+              <a:ea typeface="Consolas"/>
+              <a:cs typeface="Consolas"/>
+              <a:sym typeface="Consolas"/>
+            </a:endParaRPr>
+          </a:p>
+          <a:p>
+            <a:endParaRPr lang="en-US" sz="4000" dirty="0">
+              <a:solidFill>
+                <a:srgbClr val="CF3338"/>
+              </a:solidFill>
+              <a:latin typeface="Pragmatica" panose="020B0403040502020204" pitchFamily="34" charset="0"/>
+            </a:endParaRPr>
+          </a:p>
+          <a:p>
+            <a:endParaRPr lang="en-US" sz="4000" dirty="0">
+              <a:solidFill>
+                <a:srgbClr val="CF3338"/>
+              </a:solidFill>
+              <a:latin typeface="Pragmatica" panose="020B0403040502020204" pitchFamily="34" charset="0"/>
+            </a:endParaRPr>
           </a:p>
         </p:txBody>
       </p:sp>
     </p:spTree>
     <p:extLst>
       <p:ext uri="{BB962C8B-B14F-4D97-AF65-F5344CB8AC3E}">
-        <p14:creationId xmlns:p14="http://schemas.microsoft.com/office/powerpoint/2010/main" val="3050525721"/>
+        <p14:creationId xmlns:p14="http://schemas.microsoft.com/office/powerpoint/2010/main" val="51188219"/>
       </p:ext>
     </p:extLst>
   </p:cSld>
@@ -7790,7 +8360,648 @@
 </p:sld>
 </file>
 
-<file path=ppt/slides/slide23.xml><?xml version="1.0" encoding="utf-8"?>
+<file path=ppt/slides/slide24.xml><?xml version="1.0" encoding="utf-8"?>
+<p:sld xmlns:a="http://schemas.openxmlformats.org/drawingml/2006/main" xmlns:r="http://schemas.openxmlformats.org/officeDocument/2006/relationships" xmlns:p="http://schemas.openxmlformats.org/presentationml/2006/main">
+  <p:cSld>
+    <p:spTree>
+      <p:nvGrpSpPr>
+        <p:cNvPr id="1" name=""/>
+        <p:cNvGrpSpPr/>
+        <p:nvPr/>
+      </p:nvGrpSpPr>
+      <p:grpSpPr>
+        <a:xfrm>
+          <a:off x="0" y="0"/>
+          <a:ext cx="0" cy="0"/>
+          <a:chOff x="0" y="0"/>
+          <a:chExt cx="0" cy="0"/>
+        </a:xfrm>
+      </p:grpSpPr>
+      <p:sp>
+        <p:nvSpPr>
+          <p:cNvPr id="4" name="Rectangle 3"/>
+          <p:cNvSpPr/>
+          <p:nvPr/>
+        </p:nvSpPr>
+        <p:spPr>
+          <a:xfrm>
+            <a:off x="6574420" y="0"/>
+            <a:ext cx="5617580" cy="6858000"/>
+          </a:xfrm>
+          <a:prstGeom prst="rect">
+            <a:avLst/>
+          </a:prstGeom>
+          <a:solidFill>
+            <a:srgbClr val="CF3338"/>
+          </a:solidFill>
+          <a:ln>
+            <a:noFill/>
+          </a:ln>
+        </p:spPr>
+        <p:style>
+          <a:lnRef idx="2">
+            <a:schemeClr val="accent1">
+              <a:shade val="50000"/>
+            </a:schemeClr>
+          </a:lnRef>
+          <a:fillRef idx="1">
+            <a:schemeClr val="accent1"/>
+          </a:fillRef>
+          <a:effectRef idx="0">
+            <a:schemeClr val="accent1"/>
+          </a:effectRef>
+          <a:fontRef idx="minor">
+            <a:schemeClr val="lt1"/>
+          </a:fontRef>
+        </p:style>
+        <p:txBody>
+          <a:bodyPr rtlCol="0" anchor="ctr"/>
+          <a:lstStyle/>
+          <a:p>
+            <a:pPr algn="ctr"/>
+            <a:endParaRPr lang="en-US"/>
+          </a:p>
+        </p:txBody>
+      </p:sp>
+      <p:pic>
+        <p:nvPicPr>
+          <p:cNvPr id="2" name="Picture 1"/>
+          <p:cNvPicPr>
+            <a:picLocks noChangeAspect="1"/>
+          </p:cNvPicPr>
+          <p:nvPr/>
+        </p:nvPicPr>
+        <p:blipFill rotWithShape="1">
+          <a:blip r:embed="rId3">
+            <a:extLst>
+              <a:ext uri="{28A0092B-C50C-407E-A947-70E740481C1C}">
+                <a14:useLocalDpi xmlns:a14="http://schemas.microsoft.com/office/drawing/2010/main" val="0"/>
+              </a:ext>
+            </a:extLst>
+          </a:blip>
+          <a:srcRect l="69227" t="33418" r="20112" b="50548"/>
+          <a:stretch/>
+        </p:blipFill>
+        <p:spPr>
+          <a:xfrm>
+            <a:off x="10386349" y="5029795"/>
+            <a:ext cx="1805651" cy="1991719"/>
+          </a:xfrm>
+          <a:prstGeom prst="rect">
+            <a:avLst/>
+          </a:prstGeom>
+        </p:spPr>
+      </p:pic>
+      <p:sp>
+        <p:nvSpPr>
+          <p:cNvPr id="3" name="TextBox 2"/>
+          <p:cNvSpPr txBox="1"/>
+          <p:nvPr/>
+        </p:nvSpPr>
+        <p:spPr>
+          <a:xfrm>
+            <a:off x="173620" y="219919"/>
+            <a:ext cx="5937813" cy="5232202"/>
+          </a:xfrm>
+          <a:prstGeom prst="rect">
+            <a:avLst/>
+          </a:prstGeom>
+          <a:noFill/>
+        </p:spPr>
+        <p:txBody>
+          <a:bodyPr wrap="square" rtlCol="0">
+            <a:spAutoFit/>
+          </a:bodyPr>
+          <a:lstStyle/>
+          <a:p>
+            <a:r>
+              <a:rPr lang="en-US" sz="4000" b="1" dirty="0">
+                <a:solidFill>
+                  <a:srgbClr val="CF3338"/>
+                </a:solidFill>
+                <a:latin typeface="Pragmatica" panose="020B0403040502020204" pitchFamily="34" charset="0"/>
+              </a:rPr>
+              <a:t>Demo + Exercises</a:t>
+            </a:r>
+          </a:p>
+          <a:p>
+            <a:r>
+              <a:rPr lang="en-US" sz="2800" dirty="0">
+                <a:solidFill>
+                  <a:srgbClr val="CF3338"/>
+                </a:solidFill>
+                <a:latin typeface="Pragmatica" panose="020B0403040502020204" pitchFamily="34" charset="0"/>
+              </a:rPr>
+              <a:t>Data: </a:t>
+            </a:r>
+            <a:r>
+              <a:rPr lang="en-US" sz="2800" dirty="0">
+                <a:solidFill>
+                  <a:srgbClr val="CF3338"/>
+                </a:solidFill>
+                <a:latin typeface="Consolas" panose="020B0609020204030204" pitchFamily="49" charset="0"/>
+              </a:rPr>
+              <a:t>superstore</a:t>
+            </a:r>
+            <a:r>
+              <a:rPr lang="en-US" sz="2800" dirty="0">
+                <a:solidFill>
+                  <a:srgbClr val="CF3338"/>
+                </a:solidFill>
+                <a:latin typeface="Pragmatica" panose="020B0403040502020204" pitchFamily="34" charset="0"/>
+              </a:rPr>
+              <a:t> model continued</a:t>
+            </a:r>
+          </a:p>
+          <a:p>
+            <a:endParaRPr lang="en-US" sz="2800" dirty="0">
+              <a:solidFill>
+                <a:srgbClr val="CF3338"/>
+              </a:solidFill>
+              <a:latin typeface="Pragmatica" panose="020B0403040502020204" pitchFamily="34" charset="0"/>
+            </a:endParaRPr>
+          </a:p>
+          <a:p>
+            <a:pPr marL="457200" lvl="0" indent="-361950">
+              <a:lnSpc>
+                <a:spcPct val="115000"/>
+              </a:lnSpc>
+              <a:spcBef>
+                <a:spcPts val="750"/>
+              </a:spcBef>
+              <a:buClr>
+                <a:srgbClr val="C00000"/>
+              </a:buClr>
+              <a:buSzPts val="2100"/>
+              <a:buFont typeface="Arial" panose="020B0604020202020204" pitchFamily="34" charset="0"/>
+              <a:buChar char="•"/>
+            </a:pPr>
+            <a:r>
+              <a:rPr lang="en-US" sz="2400" dirty="0">
+                <a:solidFill>
+                  <a:srgbClr val="C00000"/>
+                </a:solidFill>
+                <a:latin typeface="Pragmatica" panose="020B0403040502020204"/>
+                <a:ea typeface="Consolas"/>
+                <a:cs typeface="Consolas"/>
+                <a:sym typeface="Consolas"/>
+              </a:rPr>
+              <a:t>Design a basic Excel dashboard to monitor profitability, regional performance and sales trends</a:t>
+            </a:r>
+          </a:p>
+          <a:p>
+            <a:pPr marL="457200" lvl="0" indent="-361950">
+              <a:lnSpc>
+                <a:spcPct val="115000"/>
+              </a:lnSpc>
+              <a:spcBef>
+                <a:spcPts val="750"/>
+              </a:spcBef>
+              <a:buClr>
+                <a:srgbClr val="C00000"/>
+              </a:buClr>
+              <a:buSzPts val="2100"/>
+              <a:buFont typeface="Arial" panose="020B0604020202020204" pitchFamily="34" charset="0"/>
+              <a:buChar char="•"/>
+            </a:pPr>
+            <a:r>
+              <a:rPr lang="en-US" sz="2400" dirty="0">
+                <a:solidFill>
+                  <a:srgbClr val="C00000"/>
+                </a:solidFill>
+                <a:latin typeface="Pragmatica" panose="020B0403040502020204"/>
+                <a:ea typeface="Consolas"/>
+                <a:cs typeface="Consolas"/>
+                <a:sym typeface="Consolas"/>
+              </a:rPr>
+              <a:t>Create additional measures &amp; KPIs</a:t>
+            </a:r>
+          </a:p>
+          <a:p>
+            <a:pPr marL="457200" lvl="0" indent="-361950">
+              <a:lnSpc>
+                <a:spcPct val="115000"/>
+              </a:lnSpc>
+              <a:spcBef>
+                <a:spcPts val="750"/>
+              </a:spcBef>
+              <a:buClr>
+                <a:srgbClr val="C00000"/>
+              </a:buClr>
+              <a:buSzPts val="2100"/>
+              <a:buFont typeface="Arial" panose="020B0604020202020204" pitchFamily="34" charset="0"/>
+              <a:buChar char="•"/>
+            </a:pPr>
+            <a:endParaRPr lang="en-US" sz="2400" dirty="0">
+              <a:solidFill>
+                <a:srgbClr val="C00000"/>
+              </a:solidFill>
+              <a:latin typeface="Consolas" panose="020B0609020204030204" pitchFamily="49" charset="0"/>
+              <a:ea typeface="Consolas"/>
+              <a:cs typeface="Consolas"/>
+              <a:sym typeface="Consolas"/>
+            </a:endParaRPr>
+          </a:p>
+          <a:p>
+            <a:endParaRPr lang="en-US" sz="4000" dirty="0">
+              <a:solidFill>
+                <a:srgbClr val="CF3338"/>
+              </a:solidFill>
+              <a:latin typeface="Pragmatica" panose="020B0403040502020204" pitchFamily="34" charset="0"/>
+            </a:endParaRPr>
+          </a:p>
+          <a:p>
+            <a:endParaRPr lang="en-US" sz="4000" dirty="0">
+              <a:solidFill>
+                <a:srgbClr val="CF3338"/>
+              </a:solidFill>
+              <a:latin typeface="Pragmatica" panose="020B0403040502020204" pitchFamily="34" charset="0"/>
+            </a:endParaRPr>
+          </a:p>
+        </p:txBody>
+      </p:sp>
+    </p:spTree>
+    <p:extLst>
+      <p:ext uri="{BB962C8B-B14F-4D97-AF65-F5344CB8AC3E}">
+        <p14:creationId xmlns:p14="http://schemas.microsoft.com/office/powerpoint/2010/main" val="3413916140"/>
+      </p:ext>
+    </p:extLst>
+  </p:cSld>
+  <p:clrMapOvr>
+    <a:masterClrMapping/>
+  </p:clrMapOvr>
+</p:sld>
+</file>
+
+<file path=ppt/slides/slide25.xml><?xml version="1.0" encoding="utf-8"?>
+<p:sld xmlns:a="http://schemas.openxmlformats.org/drawingml/2006/main" xmlns:r="http://schemas.openxmlformats.org/officeDocument/2006/relationships" xmlns:p="http://schemas.openxmlformats.org/presentationml/2006/main">
+  <p:cSld>
+    <p:spTree>
+      <p:nvGrpSpPr>
+        <p:cNvPr id="1" name=""/>
+        <p:cNvGrpSpPr/>
+        <p:nvPr/>
+      </p:nvGrpSpPr>
+      <p:grpSpPr>
+        <a:xfrm>
+          <a:off x="0" y="0"/>
+          <a:ext cx="0" cy="0"/>
+          <a:chOff x="0" y="0"/>
+          <a:chExt cx="0" cy="0"/>
+        </a:xfrm>
+      </p:grpSpPr>
+      <p:sp>
+        <p:nvSpPr>
+          <p:cNvPr id="4" name="Rectangle 3"/>
+          <p:cNvSpPr/>
+          <p:nvPr/>
+        </p:nvSpPr>
+        <p:spPr>
+          <a:xfrm>
+            <a:off x="6574420" y="0"/>
+            <a:ext cx="5617580" cy="6858000"/>
+          </a:xfrm>
+          <a:prstGeom prst="rect">
+            <a:avLst/>
+          </a:prstGeom>
+          <a:solidFill>
+            <a:srgbClr val="CF3338"/>
+          </a:solidFill>
+          <a:ln>
+            <a:noFill/>
+          </a:ln>
+        </p:spPr>
+        <p:style>
+          <a:lnRef idx="2">
+            <a:schemeClr val="accent1">
+              <a:shade val="50000"/>
+            </a:schemeClr>
+          </a:lnRef>
+          <a:fillRef idx="1">
+            <a:schemeClr val="accent1"/>
+          </a:fillRef>
+          <a:effectRef idx="0">
+            <a:schemeClr val="accent1"/>
+          </a:effectRef>
+          <a:fontRef idx="minor">
+            <a:schemeClr val="lt1"/>
+          </a:fontRef>
+        </p:style>
+        <p:txBody>
+          <a:bodyPr rtlCol="0" anchor="ctr"/>
+          <a:lstStyle/>
+          <a:p>
+            <a:pPr algn="ctr"/>
+            <a:endParaRPr lang="en-US"/>
+          </a:p>
+        </p:txBody>
+      </p:sp>
+      <p:pic>
+        <p:nvPicPr>
+          <p:cNvPr id="2" name="Picture 1"/>
+          <p:cNvPicPr>
+            <a:picLocks noChangeAspect="1"/>
+          </p:cNvPicPr>
+          <p:nvPr/>
+        </p:nvPicPr>
+        <p:blipFill rotWithShape="1">
+          <a:blip r:embed="rId3">
+            <a:extLst>
+              <a:ext uri="{28A0092B-C50C-407E-A947-70E740481C1C}">
+                <a14:useLocalDpi xmlns:a14="http://schemas.microsoft.com/office/drawing/2010/main" val="0"/>
+              </a:ext>
+            </a:extLst>
+          </a:blip>
+          <a:srcRect l="69227" t="33418" r="20112" b="50548"/>
+          <a:stretch/>
+        </p:blipFill>
+        <p:spPr>
+          <a:xfrm>
+            <a:off x="10386349" y="5029795"/>
+            <a:ext cx="1805651" cy="1991719"/>
+          </a:xfrm>
+          <a:prstGeom prst="rect">
+            <a:avLst/>
+          </a:prstGeom>
+        </p:spPr>
+      </p:pic>
+      <p:sp>
+        <p:nvSpPr>
+          <p:cNvPr id="3" name="TextBox 2"/>
+          <p:cNvSpPr txBox="1"/>
+          <p:nvPr/>
+        </p:nvSpPr>
+        <p:spPr>
+          <a:xfrm>
+            <a:off x="173620" y="219919"/>
+            <a:ext cx="5937813" cy="5492786"/>
+          </a:xfrm>
+          <a:prstGeom prst="rect">
+            <a:avLst/>
+          </a:prstGeom>
+          <a:noFill/>
+        </p:spPr>
+        <p:txBody>
+          <a:bodyPr wrap="square" rtlCol="0">
+            <a:spAutoFit/>
+          </a:bodyPr>
+          <a:lstStyle/>
+          <a:p>
+            <a:r>
+              <a:rPr lang="en-US" sz="4000" b="1" dirty="0">
+                <a:solidFill>
+                  <a:srgbClr val="CF3338"/>
+                </a:solidFill>
+                <a:latin typeface="Pragmatica" panose="020B0403040502020204" pitchFamily="34" charset="0"/>
+              </a:rPr>
+              <a:t>Demo + Exercises</a:t>
+            </a:r>
+          </a:p>
+          <a:p>
+            <a:r>
+              <a:rPr lang="en-US" sz="2400" dirty="0">
+                <a:solidFill>
+                  <a:srgbClr val="CF3338"/>
+                </a:solidFill>
+                <a:latin typeface="Pragmatica" panose="020B0403040502020204" pitchFamily="34" charset="0"/>
+              </a:rPr>
+              <a:t>Folder: </a:t>
+            </a:r>
+            <a:r>
+              <a:rPr lang="en-US" sz="2400" dirty="0">
+                <a:solidFill>
+                  <a:srgbClr val="CF3338"/>
+                </a:solidFill>
+                <a:latin typeface="Consolas" panose="020B0609020204030204" pitchFamily="49" charset="0"/>
+              </a:rPr>
+              <a:t>nycflights13 </a:t>
+            </a:r>
+            <a:r>
+              <a:rPr lang="en-US" sz="2400" dirty="0">
+                <a:solidFill>
+                  <a:srgbClr val="CF3338"/>
+                </a:solidFill>
+                <a:latin typeface="Pragmatica" panose="020B0403040502020204"/>
+              </a:rPr>
+              <a:t>+ blank workbook</a:t>
+            </a:r>
+            <a:endParaRPr lang="en-US" sz="2400" dirty="0">
+              <a:solidFill>
+                <a:srgbClr val="CF3338"/>
+              </a:solidFill>
+              <a:latin typeface="Pragmatica" panose="020B0403040502020204" pitchFamily="34" charset="0"/>
+              <a:sym typeface="Consolas"/>
+            </a:endParaRPr>
+          </a:p>
+          <a:p>
+            <a:pPr marL="95250" lvl="0">
+              <a:lnSpc>
+                <a:spcPct val="115000"/>
+              </a:lnSpc>
+              <a:spcBef>
+                <a:spcPts val="750"/>
+              </a:spcBef>
+              <a:buClr>
+                <a:srgbClr val="C00000"/>
+              </a:buClr>
+              <a:buSzPts val="2100"/>
+            </a:pPr>
+            <a:endParaRPr lang="en-US" sz="2400" dirty="0">
+              <a:solidFill>
+                <a:srgbClr val="CF3338"/>
+              </a:solidFill>
+              <a:latin typeface="Pragmatica" panose="020B0403040502020204" pitchFamily="34" charset="0"/>
+              <a:ea typeface="Consolas"/>
+              <a:cs typeface="Consolas"/>
+              <a:sym typeface="Consolas"/>
+            </a:endParaRPr>
+          </a:p>
+          <a:p>
+            <a:pPr marL="552450" lvl="0" indent="-457200">
+              <a:lnSpc>
+                <a:spcPct val="115000"/>
+              </a:lnSpc>
+              <a:spcBef>
+                <a:spcPts val="750"/>
+              </a:spcBef>
+              <a:buClr>
+                <a:srgbClr val="C00000"/>
+              </a:buClr>
+              <a:buSzPts val="2100"/>
+              <a:buFont typeface="+mj-lt"/>
+              <a:buAutoNum type="arabicPeriod"/>
+            </a:pPr>
+            <a:r>
+              <a:rPr lang="en-US" sz="2400" dirty="0">
+                <a:solidFill>
+                  <a:srgbClr val="CF3338"/>
+                </a:solidFill>
+                <a:latin typeface="Pragmatica" panose="020B0403040502020204" pitchFamily="34" charset="0"/>
+                <a:ea typeface="Consolas"/>
+                <a:cs typeface="Consolas"/>
+                <a:sym typeface="Consolas"/>
+              </a:rPr>
+              <a:t>Create a Data Model from </a:t>
+            </a:r>
+            <a:r>
+              <a:rPr lang="en-US" sz="2400" dirty="0" err="1">
+                <a:solidFill>
+                  <a:srgbClr val="CF3338"/>
+                </a:solidFill>
+                <a:latin typeface="Consolas" panose="020B0609020204030204" pitchFamily="49" charset="0"/>
+                <a:ea typeface="Consolas"/>
+                <a:cs typeface="Consolas"/>
+                <a:sym typeface="Consolas"/>
+              </a:rPr>
+              <a:t>raw_data</a:t>
+            </a:r>
+            <a:r>
+              <a:rPr lang="en-US" sz="2400" dirty="0">
+                <a:solidFill>
+                  <a:srgbClr val="CF3338"/>
+                </a:solidFill>
+                <a:latin typeface="Pragmatica" panose="020B0403040502020204" pitchFamily="34" charset="0"/>
+                <a:ea typeface="Consolas"/>
+                <a:cs typeface="Consolas"/>
+                <a:sym typeface="Consolas"/>
+              </a:rPr>
+              <a:t> files</a:t>
+            </a:r>
+            <a:endParaRPr lang="en-US" sz="2400" dirty="0">
+              <a:solidFill>
+                <a:srgbClr val="C00000"/>
+              </a:solidFill>
+              <a:latin typeface="Consolas" panose="020B0609020204030204" pitchFamily="49" charset="0"/>
+              <a:ea typeface="Consolas"/>
+              <a:cs typeface="Consolas"/>
+              <a:sym typeface="Consolas"/>
+            </a:endParaRPr>
+          </a:p>
+          <a:p>
+            <a:pPr marL="552450" lvl="0" indent="-457200">
+              <a:lnSpc>
+                <a:spcPct val="115000"/>
+              </a:lnSpc>
+              <a:spcBef>
+                <a:spcPts val="750"/>
+              </a:spcBef>
+              <a:buClr>
+                <a:srgbClr val="C00000"/>
+              </a:buClr>
+              <a:buSzPts val="2100"/>
+              <a:buFont typeface="+mj-lt"/>
+              <a:buAutoNum type="arabicPeriod"/>
+            </a:pPr>
+            <a:r>
+              <a:rPr lang="en-US" sz="2400" dirty="0">
+                <a:solidFill>
+                  <a:srgbClr val="CF3338"/>
+                </a:solidFill>
+                <a:latin typeface="Pragmatica" panose="020B0403040502020204" pitchFamily="34" charset="0"/>
+                <a:ea typeface="Consolas"/>
+                <a:cs typeface="Consolas"/>
+                <a:sym typeface="Consolas"/>
+              </a:rPr>
+              <a:t>Build a 3D Map</a:t>
+            </a:r>
+          </a:p>
+          <a:p>
+            <a:pPr marL="552450" lvl="0" indent="-457200">
+              <a:lnSpc>
+                <a:spcPct val="115000"/>
+              </a:lnSpc>
+              <a:spcBef>
+                <a:spcPts val="750"/>
+              </a:spcBef>
+              <a:buClr>
+                <a:srgbClr val="C00000"/>
+              </a:buClr>
+              <a:buSzPts val="2100"/>
+              <a:buFont typeface="+mj-lt"/>
+              <a:buAutoNum type="arabicPeriod"/>
+            </a:pPr>
+            <a:r>
+              <a:rPr lang="en-US" sz="2400" dirty="0">
+                <a:solidFill>
+                  <a:srgbClr val="CF3338"/>
+                </a:solidFill>
+                <a:latin typeface="Pragmatica" panose="020B0403040502020204" pitchFamily="34" charset="0"/>
+                <a:ea typeface="Consolas"/>
+                <a:cs typeface="Consolas"/>
+                <a:sym typeface="Consolas"/>
+              </a:rPr>
+              <a:t>Analyze cancellation rates by location, carrier, etc. </a:t>
+            </a:r>
+          </a:p>
+          <a:p>
+            <a:pPr marL="552450" lvl="0" indent="-457200">
+              <a:lnSpc>
+                <a:spcPct val="115000"/>
+              </a:lnSpc>
+              <a:spcBef>
+                <a:spcPts val="750"/>
+              </a:spcBef>
+              <a:buClr>
+                <a:srgbClr val="C00000"/>
+              </a:buClr>
+              <a:buSzPts val="2100"/>
+              <a:buFont typeface="+mj-lt"/>
+              <a:buAutoNum type="arabicPeriod"/>
+            </a:pPr>
+            <a:endParaRPr lang="en-US" sz="2400" dirty="0">
+              <a:solidFill>
+                <a:srgbClr val="CF3338"/>
+              </a:solidFill>
+              <a:latin typeface="Pragmatica" panose="020B0403040502020204" pitchFamily="34" charset="0"/>
+              <a:ea typeface="Consolas"/>
+              <a:cs typeface="Consolas"/>
+              <a:sym typeface="Consolas"/>
+            </a:endParaRPr>
+          </a:p>
+          <a:p>
+            <a:r>
+              <a:rPr lang="en-US" sz="2400" dirty="0">
+                <a:solidFill>
+                  <a:srgbClr val="CF3338"/>
+                </a:solidFill>
+                <a:latin typeface="Pragmatica" panose="020B0403040502020204" pitchFamily="34" charset="0"/>
+              </a:rPr>
+              <a:t>Solutions: </a:t>
+            </a:r>
+            <a:r>
+              <a:rPr lang="en-US" sz="2400" dirty="0">
+                <a:solidFill>
+                  <a:srgbClr val="CF3338"/>
+                </a:solidFill>
+                <a:latin typeface="Consolas" panose="020B0609020204030204" pitchFamily="49" charset="0"/>
+              </a:rPr>
+              <a:t>nycflights13-data-model-finish.xlsx</a:t>
+            </a:r>
+          </a:p>
+          <a:p>
+            <a:endParaRPr lang="en-US" sz="4000" dirty="0">
+              <a:solidFill>
+                <a:srgbClr val="CF3338"/>
+              </a:solidFill>
+              <a:latin typeface="Pragmatica" panose="020B0403040502020204" pitchFamily="34" charset="0"/>
+            </a:endParaRPr>
+          </a:p>
+        </p:txBody>
+      </p:sp>
+    </p:spTree>
+    <p:extLst>
+      <p:ext uri="{BB962C8B-B14F-4D97-AF65-F5344CB8AC3E}">
+        <p14:creationId xmlns:p14="http://schemas.microsoft.com/office/powerpoint/2010/main" val="3759630196"/>
+      </p:ext>
+    </p:extLst>
+  </p:cSld>
+  <p:clrMapOvr>
+    <a:masterClrMapping/>
+  </p:clrMapOvr>
+</p:sld>
+</file>
+
+<file path=ppt/slides/slide26.xml><?xml version="1.0" encoding="utf-8"?>
 <p:sld xmlns:a="http://schemas.openxmlformats.org/drawingml/2006/main" xmlns:r="http://schemas.openxmlformats.org/officeDocument/2006/relationships" xmlns:p="http://schemas.openxmlformats.org/presentationml/2006/main">
   <p:cSld>
     <p:spTree>
@@ -7923,7 +9134,7 @@
 </p:sld>
 </file>
 
-<file path=ppt/slides/slide24.xml><?xml version="1.0" encoding="utf-8"?>
+<file path=ppt/slides/slide27.xml><?xml version="1.0" encoding="utf-8"?>
 <p:sld xmlns:a="http://schemas.openxmlformats.org/drawingml/2006/main" xmlns:r="http://schemas.openxmlformats.org/officeDocument/2006/relationships" xmlns:p="http://schemas.openxmlformats.org/presentationml/2006/main">
   <p:cSld>
     <p:spTree>
@@ -8039,7 +9250,7 @@
 </p:sld>
 </file>
 
-<file path=ppt/slides/slide25.xml><?xml version="1.0" encoding="utf-8"?>
+<file path=ppt/slides/slide28.xml><?xml version="1.0" encoding="utf-8"?>
 <p:sld xmlns:a="http://schemas.openxmlformats.org/drawingml/2006/main" xmlns:r="http://schemas.openxmlformats.org/officeDocument/2006/relationships" xmlns:p="http://schemas.openxmlformats.org/presentationml/2006/main">
   <p:cSld>
     <p:spTree>
@@ -8238,7 +9449,7 @@
 </p:sld>
 </file>
 
-<file path=ppt/slides/slide26.xml><?xml version="1.0" encoding="utf-8"?>
+<file path=ppt/slides/slide29.xml><?xml version="1.0" encoding="utf-8"?>
 <p:sld xmlns:a="http://schemas.openxmlformats.org/drawingml/2006/main" xmlns:r="http://schemas.openxmlformats.org/officeDocument/2006/relationships" xmlns:p="http://schemas.openxmlformats.org/presentationml/2006/main">
   <p:cSld>
     <p:spTree>
@@ -8427,7 +9638,209 @@
 </p:sld>
 </file>
 
-<file path=ppt/slides/slide27.xml><?xml version="1.0" encoding="utf-8"?>
+<file path=ppt/slides/slide3.xml><?xml version="1.0" encoding="utf-8"?>
+<p:sld xmlns:a="http://schemas.openxmlformats.org/drawingml/2006/main" xmlns:r="http://schemas.openxmlformats.org/officeDocument/2006/relationships" xmlns:p="http://schemas.openxmlformats.org/presentationml/2006/main">
+  <p:cSld>
+    <p:spTree>
+      <p:nvGrpSpPr>
+        <p:cNvPr id="1" name=""/>
+        <p:cNvGrpSpPr/>
+        <p:nvPr/>
+      </p:nvGrpSpPr>
+      <p:grpSpPr>
+        <a:xfrm>
+          <a:off x="0" y="0"/>
+          <a:ext cx="0" cy="0"/>
+          <a:chOff x="0" y="0"/>
+          <a:chExt cx="0" cy="0"/>
+        </a:xfrm>
+      </p:grpSpPr>
+      <p:sp>
+        <p:nvSpPr>
+          <p:cNvPr id="11" name="TextBox 10"/>
+          <p:cNvSpPr txBox="1"/>
+          <p:nvPr/>
+        </p:nvSpPr>
+        <p:spPr>
+          <a:xfrm>
+            <a:off x="347240" y="113388"/>
+            <a:ext cx="7986531" cy="1938992"/>
+          </a:xfrm>
+          <a:prstGeom prst="rect">
+            <a:avLst/>
+          </a:prstGeom>
+          <a:noFill/>
+        </p:spPr>
+        <p:txBody>
+          <a:bodyPr wrap="square" rtlCol="0">
+            <a:spAutoFit/>
+          </a:bodyPr>
+          <a:lstStyle/>
+          <a:p>
+            <a:r>
+              <a:rPr lang="en-US" sz="6000" dirty="0">
+                <a:latin typeface="Aliens &amp; cows" panose="00000500000000000000" pitchFamily="2" charset="0"/>
+              </a:rPr>
+              <a:t>Objectives for this session</a:t>
+            </a:r>
+          </a:p>
+        </p:txBody>
+      </p:sp>
+      <p:sp>
+        <p:nvSpPr>
+          <p:cNvPr id="3" name="TextBox 2"/>
+          <p:cNvSpPr txBox="1"/>
+          <p:nvPr/>
+        </p:nvSpPr>
+        <p:spPr>
+          <a:xfrm>
+            <a:off x="347240" y="2127965"/>
+            <a:ext cx="9595413" cy="3108543"/>
+          </a:xfrm>
+          <a:prstGeom prst="rect">
+            <a:avLst/>
+          </a:prstGeom>
+          <a:noFill/>
+        </p:spPr>
+        <p:txBody>
+          <a:bodyPr wrap="square" rtlCol="0">
+            <a:spAutoFit/>
+          </a:bodyPr>
+          <a:lstStyle/>
+          <a:p>
+            <a:pPr marL="457200" indent="-457200">
+              <a:buClr>
+                <a:srgbClr val="CF3338"/>
+              </a:buClr>
+              <a:buFont typeface="Arial" panose="020B0604020202020204" pitchFamily="34" charset="0"/>
+              <a:buChar char="•"/>
+            </a:pPr>
+            <a:r>
+              <a:rPr lang="en-US" sz="2800" dirty="0">
+                <a:solidFill>
+                  <a:srgbClr val="707070"/>
+                </a:solidFill>
+                <a:latin typeface="Pragmatica" panose="020B0403040502020204" pitchFamily="34" charset="0"/>
+              </a:rPr>
+              <a:t>Use Pivot Tables to generate summary data, reports, and dashboards in seconds</a:t>
+            </a:r>
+          </a:p>
+          <a:p>
+            <a:pPr>
+              <a:buClr>
+                <a:srgbClr val="CF3338"/>
+              </a:buClr>
+            </a:pPr>
+            <a:endParaRPr lang="en-US" sz="2800" dirty="0">
+              <a:solidFill>
+                <a:srgbClr val="707070"/>
+              </a:solidFill>
+              <a:latin typeface="Pragmatica" panose="020B0403040502020204" pitchFamily="34" charset="0"/>
+            </a:endParaRPr>
+          </a:p>
+          <a:p>
+            <a:pPr marL="457200" indent="-457200">
+              <a:buClr>
+                <a:srgbClr val="CF3338"/>
+              </a:buClr>
+              <a:buFont typeface="Arial" panose="020B0604020202020204" pitchFamily="34" charset="0"/>
+              <a:buChar char="•"/>
+            </a:pPr>
+            <a:r>
+              <a:rPr lang="en-US" sz="2800" dirty="0">
+                <a:solidFill>
+                  <a:srgbClr val="707070"/>
+                </a:solidFill>
+                <a:latin typeface="Pragmatica" panose="020B0403040502020204" pitchFamily="34" charset="0"/>
+              </a:rPr>
+              <a:t>Create connections across data with the Excel Data Model</a:t>
+            </a:r>
+          </a:p>
+          <a:p>
+            <a:pPr marL="457200" indent="-457200">
+              <a:buClr>
+                <a:srgbClr val="CF3338"/>
+              </a:buClr>
+              <a:buFont typeface="Arial" panose="020B0604020202020204" pitchFamily="34" charset="0"/>
+              <a:buChar char="•"/>
+            </a:pPr>
+            <a:endParaRPr lang="en-US" sz="2800" dirty="0">
+              <a:solidFill>
+                <a:srgbClr val="707070"/>
+              </a:solidFill>
+              <a:latin typeface="Pragmatica" panose="020B0403040502020204" pitchFamily="34" charset="0"/>
+            </a:endParaRPr>
+          </a:p>
+          <a:p>
+            <a:pPr marL="457200" indent="-457200">
+              <a:buClr>
+                <a:srgbClr val="CF3338"/>
+              </a:buClr>
+              <a:buFont typeface="Arial" panose="020B0604020202020204" pitchFamily="34" charset="0"/>
+              <a:buChar char="•"/>
+            </a:pPr>
+            <a:r>
+              <a:rPr lang="en-US" sz="2800" dirty="0">
+                <a:solidFill>
+                  <a:srgbClr val="707070"/>
+                </a:solidFill>
+                <a:latin typeface="Pragmatica" panose="020B0403040502020204" pitchFamily="34" charset="0"/>
+              </a:rPr>
+              <a:t>Visualize data across multiple tabs</a:t>
+            </a:r>
+          </a:p>
+        </p:txBody>
+      </p:sp>
+      <p:pic>
+        <p:nvPicPr>
+          <p:cNvPr id="15" name="Picture 14" descr="A close up of a sign&#10;&#10;Description automatically generated">
+            <a:extLst>
+              <a:ext uri="{FF2B5EF4-FFF2-40B4-BE49-F238E27FC236}">
+                <a16:creationId xmlns:a16="http://schemas.microsoft.com/office/drawing/2014/main" id="{29761B90-A7DE-4A60-A915-F085BD87CAB4}"/>
+              </a:ext>
+            </a:extLst>
+          </p:cNvPr>
+          <p:cNvPicPr>
+            <a:picLocks noChangeAspect="1"/>
+          </p:cNvPicPr>
+          <p:nvPr/>
+        </p:nvPicPr>
+        <p:blipFill>
+          <a:blip r:embed="rId2">
+            <a:extLst>
+              <a:ext uri="{28A0092B-C50C-407E-A947-70E740481C1C}">
+                <a14:useLocalDpi xmlns:a14="http://schemas.microsoft.com/office/drawing/2010/main" val="0"/>
+              </a:ext>
+            </a:extLst>
+          </a:blip>
+          <a:stretch>
+            <a:fillRect/>
+          </a:stretch>
+        </p:blipFill>
+        <p:spPr>
+          <a:xfrm>
+            <a:off x="10894024" y="5372286"/>
+            <a:ext cx="1295238" cy="1485714"/>
+          </a:xfrm>
+          <a:prstGeom prst="rect">
+            <a:avLst/>
+          </a:prstGeom>
+        </p:spPr>
+      </p:pic>
+    </p:spTree>
+    <p:extLst>
+      <p:ext uri="{BB962C8B-B14F-4D97-AF65-F5344CB8AC3E}">
+        <p14:creationId xmlns:p14="http://schemas.microsoft.com/office/powerpoint/2010/main" val="3830029867"/>
+      </p:ext>
+    </p:extLst>
+  </p:cSld>
+  <p:clrMapOvr>
+    <a:masterClrMapping/>
+  </p:clrMapOvr>
+</p:sld>
+</file>
+
+<file path=ppt/slides/slide30.xml><?xml version="1.0" encoding="utf-8"?>
 <p:sld xmlns:a="http://schemas.openxmlformats.org/drawingml/2006/main" xmlns:r="http://schemas.openxmlformats.org/officeDocument/2006/relationships" xmlns:p="http://schemas.openxmlformats.org/presentationml/2006/main">
   <p:cSld>
     <p:spTree>
@@ -8632,7 +10045,7 @@
 </p:sld>
 </file>
 
-<file path=ppt/slides/slide28.xml><?xml version="1.0" encoding="utf-8"?>
+<file path=ppt/slides/slide31.xml><?xml version="1.0" encoding="utf-8"?>
 <p:sld xmlns:a="http://schemas.openxmlformats.org/drawingml/2006/main" xmlns:r="http://schemas.openxmlformats.org/officeDocument/2006/relationships" xmlns:p="http://schemas.openxmlformats.org/presentationml/2006/main">
   <p:cSld>
     <p:spTree>
@@ -8776,208 +10189,6 @@
 </p:sld>
 </file>
 
-<file path=ppt/slides/slide3.xml><?xml version="1.0" encoding="utf-8"?>
-<p:sld xmlns:a="http://schemas.openxmlformats.org/drawingml/2006/main" xmlns:r="http://schemas.openxmlformats.org/officeDocument/2006/relationships" xmlns:p="http://schemas.openxmlformats.org/presentationml/2006/main">
-  <p:cSld>
-    <p:spTree>
-      <p:nvGrpSpPr>
-        <p:cNvPr id="1" name=""/>
-        <p:cNvGrpSpPr/>
-        <p:nvPr/>
-      </p:nvGrpSpPr>
-      <p:grpSpPr>
-        <a:xfrm>
-          <a:off x="0" y="0"/>
-          <a:ext cx="0" cy="0"/>
-          <a:chOff x="0" y="0"/>
-          <a:chExt cx="0" cy="0"/>
-        </a:xfrm>
-      </p:grpSpPr>
-      <p:sp>
-        <p:nvSpPr>
-          <p:cNvPr id="11" name="TextBox 10"/>
-          <p:cNvSpPr txBox="1"/>
-          <p:nvPr/>
-        </p:nvSpPr>
-        <p:spPr>
-          <a:xfrm>
-            <a:off x="347240" y="113388"/>
-            <a:ext cx="7986531" cy="1938992"/>
-          </a:xfrm>
-          <a:prstGeom prst="rect">
-            <a:avLst/>
-          </a:prstGeom>
-          <a:noFill/>
-        </p:spPr>
-        <p:txBody>
-          <a:bodyPr wrap="square" rtlCol="0">
-            <a:spAutoFit/>
-          </a:bodyPr>
-          <a:lstStyle/>
-          <a:p>
-            <a:r>
-              <a:rPr lang="en-US" sz="6000" dirty="0">
-                <a:latin typeface="Aliens &amp; cows" panose="00000500000000000000" pitchFamily="2" charset="0"/>
-              </a:rPr>
-              <a:t>Objectives for this session</a:t>
-            </a:r>
-          </a:p>
-        </p:txBody>
-      </p:sp>
-      <p:sp>
-        <p:nvSpPr>
-          <p:cNvPr id="3" name="TextBox 2"/>
-          <p:cNvSpPr txBox="1"/>
-          <p:nvPr/>
-        </p:nvSpPr>
-        <p:spPr>
-          <a:xfrm>
-            <a:off x="347240" y="2127965"/>
-            <a:ext cx="9595413" cy="3108543"/>
-          </a:xfrm>
-          <a:prstGeom prst="rect">
-            <a:avLst/>
-          </a:prstGeom>
-          <a:noFill/>
-        </p:spPr>
-        <p:txBody>
-          <a:bodyPr wrap="square" rtlCol="0">
-            <a:spAutoFit/>
-          </a:bodyPr>
-          <a:lstStyle/>
-          <a:p>
-            <a:pPr marL="457200" indent="-457200">
-              <a:buClr>
-                <a:srgbClr val="CF3338"/>
-              </a:buClr>
-              <a:buFont typeface="Arial" panose="020B0604020202020204" pitchFamily="34" charset="0"/>
-              <a:buChar char="•"/>
-            </a:pPr>
-            <a:r>
-              <a:rPr lang="en-US" sz="2800" dirty="0">
-                <a:solidFill>
-                  <a:srgbClr val="707070"/>
-                </a:solidFill>
-                <a:latin typeface="Pragmatica" panose="020B0403040502020204" pitchFamily="34" charset="0"/>
-              </a:rPr>
-              <a:t>Use Pivot Tables to generate summary data, reports, and dashboards in seconds</a:t>
-            </a:r>
-          </a:p>
-          <a:p>
-            <a:pPr>
-              <a:buClr>
-                <a:srgbClr val="CF3338"/>
-              </a:buClr>
-            </a:pPr>
-            <a:endParaRPr lang="en-US" sz="2800" dirty="0">
-              <a:solidFill>
-                <a:srgbClr val="707070"/>
-              </a:solidFill>
-              <a:latin typeface="Pragmatica" panose="020B0403040502020204" pitchFamily="34" charset="0"/>
-            </a:endParaRPr>
-          </a:p>
-          <a:p>
-            <a:pPr marL="457200" indent="-457200">
-              <a:buClr>
-                <a:srgbClr val="CF3338"/>
-              </a:buClr>
-              <a:buFont typeface="Arial" panose="020B0604020202020204" pitchFamily="34" charset="0"/>
-              <a:buChar char="•"/>
-            </a:pPr>
-            <a:r>
-              <a:rPr lang="en-US" sz="2800" dirty="0">
-                <a:solidFill>
-                  <a:srgbClr val="707070"/>
-                </a:solidFill>
-                <a:latin typeface="Pragmatica" panose="020B0403040502020204" pitchFamily="34" charset="0"/>
-              </a:rPr>
-              <a:t>Create connections across data with the Excel Data Model</a:t>
-            </a:r>
-          </a:p>
-          <a:p>
-            <a:pPr marL="457200" indent="-457200">
-              <a:buClr>
-                <a:srgbClr val="CF3338"/>
-              </a:buClr>
-              <a:buFont typeface="Arial" panose="020B0604020202020204" pitchFamily="34" charset="0"/>
-              <a:buChar char="•"/>
-            </a:pPr>
-            <a:endParaRPr lang="en-US" sz="2800" dirty="0">
-              <a:solidFill>
-                <a:srgbClr val="707070"/>
-              </a:solidFill>
-              <a:latin typeface="Pragmatica" panose="020B0403040502020204" pitchFamily="34" charset="0"/>
-            </a:endParaRPr>
-          </a:p>
-          <a:p>
-            <a:pPr marL="457200" indent="-457200">
-              <a:buClr>
-                <a:srgbClr val="CF3338"/>
-              </a:buClr>
-              <a:buFont typeface="Arial" panose="020B0604020202020204" pitchFamily="34" charset="0"/>
-              <a:buChar char="•"/>
-            </a:pPr>
-            <a:r>
-              <a:rPr lang="en-US" sz="2800" dirty="0">
-                <a:solidFill>
-                  <a:srgbClr val="707070"/>
-                </a:solidFill>
-                <a:latin typeface="Pragmatica" panose="020B0403040502020204" pitchFamily="34" charset="0"/>
-              </a:rPr>
-              <a:t>Visualize data across multiple tabs</a:t>
-            </a:r>
-          </a:p>
-        </p:txBody>
-      </p:sp>
-      <p:pic>
-        <p:nvPicPr>
-          <p:cNvPr id="15" name="Picture 14" descr="A close up of a sign&#10;&#10;Description automatically generated">
-            <a:extLst>
-              <a:ext uri="{FF2B5EF4-FFF2-40B4-BE49-F238E27FC236}">
-                <a16:creationId xmlns:a16="http://schemas.microsoft.com/office/drawing/2014/main" id="{29761B90-A7DE-4A60-A915-F085BD87CAB4}"/>
-              </a:ext>
-            </a:extLst>
-          </p:cNvPr>
-          <p:cNvPicPr>
-            <a:picLocks noChangeAspect="1"/>
-          </p:cNvPicPr>
-          <p:nvPr/>
-        </p:nvPicPr>
-        <p:blipFill>
-          <a:blip r:embed="rId2">
-            <a:extLst>
-              <a:ext uri="{28A0092B-C50C-407E-A947-70E740481C1C}">
-                <a14:useLocalDpi xmlns:a14="http://schemas.microsoft.com/office/drawing/2010/main" val="0"/>
-              </a:ext>
-            </a:extLst>
-          </a:blip>
-          <a:stretch>
-            <a:fillRect/>
-          </a:stretch>
-        </p:blipFill>
-        <p:spPr>
-          <a:xfrm>
-            <a:off x="10894024" y="5372286"/>
-            <a:ext cx="1295238" cy="1485714"/>
-          </a:xfrm>
-          <a:prstGeom prst="rect">
-            <a:avLst/>
-          </a:prstGeom>
-        </p:spPr>
-      </p:pic>
-    </p:spTree>
-    <p:extLst>
-      <p:ext uri="{BB962C8B-B14F-4D97-AF65-F5344CB8AC3E}">
-        <p14:creationId xmlns:p14="http://schemas.microsoft.com/office/powerpoint/2010/main" val="3830029867"/>
-      </p:ext>
-    </p:extLst>
-  </p:cSld>
-  <p:clrMapOvr>
-    <a:masterClrMapping/>
-  </p:clrMapOvr>
-</p:sld>
-</file>
-
 <file path=ppt/slides/slide4.xml><?xml version="1.0" encoding="utf-8"?>
 <p:sld xmlns:a="http://schemas.openxmlformats.org/drawingml/2006/main" xmlns:r="http://schemas.openxmlformats.org/officeDocument/2006/relationships" xmlns:p="http://schemas.openxmlformats.org/presentationml/2006/main">
   <p:cSld>
@@ -9599,7 +10810,7 @@
         <p:spPr>
           <a:xfrm>
             <a:off x="173620" y="219919"/>
-            <a:ext cx="5937813" cy="3856184"/>
+            <a:ext cx="5937813" cy="3750450"/>
           </a:xfrm>
           <a:prstGeom prst="rect">
             <a:avLst/>
@@ -9624,16 +10835,36 @@
           </a:p>
           <a:p>
             <a:r>
-              <a:rPr lang="en-US" sz="2800" dirty="0">
+              <a:rPr lang="en-US" sz="2400" dirty="0">
                 <a:solidFill>
                   <a:srgbClr val="CF3338"/>
                 </a:solidFill>
                 <a:latin typeface="Pragmatica" panose="020B0403040502020204" pitchFamily="34" charset="0"/>
               </a:rPr>
+              <a:t>File: </a:t>
+            </a:r>
+            <a:r>
+              <a:rPr lang="en-US" sz="2400" dirty="0">
+                <a:solidFill>
+                  <a:srgbClr val="CF3338"/>
+                </a:solidFill>
+                <a:latin typeface="Consolas" panose="020B0609020204030204" pitchFamily="49" charset="0"/>
+              </a:rPr>
+              <a:t>pivot-tables-wd-40-start.xlsx</a:t>
+            </a:r>
+          </a:p>
+          <a:p>
+            <a:r>
+              <a:rPr lang="en-US" sz="2400" dirty="0">
+                <a:solidFill>
+                  <a:srgbClr val="CF3338"/>
+                </a:solidFill>
+                <a:latin typeface="Pragmatica" panose="020B0403040502020204" pitchFamily="34" charset="0"/>
+              </a:rPr>
               <a:t>Using the </a:t>
             </a:r>
             <a:r>
-              <a:rPr lang="en-US" sz="2800" dirty="0">
+              <a:rPr lang="en-US" sz="2400" dirty="0">
                 <a:solidFill>
                   <a:srgbClr val="CF3338"/>
                 </a:solidFill>
@@ -9642,7 +10873,7 @@
               <a:t>tips </a:t>
             </a:r>
             <a:r>
-              <a:rPr lang="en-US" sz="2800" dirty="0">
+              <a:rPr lang="en-US" sz="2400" dirty="0">
                 <a:solidFill>
                   <a:srgbClr val="CF3338"/>
                 </a:solidFill>

--- a/pivot-table-dashboards-reports.pptx
+++ b/pivot-table-dashboards-reports.pptx
@@ -239,7 +239,7 @@
           <a:p>
             <a:fld id="{05534BD0-1400-4EBA-BBA1-04F52AB31B36}" type="datetimeFigureOut">
               <a:rPr lang="en-US" smtClean="0"/>
-              <a:t>11/29/2022</a:t>
+              <a:t>5/3/2023</a:t>
             </a:fld>
             <a:endParaRPr lang="en-US"/>
           </a:p>
@@ -550,10 +550,7 @@
           <a:bodyPr/>
           <a:lstStyle/>
           <a:p>
-            <a:r>
-              <a:rPr lang="en-US" dirty="0"/>
-              <a:t>Don’t worry too much about the building blocks right now – I have this in here to gauge everyone’s interest </a:t>
-            </a:r>
+            <a:endParaRPr lang="en-US" dirty="0"/>
           </a:p>
         </p:txBody>
       </p:sp>
@@ -574,7 +571,7 @@
           <a:p>
             <a:fld id="{1300335D-9F13-4B80-ADC5-B0EA3E10FF6B}" type="slidenum">
               <a:rPr lang="en-US" smtClean="0"/>
-              <a:t>6</a:t>
+              <a:t>2</a:t>
             </a:fld>
             <a:endParaRPr lang="en-US"/>
           </a:p>
@@ -583,7 +580,7 @@
     </p:spTree>
     <p:extLst>
       <p:ext uri="{BB962C8B-B14F-4D97-AF65-F5344CB8AC3E}">
-        <p14:creationId xmlns:p14="http://schemas.microsoft.com/office/powerpoint/2010/main" val="2287506330"/>
+        <p14:creationId xmlns:p14="http://schemas.microsoft.com/office/powerpoint/2010/main" val="3313789187"/>
       </p:ext>
     </p:extLst>
   </p:cSld>
@@ -661,7 +658,7 @@
           <a:p>
             <a:fld id="{1300335D-9F13-4B80-ADC5-B0EA3E10FF6B}" type="slidenum">
               <a:rPr lang="en-US" smtClean="0"/>
-              <a:t>17</a:t>
+              <a:t>16</a:t>
             </a:fld>
             <a:endParaRPr lang="en-US"/>
           </a:p>
@@ -670,7 +667,7 @@
     </p:spTree>
     <p:extLst>
       <p:ext uri="{BB962C8B-B14F-4D97-AF65-F5344CB8AC3E}">
-        <p14:creationId xmlns:p14="http://schemas.microsoft.com/office/powerpoint/2010/main" val="2167021983"/>
+        <p14:creationId xmlns:p14="http://schemas.microsoft.com/office/powerpoint/2010/main" val="2407423241"/>
       </p:ext>
     </p:extLst>
   </p:cSld>
@@ -748,7 +745,7 @@
           <a:p>
             <a:fld id="{1300335D-9F13-4B80-ADC5-B0EA3E10FF6B}" type="slidenum">
               <a:rPr lang="en-US" smtClean="0"/>
-              <a:t>18</a:t>
+              <a:t>17</a:t>
             </a:fld>
             <a:endParaRPr lang="en-US"/>
           </a:p>
@@ -757,7 +754,7 @@
     </p:spTree>
     <p:extLst>
       <p:ext uri="{BB962C8B-B14F-4D97-AF65-F5344CB8AC3E}">
-        <p14:creationId xmlns:p14="http://schemas.microsoft.com/office/powerpoint/2010/main" val="2679558968"/>
+        <p14:creationId xmlns:p14="http://schemas.microsoft.com/office/powerpoint/2010/main" val="2167021983"/>
       </p:ext>
     </p:extLst>
   </p:cSld>
@@ -813,7 +810,7 @@
           <a:p>
             <a:r>
               <a:rPr lang="en-US" dirty="0"/>
-              <a:t>Basically let’s see how people feel about these and they can become guided to the right extent </a:t>
+              <a:t>Doesn’t work so well, right? </a:t>
             </a:r>
           </a:p>
         </p:txBody>
@@ -835,7 +832,7 @@
           <a:p>
             <a:fld id="{1300335D-9F13-4B80-ADC5-B0EA3E10FF6B}" type="slidenum">
               <a:rPr lang="en-US" smtClean="0"/>
-              <a:t>19</a:t>
+              <a:t>18</a:t>
             </a:fld>
             <a:endParaRPr lang="en-US"/>
           </a:p>
@@ -844,7 +841,7 @@
     </p:spTree>
     <p:extLst>
       <p:ext uri="{BB962C8B-B14F-4D97-AF65-F5344CB8AC3E}">
-        <p14:creationId xmlns:p14="http://schemas.microsoft.com/office/powerpoint/2010/main" val="2272772244"/>
+        <p14:creationId xmlns:p14="http://schemas.microsoft.com/office/powerpoint/2010/main" val="2679558968"/>
       </p:ext>
     </p:extLst>
   </p:cSld>
@@ -900,7 +897,7 @@
           <a:p>
             <a:r>
               <a:rPr lang="en-US" dirty="0"/>
-              <a:t>The Power Query course will be good to actually shape this data. /</a:t>
+              <a:t>Basically let’s see how people feel about these and they can become guided to the right extent </a:t>
             </a:r>
           </a:p>
         </p:txBody>
@@ -922,7 +919,7 @@
           <a:p>
             <a:fld id="{1300335D-9F13-4B80-ADC5-B0EA3E10FF6B}" type="slidenum">
               <a:rPr lang="en-US" smtClean="0"/>
-              <a:t>22</a:t>
+              <a:t>19</a:t>
             </a:fld>
             <a:endParaRPr lang="en-US"/>
           </a:p>
@@ -931,7 +928,7 @@
     </p:spTree>
     <p:extLst>
       <p:ext uri="{BB962C8B-B14F-4D97-AF65-F5344CB8AC3E}">
-        <p14:creationId xmlns:p14="http://schemas.microsoft.com/office/powerpoint/2010/main" val="1608172016"/>
+        <p14:creationId xmlns:p14="http://schemas.microsoft.com/office/powerpoint/2010/main" val="2272772244"/>
       </p:ext>
     </p:extLst>
   </p:cSld>
@@ -987,7 +984,7 @@
           <a:p>
             <a:r>
               <a:rPr lang="en-US" dirty="0"/>
-              <a:t>So this is like the Power Pivot PDQ stuff. </a:t>
+              <a:t>The Power Query course will be good to actually shape this data. /</a:t>
             </a:r>
           </a:p>
         </p:txBody>
@@ -1009,7 +1006,7 @@
           <a:p>
             <a:fld id="{1300335D-9F13-4B80-ADC5-B0EA3E10FF6B}" type="slidenum">
               <a:rPr lang="en-US" smtClean="0"/>
-              <a:t>23</a:t>
+              <a:t>22</a:t>
             </a:fld>
             <a:endParaRPr lang="en-US"/>
           </a:p>
@@ -1018,7 +1015,7 @@
     </p:spTree>
     <p:extLst>
       <p:ext uri="{BB962C8B-B14F-4D97-AF65-F5344CB8AC3E}">
-        <p14:creationId xmlns:p14="http://schemas.microsoft.com/office/powerpoint/2010/main" val="1621216276"/>
+        <p14:creationId xmlns:p14="http://schemas.microsoft.com/office/powerpoint/2010/main" val="1608172016"/>
       </p:ext>
     </p:extLst>
   </p:cSld>
@@ -1074,7 +1071,7 @@
           <a:p>
             <a:r>
               <a:rPr lang="en-US" dirty="0"/>
-              <a:t>Doesn’t work so well, right? </a:t>
+              <a:t>So this is like the Power Pivot PDQ stuff. </a:t>
             </a:r>
           </a:p>
         </p:txBody>
@@ -1096,7 +1093,7 @@
           <a:p>
             <a:fld id="{1300335D-9F13-4B80-ADC5-B0EA3E10FF6B}" type="slidenum">
               <a:rPr lang="en-US" smtClean="0"/>
-              <a:t>24</a:t>
+              <a:t>23</a:t>
             </a:fld>
             <a:endParaRPr lang="en-US"/>
           </a:p>
@@ -1105,7 +1102,7 @@
     </p:spTree>
     <p:extLst>
       <p:ext uri="{BB962C8B-B14F-4D97-AF65-F5344CB8AC3E}">
-        <p14:creationId xmlns:p14="http://schemas.microsoft.com/office/powerpoint/2010/main" val="3797840150"/>
+        <p14:creationId xmlns:p14="http://schemas.microsoft.com/office/powerpoint/2010/main" val="1621216276"/>
       </p:ext>
     </p:extLst>
   </p:cSld>
@@ -1183,6 +1180,93 @@
           <a:p>
             <a:fld id="{1300335D-9F13-4B80-ADC5-B0EA3E10FF6B}" type="slidenum">
               <a:rPr lang="en-US" smtClean="0"/>
+              <a:t>24</a:t>
+            </a:fld>
+            <a:endParaRPr lang="en-US"/>
+          </a:p>
+        </p:txBody>
+      </p:sp>
+    </p:spTree>
+    <p:extLst>
+      <p:ext uri="{BB962C8B-B14F-4D97-AF65-F5344CB8AC3E}">
+        <p14:creationId xmlns:p14="http://schemas.microsoft.com/office/powerpoint/2010/main" val="3797840150"/>
+      </p:ext>
+    </p:extLst>
+  </p:cSld>
+  <p:clrMapOvr>
+    <a:masterClrMapping/>
+  </p:clrMapOvr>
+</p:notes>
+</file>
+
+<file path=ppt/notesSlides/notesSlide17.xml><?xml version="1.0" encoding="utf-8"?>
+<p:notes xmlns:a="http://schemas.openxmlformats.org/drawingml/2006/main" xmlns:r="http://schemas.openxmlformats.org/officeDocument/2006/relationships" xmlns:p="http://schemas.openxmlformats.org/presentationml/2006/main">
+  <p:cSld>
+    <p:spTree>
+      <p:nvGrpSpPr>
+        <p:cNvPr id="1" name=""/>
+        <p:cNvGrpSpPr/>
+        <p:nvPr/>
+      </p:nvGrpSpPr>
+      <p:grpSpPr>
+        <a:xfrm>
+          <a:off x="0" y="0"/>
+          <a:ext cx="0" cy="0"/>
+          <a:chOff x="0" y="0"/>
+          <a:chExt cx="0" cy="0"/>
+        </a:xfrm>
+      </p:grpSpPr>
+      <p:sp>
+        <p:nvSpPr>
+          <p:cNvPr id="2" name="Slide Image Placeholder 1"/>
+          <p:cNvSpPr>
+            <a:spLocks noGrp="1" noRot="1" noChangeAspect="1"/>
+          </p:cNvSpPr>
+          <p:nvPr>
+            <p:ph type="sldImg"/>
+          </p:nvPr>
+        </p:nvSpPr>
+        <p:spPr/>
+      </p:sp>
+      <p:sp>
+        <p:nvSpPr>
+          <p:cNvPr id="3" name="Notes Placeholder 2"/>
+          <p:cNvSpPr>
+            <a:spLocks noGrp="1"/>
+          </p:cNvSpPr>
+          <p:nvPr>
+            <p:ph type="body" idx="1"/>
+          </p:nvPr>
+        </p:nvSpPr>
+        <p:spPr/>
+        <p:txBody>
+          <a:bodyPr/>
+          <a:lstStyle/>
+          <a:p>
+            <a:r>
+              <a:rPr lang="en-US" dirty="0"/>
+              <a:t>Doesn’t work so well, right? </a:t>
+            </a:r>
+          </a:p>
+        </p:txBody>
+      </p:sp>
+      <p:sp>
+        <p:nvSpPr>
+          <p:cNvPr id="4" name="Slide Number Placeholder 3"/>
+          <p:cNvSpPr>
+            <a:spLocks noGrp="1"/>
+          </p:cNvSpPr>
+          <p:nvPr>
+            <p:ph type="sldNum" sz="quarter" idx="5"/>
+          </p:nvPr>
+        </p:nvSpPr>
+        <p:spPr/>
+        <p:txBody>
+          <a:bodyPr/>
+          <a:lstStyle/>
+          <a:p>
+            <a:fld id="{1300335D-9F13-4B80-ADC5-B0EA3E10FF6B}" type="slidenum">
+              <a:rPr lang="en-US" smtClean="0"/>
               <a:t>25</a:t>
             </a:fld>
             <a:endParaRPr lang="en-US"/>
@@ -1202,7 +1286,7 @@
 </p:notes>
 </file>
 
-<file path=ppt/notesSlides/notesSlide17.xml><?xml version="1.0" encoding="utf-8"?>
+<file path=ppt/notesSlides/notesSlide18.xml><?xml version="1.0" encoding="utf-8"?>
 <p:notes xmlns:a="http://schemas.openxmlformats.org/drawingml/2006/main" xmlns:r="http://schemas.openxmlformats.org/officeDocument/2006/relationships" xmlns:p="http://schemas.openxmlformats.org/presentationml/2006/main">
   <p:cSld>
     <p:spTree>
@@ -1332,19 +1416,7 @@
           <a:p>
             <a:r>
               <a:rPr lang="en-US" dirty="0"/>
-              <a:t>This would be rolling up and drilling down</a:t>
-            </a:r>
-          </a:p>
-          <a:p>
-            <a:r>
-              <a:rPr lang="en-US" dirty="0"/>
-              <a:t>This is slicing and dicing</a:t>
-            </a:r>
-          </a:p>
-          <a:p>
-            <a:r>
-              <a:rPr lang="en-US" dirty="0"/>
-              <a:t>This is unpivoting and pivoting</a:t>
+              <a:t>Don’t worry too much about the building blocks right now – I have this in here to gauge everyone’s interest </a:t>
             </a:r>
           </a:p>
         </p:txBody>
@@ -1366,7 +1438,7 @@
           <a:p>
             <a:fld id="{1300335D-9F13-4B80-ADC5-B0EA3E10FF6B}" type="slidenum">
               <a:rPr lang="en-US" smtClean="0"/>
-              <a:t>7</a:t>
+              <a:t>6</a:t>
             </a:fld>
             <a:endParaRPr lang="en-US"/>
           </a:p>
@@ -1375,7 +1447,7 @@
     </p:spTree>
     <p:extLst>
       <p:ext uri="{BB962C8B-B14F-4D97-AF65-F5344CB8AC3E}">
-        <p14:creationId xmlns:p14="http://schemas.microsoft.com/office/powerpoint/2010/main" val="3014088537"/>
+        <p14:creationId xmlns:p14="http://schemas.microsoft.com/office/powerpoint/2010/main" val="2287506330"/>
       </p:ext>
     </p:extLst>
   </p:cSld>
@@ -1431,7 +1503,19 @@
           <a:p>
             <a:r>
               <a:rPr lang="en-US" dirty="0"/>
-              <a:t>Doesn’t work so well, right? </a:t>
+              <a:t>This would be rolling up and drilling down</a:t>
+            </a:r>
+          </a:p>
+          <a:p>
+            <a:r>
+              <a:rPr lang="en-US" dirty="0"/>
+              <a:t>This is slicing and dicing</a:t>
+            </a:r>
+          </a:p>
+          <a:p>
+            <a:r>
+              <a:rPr lang="en-US" dirty="0"/>
+              <a:t>This is unpivoting and pivoting</a:t>
             </a:r>
           </a:p>
         </p:txBody>
@@ -1453,7 +1537,7 @@
           <a:p>
             <a:fld id="{1300335D-9F13-4B80-ADC5-B0EA3E10FF6B}" type="slidenum">
               <a:rPr lang="en-US" smtClean="0"/>
-              <a:t>8</a:t>
+              <a:t>7</a:t>
             </a:fld>
             <a:endParaRPr lang="en-US"/>
           </a:p>
@@ -1462,7 +1546,7 @@
     </p:spTree>
     <p:extLst>
       <p:ext uri="{BB962C8B-B14F-4D97-AF65-F5344CB8AC3E}">
-        <p14:creationId xmlns:p14="http://schemas.microsoft.com/office/powerpoint/2010/main" val="3121549957"/>
+        <p14:creationId xmlns:p14="http://schemas.microsoft.com/office/powerpoint/2010/main" val="3014088537"/>
       </p:ext>
     </p:extLst>
   </p:cSld>
@@ -1518,7 +1602,7 @@
           <a:p>
             <a:r>
               <a:rPr lang="en-US" dirty="0"/>
-              <a:t>The Power Query course will be good to actually shape this data. /</a:t>
+              <a:t>Doesn’t work so well, right? </a:t>
             </a:r>
           </a:p>
         </p:txBody>
@@ -1540,7 +1624,7 @@
           <a:p>
             <a:fld id="{1300335D-9F13-4B80-ADC5-B0EA3E10FF6B}" type="slidenum">
               <a:rPr lang="en-US" smtClean="0"/>
-              <a:t>9</a:t>
+              <a:t>8</a:t>
             </a:fld>
             <a:endParaRPr lang="en-US"/>
           </a:p>
@@ -1549,7 +1633,7 @@
     </p:spTree>
     <p:extLst>
       <p:ext uri="{BB962C8B-B14F-4D97-AF65-F5344CB8AC3E}">
-        <p14:creationId xmlns:p14="http://schemas.microsoft.com/office/powerpoint/2010/main" val="1428042693"/>
+        <p14:creationId xmlns:p14="http://schemas.microsoft.com/office/powerpoint/2010/main" val="3121549957"/>
       </p:ext>
     </p:extLst>
   </p:cSld>
@@ -1605,7 +1689,7 @@
           <a:p>
             <a:r>
               <a:rPr lang="en-US" dirty="0"/>
-              <a:t>Don’t worry too much about the building blocks right now – I have this in here to gauge everyone’s interest </a:t>
+              <a:t>The Power Query course will be good to actually shape this data. /</a:t>
             </a:r>
           </a:p>
         </p:txBody>
@@ -1627,7 +1711,7 @@
           <a:p>
             <a:fld id="{1300335D-9F13-4B80-ADC5-B0EA3E10FF6B}" type="slidenum">
               <a:rPr lang="en-US" smtClean="0"/>
-              <a:t>10</a:t>
+              <a:t>9</a:t>
             </a:fld>
             <a:endParaRPr lang="en-US"/>
           </a:p>
@@ -1636,7 +1720,7 @@
     </p:spTree>
     <p:extLst>
       <p:ext uri="{BB962C8B-B14F-4D97-AF65-F5344CB8AC3E}">
-        <p14:creationId xmlns:p14="http://schemas.microsoft.com/office/powerpoint/2010/main" val="605682580"/>
+        <p14:creationId xmlns:p14="http://schemas.microsoft.com/office/powerpoint/2010/main" val="1428042693"/>
       </p:ext>
     </p:extLst>
   </p:cSld>
@@ -1692,7 +1776,7 @@
           <a:p>
             <a:r>
               <a:rPr lang="en-US" dirty="0"/>
-              <a:t>Doesn’t work so well, right? </a:t>
+              <a:t>Don’t worry too much about the building blocks right now – I have this in here to gauge everyone’s interest </a:t>
             </a:r>
           </a:p>
         </p:txBody>
@@ -1714,7 +1798,7 @@
           <a:p>
             <a:fld id="{1300335D-9F13-4B80-ADC5-B0EA3E10FF6B}" type="slidenum">
               <a:rPr lang="en-US" smtClean="0"/>
-              <a:t>11</a:t>
+              <a:t>10</a:t>
             </a:fld>
             <a:endParaRPr lang="en-US"/>
           </a:p>
@@ -1723,7 +1807,7 @@
     </p:spTree>
     <p:extLst>
       <p:ext uri="{BB962C8B-B14F-4D97-AF65-F5344CB8AC3E}">
-        <p14:creationId xmlns:p14="http://schemas.microsoft.com/office/powerpoint/2010/main" val="1967764219"/>
+        <p14:creationId xmlns:p14="http://schemas.microsoft.com/office/powerpoint/2010/main" val="605682580"/>
       </p:ext>
     </p:extLst>
   </p:cSld>
@@ -1801,7 +1885,7 @@
           <a:p>
             <a:fld id="{1300335D-9F13-4B80-ADC5-B0EA3E10FF6B}" type="slidenum">
               <a:rPr lang="en-US" smtClean="0"/>
-              <a:t>13</a:t>
+              <a:t>11</a:t>
             </a:fld>
             <a:endParaRPr lang="en-US"/>
           </a:p>
@@ -1810,7 +1894,7 @@
     </p:spTree>
     <p:extLst>
       <p:ext uri="{BB962C8B-B14F-4D97-AF65-F5344CB8AC3E}">
-        <p14:creationId xmlns:p14="http://schemas.microsoft.com/office/powerpoint/2010/main" val="3455439466"/>
+        <p14:creationId xmlns:p14="http://schemas.microsoft.com/office/powerpoint/2010/main" val="1967764219"/>
       </p:ext>
     </p:extLst>
   </p:cSld>
@@ -1866,7 +1950,7 @@
           <a:p>
             <a:r>
               <a:rPr lang="en-US" dirty="0"/>
-              <a:t>The Power Query course will be good to actually shape this data. /</a:t>
+              <a:t>Doesn’t work so well, right? </a:t>
             </a:r>
           </a:p>
         </p:txBody>
@@ -1888,7 +1972,7 @@
           <a:p>
             <a:fld id="{1300335D-9F13-4B80-ADC5-B0EA3E10FF6B}" type="slidenum">
               <a:rPr lang="en-US" smtClean="0"/>
-              <a:t>15</a:t>
+              <a:t>13</a:t>
             </a:fld>
             <a:endParaRPr lang="en-US"/>
           </a:p>
@@ -1897,7 +1981,7 @@
     </p:spTree>
     <p:extLst>
       <p:ext uri="{BB962C8B-B14F-4D97-AF65-F5344CB8AC3E}">
-        <p14:creationId xmlns:p14="http://schemas.microsoft.com/office/powerpoint/2010/main" val="2378817189"/>
+        <p14:creationId xmlns:p14="http://schemas.microsoft.com/office/powerpoint/2010/main" val="3455439466"/>
       </p:ext>
     </p:extLst>
   </p:cSld>
@@ -1953,7 +2037,7 @@
           <a:p>
             <a:r>
               <a:rPr lang="en-US" dirty="0"/>
-              <a:t>Doesn’t work so well, right? </a:t>
+              <a:t>The Power Query course will be good to actually shape this data. /</a:t>
             </a:r>
           </a:p>
         </p:txBody>
@@ -1975,7 +2059,7 @@
           <a:p>
             <a:fld id="{1300335D-9F13-4B80-ADC5-B0EA3E10FF6B}" type="slidenum">
               <a:rPr lang="en-US" smtClean="0"/>
-              <a:t>16</a:t>
+              <a:t>15</a:t>
             </a:fld>
             <a:endParaRPr lang="en-US"/>
           </a:p>
@@ -1984,7 +2068,7 @@
     </p:spTree>
     <p:extLst>
       <p:ext uri="{BB962C8B-B14F-4D97-AF65-F5344CB8AC3E}">
-        <p14:creationId xmlns:p14="http://schemas.microsoft.com/office/powerpoint/2010/main" val="2407423241"/>
+        <p14:creationId xmlns:p14="http://schemas.microsoft.com/office/powerpoint/2010/main" val="2378817189"/>
       </p:ext>
     </p:extLst>
   </p:cSld>
@@ -2123,7 +2207,7 @@
           <a:p>
             <a:fld id="{0138B082-EFC2-46C1-B47C-51736C670379}" type="datetimeFigureOut">
               <a:rPr lang="en-US" smtClean="0"/>
-              <a:t>11/29/2022</a:t>
+              <a:t>5/3/2023</a:t>
             </a:fld>
             <a:endParaRPr lang="en-US"/>
           </a:p>
@@ -2291,7 +2375,7 @@
           <a:p>
             <a:fld id="{0138B082-EFC2-46C1-B47C-51736C670379}" type="datetimeFigureOut">
               <a:rPr lang="en-US" smtClean="0"/>
-              <a:t>11/29/2022</a:t>
+              <a:t>5/3/2023</a:t>
             </a:fld>
             <a:endParaRPr lang="en-US"/>
           </a:p>
@@ -2469,7 +2553,7 @@
           <a:p>
             <a:fld id="{0138B082-EFC2-46C1-B47C-51736C670379}" type="datetimeFigureOut">
               <a:rPr lang="en-US" smtClean="0"/>
-              <a:t>11/29/2022</a:t>
+              <a:t>5/3/2023</a:t>
             </a:fld>
             <a:endParaRPr lang="en-US"/>
           </a:p>
@@ -2637,7 +2721,7 @@
           <a:p>
             <a:fld id="{0138B082-EFC2-46C1-B47C-51736C670379}" type="datetimeFigureOut">
               <a:rPr lang="en-US" smtClean="0"/>
-              <a:t>11/29/2022</a:t>
+              <a:t>5/3/2023</a:t>
             </a:fld>
             <a:endParaRPr lang="en-US"/>
           </a:p>
@@ -2882,7 +2966,7 @@
           <a:p>
             <a:fld id="{0138B082-EFC2-46C1-B47C-51736C670379}" type="datetimeFigureOut">
               <a:rPr lang="en-US" smtClean="0"/>
-              <a:t>11/29/2022</a:t>
+              <a:t>5/3/2023</a:t>
             </a:fld>
             <a:endParaRPr lang="en-US"/>
           </a:p>
@@ -3111,7 +3195,7 @@
           <a:p>
             <a:fld id="{0138B082-EFC2-46C1-B47C-51736C670379}" type="datetimeFigureOut">
               <a:rPr lang="en-US" smtClean="0"/>
-              <a:t>11/29/2022</a:t>
+              <a:t>5/3/2023</a:t>
             </a:fld>
             <a:endParaRPr lang="en-US"/>
           </a:p>
@@ -3475,7 +3559,7 @@
           <a:p>
             <a:fld id="{0138B082-EFC2-46C1-B47C-51736C670379}" type="datetimeFigureOut">
               <a:rPr lang="en-US" smtClean="0"/>
-              <a:t>11/29/2022</a:t>
+              <a:t>5/3/2023</a:t>
             </a:fld>
             <a:endParaRPr lang="en-US"/>
           </a:p>
@@ -3592,7 +3676,7 @@
           <a:p>
             <a:fld id="{0138B082-EFC2-46C1-B47C-51736C670379}" type="datetimeFigureOut">
               <a:rPr lang="en-US" smtClean="0"/>
-              <a:t>11/29/2022</a:t>
+              <a:t>5/3/2023</a:t>
             </a:fld>
             <a:endParaRPr lang="en-US"/>
           </a:p>
@@ -3687,7 +3771,7 @@
           <a:p>
             <a:fld id="{0138B082-EFC2-46C1-B47C-51736C670379}" type="datetimeFigureOut">
               <a:rPr lang="en-US" smtClean="0"/>
-              <a:t>11/29/2022</a:t>
+              <a:t>5/3/2023</a:t>
             </a:fld>
             <a:endParaRPr lang="en-US"/>
           </a:p>
@@ -3962,7 +4046,7 @@
           <a:p>
             <a:fld id="{0138B082-EFC2-46C1-B47C-51736C670379}" type="datetimeFigureOut">
               <a:rPr lang="en-US" smtClean="0"/>
-              <a:t>11/29/2022</a:t>
+              <a:t>5/3/2023</a:t>
             </a:fld>
             <a:endParaRPr lang="en-US"/>
           </a:p>
@@ -4214,7 +4298,7 @@
           <a:p>
             <a:fld id="{0138B082-EFC2-46C1-B47C-51736C670379}" type="datetimeFigureOut">
               <a:rPr lang="en-US" smtClean="0"/>
-              <a:t>11/29/2022</a:t>
+              <a:t>5/3/2023</a:t>
             </a:fld>
             <a:endParaRPr lang="en-US"/>
           </a:p>
@@ -4428,7 +4512,7 @@
           <a:p>
             <a:fld id="{0138B082-EFC2-46C1-B47C-51736C670379}" type="datetimeFigureOut">
               <a:rPr lang="en-US" smtClean="0"/>
-              <a:t>11/29/2022</a:t>
+              <a:t>5/3/2023</a:t>
             </a:fld>
             <a:endParaRPr lang="en-US"/>
           </a:p>
@@ -7229,7 +7313,7 @@
                 </a:solidFill>
                 <a:latin typeface="Pragmatica" panose="020B0403040502020204" pitchFamily="34" charset="0"/>
               </a:rPr>
-              <a:t>Demo/Exercises?</a:t>
+              <a:t>Demo/Exercises</a:t>
             </a:r>
           </a:p>
           <a:p>
@@ -7571,7 +7655,7 @@
           <p:nvPr/>
         </p:nvPicPr>
         <p:blipFill>
-          <a:blip r:embed="rId2" cstate="print">
+          <a:blip r:embed="rId3" cstate="print">
             <a:extLst>
               <a:ext uri="{28A0092B-C50C-407E-A947-70E740481C1C}">
                 <a14:useLocalDpi xmlns:a14="http://schemas.microsoft.com/office/drawing/2010/main" val="0"/>
@@ -7618,7 +7702,7 @@
           <p:nvPr/>
         </p:nvPicPr>
         <p:blipFill>
-          <a:blip r:embed="rId3" cstate="print">
+          <a:blip r:embed="rId4" cstate="print">
             <a:extLst>
               <a:ext uri="{28A0092B-C50C-407E-A947-70E740481C1C}">
                 <a14:useLocalDpi xmlns:a14="http://schemas.microsoft.com/office/drawing/2010/main" val="0"/>
@@ -7632,7 +7716,7 @@
         </p:blipFill>
         <p:spPr bwMode="auto">
           <a:xfrm>
-            <a:off x="1130461" y="1979206"/>
+            <a:off x="2498170" y="1943693"/>
             <a:ext cx="3690239" cy="2456315"/>
           </a:xfrm>
           <a:prstGeom prst="rect">
@@ -7665,7 +7749,7 @@
           <p:nvPr/>
         </p:nvPicPr>
         <p:blipFill>
-          <a:blip r:embed="rId4" cstate="print">
+          <a:blip r:embed="rId5" cstate="print">
             <a:extLst>
               <a:ext uri="{28A0092B-C50C-407E-A947-70E740481C1C}">
                 <a14:useLocalDpi xmlns:a14="http://schemas.microsoft.com/office/drawing/2010/main" val="0"/>
@@ -7678,12 +7762,59 @@
         </p:blipFill>
         <p:spPr>
           <a:xfrm>
-            <a:off x="5122460" y="4001797"/>
+            <a:off x="6929828" y="3896991"/>
             <a:ext cx="4965539" cy="3641787"/>
           </a:xfrm>
           <a:prstGeom prst="rect">
             <a:avLst/>
           </a:prstGeom>
+        </p:spPr>
+      </p:pic>
+      <p:pic>
+        <p:nvPicPr>
+          <p:cNvPr id="1026" name="Picture 2" descr="Microsoft Most Valuable Professional - Wikipedia">
+            <a:extLst>
+              <a:ext uri="{FF2B5EF4-FFF2-40B4-BE49-F238E27FC236}">
+                <a16:creationId xmlns:a16="http://schemas.microsoft.com/office/drawing/2014/main" id="{773655FF-D872-0F23-5E58-CEC88E947B57}"/>
+              </a:ext>
+            </a:extLst>
+          </p:cNvPr>
+          <p:cNvPicPr>
+            <a:picLocks noChangeAspect="1" noChangeArrowheads="1"/>
+          </p:cNvPicPr>
+          <p:nvPr/>
+        </p:nvPicPr>
+        <p:blipFill>
+          <a:blip r:embed="rId6">
+            <a:extLst>
+              <a:ext uri="{28A0092B-C50C-407E-A947-70E740481C1C}">
+                <a14:useLocalDpi xmlns:a14="http://schemas.microsoft.com/office/drawing/2010/main" val="0"/>
+              </a:ext>
+            </a:extLst>
+          </a:blip>
+          <a:srcRect/>
+          <a:stretch>
+            <a:fillRect/>
+          </a:stretch>
+        </p:blipFill>
+        <p:spPr bwMode="auto">
+          <a:xfrm>
+            <a:off x="0" y="4842166"/>
+            <a:ext cx="4996341" cy="2015834"/>
+          </a:xfrm>
+          <a:prstGeom prst="rect">
+            <a:avLst/>
+          </a:prstGeom>
+          <a:noFill/>
+          <a:extLst>
+            <a:ext uri="{909E8E84-426E-40DD-AFC4-6F175D3DCCD1}">
+              <a14:hiddenFill xmlns:a14="http://schemas.microsoft.com/office/drawing/2010/main">
+                <a:solidFill>
+                  <a:srgbClr val="FFFFFF"/>
+                </a:solidFill>
+              </a14:hiddenFill>
+            </a:ext>
+          </a:extLst>
         </p:spPr>
       </p:pic>
     </p:spTree>

--- a/pivot-table-dashboards-reports.pptx
+++ b/pivot-table-dashboards-reports.pptx
@@ -5,7 +5,7 @@
     <p:sldMasterId id="2147483648" r:id="rId1"/>
   </p:sldMasterIdLst>
   <p:notesMasterIdLst>
-    <p:notesMasterId r:id="rId33"/>
+    <p:notesMasterId r:id="rId34"/>
   </p:notesMasterIdLst>
   <p:sldIdLst>
     <p:sldId id="256" r:id="rId2"/>
@@ -25,20 +25,21 @@
     <p:sldId id="364" r:id="rId16"/>
     <p:sldId id="365" r:id="rId17"/>
     <p:sldId id="366" r:id="rId18"/>
-    <p:sldId id="376" r:id="rId19"/>
-    <p:sldId id="381" r:id="rId20"/>
-    <p:sldId id="367" r:id="rId21"/>
-    <p:sldId id="371" r:id="rId22"/>
-    <p:sldId id="372" r:id="rId23"/>
-    <p:sldId id="380" r:id="rId24"/>
-    <p:sldId id="379" r:id="rId25"/>
-    <p:sldId id="378" r:id="rId26"/>
-    <p:sldId id="370" r:id="rId27"/>
-    <p:sldId id="350" r:id="rId28"/>
-    <p:sldId id="351" r:id="rId29"/>
-    <p:sldId id="352" r:id="rId30"/>
-    <p:sldId id="354" r:id="rId31"/>
-    <p:sldId id="355" r:id="rId32"/>
+    <p:sldId id="382" r:id="rId19"/>
+    <p:sldId id="376" r:id="rId20"/>
+    <p:sldId id="381" r:id="rId21"/>
+    <p:sldId id="367" r:id="rId22"/>
+    <p:sldId id="371" r:id="rId23"/>
+    <p:sldId id="372" r:id="rId24"/>
+    <p:sldId id="380" r:id="rId25"/>
+    <p:sldId id="379" r:id="rId26"/>
+    <p:sldId id="378" r:id="rId27"/>
+    <p:sldId id="370" r:id="rId28"/>
+    <p:sldId id="350" r:id="rId29"/>
+    <p:sldId id="351" r:id="rId30"/>
+    <p:sldId id="352" r:id="rId31"/>
+    <p:sldId id="354" r:id="rId32"/>
+    <p:sldId id="355" r:id="rId33"/>
   </p:sldIdLst>
   <p:sldSz cx="12192000" cy="6858000"/>
   <p:notesSz cx="6858000" cy="9144000"/>
@@ -841,7 +842,7 @@
     </p:spTree>
     <p:extLst>
       <p:ext uri="{BB962C8B-B14F-4D97-AF65-F5344CB8AC3E}">
-        <p14:creationId xmlns:p14="http://schemas.microsoft.com/office/powerpoint/2010/main" val="2679558968"/>
+        <p14:creationId xmlns:p14="http://schemas.microsoft.com/office/powerpoint/2010/main" val="2753828457"/>
       </p:ext>
     </p:extLst>
   </p:cSld>
@@ -897,7 +898,7 @@
           <a:p>
             <a:r>
               <a:rPr lang="en-US" dirty="0"/>
-              <a:t>Basically let’s see how people feel about these and they can become guided to the right extent </a:t>
+              <a:t>Doesn’t work so well, right? </a:t>
             </a:r>
           </a:p>
         </p:txBody>
@@ -928,7 +929,7 @@
     </p:spTree>
     <p:extLst>
       <p:ext uri="{BB962C8B-B14F-4D97-AF65-F5344CB8AC3E}">
-        <p14:creationId xmlns:p14="http://schemas.microsoft.com/office/powerpoint/2010/main" val="2272772244"/>
+        <p14:creationId xmlns:p14="http://schemas.microsoft.com/office/powerpoint/2010/main" val="2679558968"/>
       </p:ext>
     </p:extLst>
   </p:cSld>
@@ -984,7 +985,7 @@
           <a:p>
             <a:r>
               <a:rPr lang="en-US" dirty="0"/>
-              <a:t>The Power Query course will be good to actually shape this data. /</a:t>
+              <a:t>Basically let’s see how people feel about these and they can become guided to the right extent </a:t>
             </a:r>
           </a:p>
         </p:txBody>
@@ -1006,7 +1007,7 @@
           <a:p>
             <a:fld id="{1300335D-9F13-4B80-ADC5-B0EA3E10FF6B}" type="slidenum">
               <a:rPr lang="en-US" smtClean="0"/>
-              <a:t>22</a:t>
+              <a:t>20</a:t>
             </a:fld>
             <a:endParaRPr lang="en-US"/>
           </a:p>
@@ -1015,7 +1016,7 @@
     </p:spTree>
     <p:extLst>
       <p:ext uri="{BB962C8B-B14F-4D97-AF65-F5344CB8AC3E}">
-        <p14:creationId xmlns:p14="http://schemas.microsoft.com/office/powerpoint/2010/main" val="1608172016"/>
+        <p14:creationId xmlns:p14="http://schemas.microsoft.com/office/powerpoint/2010/main" val="2272772244"/>
       </p:ext>
     </p:extLst>
   </p:cSld>
@@ -1071,7 +1072,7 @@
           <a:p>
             <a:r>
               <a:rPr lang="en-US" dirty="0"/>
-              <a:t>So this is like the Power Pivot PDQ stuff. </a:t>
+              <a:t>The Power Query course will be good to actually shape this data. /</a:t>
             </a:r>
           </a:p>
         </p:txBody>
@@ -1102,7 +1103,7 @@
     </p:spTree>
     <p:extLst>
       <p:ext uri="{BB962C8B-B14F-4D97-AF65-F5344CB8AC3E}">
-        <p14:creationId xmlns:p14="http://schemas.microsoft.com/office/powerpoint/2010/main" val="1621216276"/>
+        <p14:creationId xmlns:p14="http://schemas.microsoft.com/office/powerpoint/2010/main" val="1608172016"/>
       </p:ext>
     </p:extLst>
   </p:cSld>
@@ -1158,7 +1159,7 @@
           <a:p>
             <a:r>
               <a:rPr lang="en-US" dirty="0"/>
-              <a:t>Doesn’t work so well, right? </a:t>
+              <a:t>So this is like the Power Pivot PDQ stuff. </a:t>
             </a:r>
           </a:p>
         </p:txBody>
@@ -1189,7 +1190,7 @@
     </p:spTree>
     <p:extLst>
       <p:ext uri="{BB962C8B-B14F-4D97-AF65-F5344CB8AC3E}">
-        <p14:creationId xmlns:p14="http://schemas.microsoft.com/office/powerpoint/2010/main" val="3797840150"/>
+        <p14:creationId xmlns:p14="http://schemas.microsoft.com/office/powerpoint/2010/main" val="1621216276"/>
       </p:ext>
     </p:extLst>
   </p:cSld>
@@ -1276,7 +1277,7 @@
     </p:spTree>
     <p:extLst>
       <p:ext uri="{BB962C8B-B14F-4D97-AF65-F5344CB8AC3E}">
-        <p14:creationId xmlns:p14="http://schemas.microsoft.com/office/powerpoint/2010/main" val="2767374928"/>
+        <p14:creationId xmlns:p14="http://schemas.microsoft.com/office/powerpoint/2010/main" val="3797840150"/>
       </p:ext>
     </p:extLst>
   </p:cSld>
@@ -1330,7 +1331,10 @@
           <a:bodyPr/>
           <a:lstStyle/>
           <a:p>
-            <a:endParaRPr lang="en-US" dirty="0"/>
+            <a:r>
+              <a:rPr lang="en-US" dirty="0"/>
+              <a:t>Doesn’t work so well, right? </a:t>
+            </a:r>
           </a:p>
         </p:txBody>
       </p:sp>
@@ -1349,9 +1353,93 @@
           <a:bodyPr/>
           <a:lstStyle/>
           <a:p>
+            <a:fld id="{1300335D-9F13-4B80-ADC5-B0EA3E10FF6B}" type="slidenum">
+              <a:rPr lang="en-US" smtClean="0"/>
+              <a:t>26</a:t>
+            </a:fld>
+            <a:endParaRPr lang="en-US"/>
+          </a:p>
+        </p:txBody>
+      </p:sp>
+    </p:spTree>
+    <p:extLst>
+      <p:ext uri="{BB962C8B-B14F-4D97-AF65-F5344CB8AC3E}">
+        <p14:creationId xmlns:p14="http://schemas.microsoft.com/office/powerpoint/2010/main" val="2767374928"/>
+      </p:ext>
+    </p:extLst>
+  </p:cSld>
+  <p:clrMapOvr>
+    <a:masterClrMapping/>
+  </p:clrMapOvr>
+</p:notes>
+</file>
+
+<file path=ppt/notesSlides/notesSlide19.xml><?xml version="1.0" encoding="utf-8"?>
+<p:notes xmlns:a="http://schemas.openxmlformats.org/drawingml/2006/main" xmlns:r="http://schemas.openxmlformats.org/officeDocument/2006/relationships" xmlns:p="http://schemas.openxmlformats.org/presentationml/2006/main">
+  <p:cSld>
+    <p:spTree>
+      <p:nvGrpSpPr>
+        <p:cNvPr id="1" name=""/>
+        <p:cNvGrpSpPr/>
+        <p:nvPr/>
+      </p:nvGrpSpPr>
+      <p:grpSpPr>
+        <a:xfrm>
+          <a:off x="0" y="0"/>
+          <a:ext cx="0" cy="0"/>
+          <a:chOff x="0" y="0"/>
+          <a:chExt cx="0" cy="0"/>
+        </a:xfrm>
+      </p:grpSpPr>
+      <p:sp>
+        <p:nvSpPr>
+          <p:cNvPr id="2" name="Slide Image Placeholder 1"/>
+          <p:cNvSpPr>
+            <a:spLocks noGrp="1" noRot="1" noChangeAspect="1"/>
+          </p:cNvSpPr>
+          <p:nvPr>
+            <p:ph type="sldImg"/>
+          </p:nvPr>
+        </p:nvSpPr>
+        <p:spPr/>
+      </p:sp>
+      <p:sp>
+        <p:nvSpPr>
+          <p:cNvPr id="3" name="Notes Placeholder 2"/>
+          <p:cNvSpPr>
+            <a:spLocks noGrp="1"/>
+          </p:cNvSpPr>
+          <p:nvPr>
+            <p:ph type="body" idx="1"/>
+          </p:nvPr>
+        </p:nvSpPr>
+        <p:spPr/>
+        <p:txBody>
+          <a:bodyPr/>
+          <a:lstStyle/>
+          <a:p>
+            <a:endParaRPr lang="en-US" dirty="0"/>
+          </a:p>
+        </p:txBody>
+      </p:sp>
+      <p:sp>
+        <p:nvSpPr>
+          <p:cNvPr id="4" name="Slide Number Placeholder 3"/>
+          <p:cNvSpPr>
+            <a:spLocks noGrp="1"/>
+          </p:cNvSpPr>
+          <p:nvPr>
+            <p:ph type="sldNum" sz="quarter" idx="5"/>
+          </p:nvPr>
+        </p:nvSpPr>
+        <p:spPr/>
+        <p:txBody>
+          <a:bodyPr/>
+          <a:lstStyle/>
+          <a:p>
             <a:fld id="{FFB500C5-13F7-48FC-8160-C29AECF6C602}" type="slidenum">
               <a:rPr lang="en-US" smtClean="0"/>
-              <a:t>26</a:t>
+              <a:t>27</a:t>
             </a:fld>
             <a:endParaRPr lang="en-US"/>
           </a:p>
@@ -6946,7 +7034,7 @@
 </file>
 
 <file path=ppt/slides/slide18.xml><?xml version="1.0" encoding="utf-8"?>
-<p:sld xmlns:a="http://schemas.openxmlformats.org/drawingml/2006/main" xmlns:r="http://schemas.openxmlformats.org/officeDocument/2006/relationships" xmlns:p="http://schemas.openxmlformats.org/presentationml/2006/main">
+<p:sld xmlns:a="http://schemas.openxmlformats.org/drawingml/2006/main" xmlns:r="http://schemas.openxmlformats.org/officeDocument/2006/relationships" xmlns:p="http://schemas.openxmlformats.org/presentationml/2006/main" show="0">
   <p:cSld>
     <p:spTree>
       <p:nvGrpSpPr>
@@ -7046,7 +7134,7 @@
         <p:spPr>
           <a:xfrm>
             <a:off x="173620" y="219919"/>
-            <a:ext cx="5937813" cy="2364493"/>
+            <a:ext cx="5937813" cy="5870325"/>
           </a:xfrm>
           <a:prstGeom prst="rect">
             <a:avLst/>
@@ -7062,41 +7150,52 @@
             <a:r>
               <a:rPr lang="en-US" sz="4000" b="1" dirty="0">
                 <a:solidFill>
+                  <a:schemeClr val="tx1">
+                    <a:lumMod val="95000"/>
+                    <a:lumOff val="5000"/>
+                  </a:schemeClr>
+                </a:solidFill>
+                <a:latin typeface="Pragmatica" panose="020B0403040502020204" pitchFamily="34" charset="0"/>
+              </a:rPr>
+              <a:t>MID-COURSE EVALS</a:t>
+            </a:r>
+          </a:p>
+          <a:p>
+            <a:endParaRPr lang="en-US" sz="4000" b="1" dirty="0">
+              <a:solidFill>
+                <a:srgbClr val="CF3338"/>
+              </a:solidFill>
+              <a:latin typeface="Pragmatica" panose="020B0403040502020204" pitchFamily="34" charset="0"/>
+            </a:endParaRPr>
+          </a:p>
+          <a:p>
+            <a:r>
+              <a:rPr lang="en-US" sz="3200" dirty="0">
+                <a:solidFill>
                   <a:srgbClr val="CF3338"/>
                 </a:solidFill>
                 <a:latin typeface="Pragmatica" panose="020B0403040502020204" pitchFamily="34" charset="0"/>
-              </a:rPr>
-              <a:t>Demo</a:t>
-            </a:r>
-          </a:p>
-          <a:p>
-            <a:r>
-              <a:rPr lang="en-US" sz="2000" dirty="0" err="1">
+                <a:hlinkClick r:id="rId4"/>
+              </a:rPr>
+              <a:t>https://swiy.co/mcweval</a:t>
+            </a:r>
+            <a:r>
+              <a:rPr lang="en-US" sz="3200" dirty="0">
                 <a:solidFill>
                   <a:srgbClr val="CF3338"/>
                 </a:solidFill>
-                <a:latin typeface="Consolas" panose="020B0609020204030204" pitchFamily="49" charset="0"/>
-              </a:rPr>
-              <a:t>hstarts</a:t>
-            </a:r>
-            <a:r>
-              <a:rPr lang="en-US" sz="2000" dirty="0">
-                <a:solidFill>
-                  <a:srgbClr val="CF3338"/>
-                </a:solidFill>
-                <a:latin typeface="Consolas" panose="020B0609020204030204" pitchFamily="49" charset="0"/>
-              </a:rPr>
-              <a:t> </a:t>
-            </a:r>
-            <a:r>
-              <a:rPr lang="en-US" sz="2000" dirty="0">
-                <a:solidFill>
-                  <a:srgbClr val="CF3338"/>
-                </a:solidFill>
-                <a:latin typeface="Pragmatica" panose="020B0403040502020204"/>
-              </a:rPr>
-              <a:t>worksheet:</a:t>
-            </a:r>
+                <a:latin typeface="Pragmatica" panose="020B0403040502020204" pitchFamily="34" charset="0"/>
+              </a:rPr>
+              <a:t>  </a:t>
+            </a:r>
+          </a:p>
+          <a:p>
+            <a:endParaRPr lang="en-US" sz="2800" dirty="0">
+              <a:solidFill>
+                <a:srgbClr val="CF3338"/>
+              </a:solidFill>
+              <a:latin typeface="Pragmatica" panose="020B0403040502020204" pitchFamily="34" charset="0"/>
+            </a:endParaRPr>
           </a:p>
           <a:p>
             <a:pPr marL="95250" lvl="0">
@@ -7111,18 +7210,19 @@
               </a:buClr>
               <a:buSzPts val="2100"/>
             </a:pPr>
-            <a:endParaRPr lang="en-US" sz="2000" dirty="0">
-              <a:solidFill>
-                <a:srgbClr val="CF3338"/>
-              </a:solidFill>
-              <a:latin typeface="Pragmatica" panose="020B0403040502020204" pitchFamily="34" charset="0"/>
-              <a:ea typeface="Consolas"/>
-              <a:cs typeface="Consolas"/>
-              <a:sym typeface="Consolas"/>
-            </a:endParaRPr>
-          </a:p>
-          <a:p>
-            <a:pPr marL="552450" lvl="0" indent="-457200">
+            <a:r>
+              <a:rPr lang="en-US" sz="2800" dirty="0">
+                <a:solidFill>
+                  <a:srgbClr val="CF3338"/>
+                </a:solidFill>
+                <a:latin typeface="Pragmatica" panose="020B0403040502020204" pitchFamily="34" charset="0"/>
+                <a:sym typeface="Consolas"/>
+              </a:rPr>
+              <a:t>Anonymous pulse check</a:t>
+            </a:r>
+          </a:p>
+          <a:p>
+            <a:pPr marL="438150" lvl="0" indent="-342900">
               <a:lnSpc>
                 <a:spcPct val="115000"/>
               </a:lnSpc>
@@ -7133,11 +7233,11 @@
                 <a:srgbClr val="C00000"/>
               </a:buClr>
               <a:buSzPts val="2100"/>
-              <a:buFont typeface="+mj-lt"/>
-              <a:buAutoNum type="arabicPeriod"/>
+              <a:buFont typeface="Arial" panose="020B0604020202020204" pitchFamily="34" charset="0"/>
+              <a:buChar char="•"/>
             </a:pPr>
             <a:r>
-              <a:rPr lang="en-US" sz="2000" dirty="0">
+              <a:rPr lang="en-US" sz="2800" dirty="0">
                 <a:solidFill>
                   <a:srgbClr val="CF3338"/>
                 </a:solidFill>
@@ -7146,11 +7246,11 @@
                 <a:cs typeface="Consolas"/>
                 <a:sym typeface="Consolas"/>
               </a:rPr>
-              <a:t>Visualize &amp; resample trends</a:t>
-            </a:r>
-          </a:p>
-          <a:p>
-            <a:pPr marL="552450" lvl="0" indent="-457200">
+              <a:t>Pacing</a:t>
+            </a:r>
+          </a:p>
+          <a:p>
+            <a:pPr marL="438150" lvl="0" indent="-342900">
               <a:lnSpc>
                 <a:spcPct val="115000"/>
               </a:lnSpc>
@@ -7161,11 +7261,11 @@
                 <a:srgbClr val="C00000"/>
               </a:buClr>
               <a:buSzPts val="2100"/>
-              <a:buFont typeface="+mj-lt"/>
-              <a:buAutoNum type="arabicPeriod"/>
+              <a:buFont typeface="Arial" panose="020B0604020202020204" pitchFamily="34" charset="0"/>
+              <a:buChar char="•"/>
             </a:pPr>
             <a:r>
-              <a:rPr lang="en-US" sz="2000" dirty="0">
+              <a:rPr lang="en-US" sz="2800" dirty="0">
                 <a:solidFill>
                   <a:srgbClr val="CF3338"/>
                 </a:solidFill>
@@ -7174,15 +7274,68 @@
                 <a:cs typeface="Consolas"/>
                 <a:sym typeface="Consolas"/>
               </a:rPr>
-              <a:t>Summarize &amp; visualize segments as % to total</a:t>
-            </a:r>
+              <a:t>Depth/breadth topics</a:t>
+            </a:r>
+          </a:p>
+          <a:p>
+            <a:pPr marL="438150" lvl="0" indent="-342900">
+              <a:lnSpc>
+                <a:spcPct val="115000"/>
+              </a:lnSpc>
+              <a:spcBef>
+                <a:spcPts val="750"/>
+              </a:spcBef>
+              <a:buClr>
+                <a:srgbClr val="C00000"/>
+              </a:buClr>
+              <a:buSzPts val="2100"/>
+              <a:buFont typeface="Arial" panose="020B0604020202020204" pitchFamily="34" charset="0"/>
+              <a:buChar char="•"/>
+            </a:pPr>
+            <a:r>
+              <a:rPr lang="en-US" sz="2800" dirty="0">
+                <a:solidFill>
+                  <a:srgbClr val="CF3338"/>
+                </a:solidFill>
+                <a:latin typeface="Pragmatica" panose="020B0403040502020204" pitchFamily="34" charset="0"/>
+                <a:ea typeface="Consolas"/>
+                <a:cs typeface="Consolas"/>
+                <a:sym typeface="Consolas"/>
+              </a:rPr>
+              <a:t>What else would you like to know?</a:t>
+            </a:r>
+            <a:endParaRPr lang="en-US" sz="2400" dirty="0">
+              <a:solidFill>
+                <a:srgbClr val="C00000"/>
+              </a:solidFill>
+              <a:latin typeface="Consolas" panose="020B0609020204030204" pitchFamily="49" charset="0"/>
+              <a:ea typeface="Consolas"/>
+              <a:cs typeface="Consolas"/>
+              <a:sym typeface="Consolas"/>
+            </a:endParaRPr>
+          </a:p>
+          <a:p>
+            <a:endParaRPr lang="en-US" sz="4000" dirty="0">
+              <a:solidFill>
+                <a:srgbClr val="CF3338"/>
+              </a:solidFill>
+              <a:latin typeface="Pragmatica" panose="020B0403040502020204" pitchFamily="34" charset="0"/>
+            </a:endParaRPr>
+          </a:p>
+          <a:p>
+            <a:endParaRPr lang="en-US" sz="4000" dirty="0">
+              <a:solidFill>
+                <a:srgbClr val="CF3338"/>
+              </a:solidFill>
+              <a:latin typeface="Pragmatica" panose="020B0403040502020204" pitchFamily="34" charset="0"/>
+            </a:endParaRPr>
           </a:p>
         </p:txBody>
       </p:sp>
     </p:spTree>
     <p:extLst>
       <p:ext uri="{BB962C8B-B14F-4D97-AF65-F5344CB8AC3E}">
-        <p14:creationId xmlns:p14="http://schemas.microsoft.com/office/powerpoint/2010/main" val="1558020940"/>
+        <p14:creationId xmlns:p14="http://schemas.microsoft.com/office/powerpoint/2010/main" val="2006161595"/>
       </p:ext>
     </p:extLst>
   </p:cSld>
@@ -7293,7 +7446,7 @@
         <p:spPr>
           <a:xfrm>
             <a:off x="173620" y="219919"/>
-            <a:ext cx="5937813" cy="5857757"/>
+            <a:ext cx="5937813" cy="2364493"/>
           </a:xfrm>
           <a:prstGeom prst="rect">
             <a:avLst/>
@@ -7313,51 +7466,36 @@
                 </a:solidFill>
                 <a:latin typeface="Pragmatica" panose="020B0403040502020204" pitchFamily="34" charset="0"/>
               </a:rPr>
-              <a:t>Demo/Exercises</a:t>
-            </a:r>
-          </a:p>
-          <a:p>
+              <a:t>Demo</a:t>
+            </a:r>
+          </a:p>
+          <a:p>
+            <a:r>
+              <a:rPr lang="en-US" sz="2000" dirty="0" err="1">
+                <a:solidFill>
+                  <a:srgbClr val="CF3338"/>
+                </a:solidFill>
+                <a:latin typeface="Consolas" panose="020B0609020204030204" pitchFamily="49" charset="0"/>
+              </a:rPr>
+              <a:t>hstarts</a:t>
+            </a:r>
             <a:r>
               <a:rPr lang="en-US" sz="2000" dirty="0">
                 <a:solidFill>
                   <a:srgbClr val="CF3338"/>
                 </a:solidFill>
-                <a:latin typeface="Pragmatica" panose="020B0403040502020204" pitchFamily="34" charset="0"/>
-              </a:rPr>
-              <a:t>File: </a:t>
+                <a:latin typeface="Consolas" panose="020B0609020204030204" pitchFamily="49" charset="0"/>
+              </a:rPr>
+              <a:t> </a:t>
             </a:r>
             <a:r>
               <a:rPr lang="en-US" sz="2000" dirty="0">
                 <a:solidFill>
                   <a:srgbClr val="CF3338"/>
                 </a:solidFill>
-                <a:latin typeface="Consolas" panose="020B0609020204030204" pitchFamily="49" charset="0"/>
-              </a:rPr>
-              <a:t>teams-start.xlsx</a:t>
-            </a:r>
-          </a:p>
-          <a:p>
-            <a:pPr marL="95250" lvl="0">
-              <a:lnSpc>
-                <a:spcPct val="115000"/>
-              </a:lnSpc>
-              <a:spcBef>
-                <a:spcPts val="750"/>
-              </a:spcBef>
-              <a:buClr>
-                <a:srgbClr val="C00000"/>
-              </a:buClr>
-              <a:buSzPts val="2100"/>
-            </a:pPr>
-            <a:r>
-              <a:rPr lang="en-US" sz="2000" dirty="0">
-                <a:solidFill>
-                  <a:srgbClr val="CF3338"/>
-                </a:solidFill>
-                <a:latin typeface="Pragmatica" panose="020B0403040502020204" pitchFamily="34" charset="0"/>
-                <a:sym typeface="Consolas"/>
-              </a:rPr>
-              <a:t>Use PivotTables, charts and more to analyze &amp; visualize MLB data: </a:t>
+                <a:latin typeface="Pragmatica" panose="020B0403040502020204"/>
+              </a:rPr>
+              <a:t>worksheet:</a:t>
             </a:r>
           </a:p>
           <a:p>
@@ -7408,41 +7546,8 @@
                 <a:cs typeface="Consolas"/>
                 <a:sym typeface="Consolas"/>
               </a:rPr>
-              <a:t>Plot the franchises with the 10 most World Series wins since 1903 vs those </a:t>
-            </a:r>
-            <a:r>
-              <a:rPr lang="en-US" sz="2000" dirty="0" err="1">
-                <a:solidFill>
-                  <a:srgbClr val="CF3338"/>
-                </a:solidFill>
-                <a:latin typeface="Pragmatica" panose="020B0403040502020204" pitchFamily="34" charset="0"/>
-                <a:ea typeface="Consolas"/>
-                <a:cs typeface="Consolas"/>
-                <a:sym typeface="Consolas"/>
-              </a:rPr>
-              <a:t>franchses</a:t>
-            </a:r>
-            <a:r>
-              <a:rPr lang="en-US" sz="2000" dirty="0">
-                <a:solidFill>
-                  <a:srgbClr val="CF3338"/>
-                </a:solidFill>
-                <a:latin typeface="Pragmatica" panose="020B0403040502020204" pitchFamily="34" charset="0"/>
-                <a:ea typeface="Consolas"/>
-                <a:cs typeface="Consolas"/>
-                <a:sym typeface="Consolas"/>
-              </a:rPr>
-              <a:t>’ total number of World Series appearances. </a:t>
-            </a:r>
-            <a:endParaRPr lang="en-US" sz="2000" dirty="0">
-              <a:solidFill>
-                <a:srgbClr val="C00000"/>
-              </a:solidFill>
-              <a:latin typeface="Consolas" panose="020B0609020204030204" pitchFamily="49" charset="0"/>
-              <a:ea typeface="Consolas"/>
-              <a:cs typeface="Consolas"/>
-              <a:sym typeface="Consolas"/>
-            </a:endParaRPr>
+              <a:t>Visualize &amp; resample trends</a:t>
+            </a:r>
           </a:p>
           <a:p>
             <a:pPr marL="552450" lvl="0" indent="-457200">
@@ -7469,63 +7574,7 @@
                 <a:cs typeface="Consolas"/>
                 <a:sym typeface="Consolas"/>
               </a:rPr>
-              <a:t>Plot the average number of stolen bases per game from 1990 to 2017</a:t>
-            </a:r>
-          </a:p>
-          <a:p>
-            <a:pPr marL="552450" lvl="0" indent="-457200">
-              <a:lnSpc>
-                <a:spcPct val="115000"/>
-              </a:lnSpc>
-              <a:spcBef>
-                <a:spcPts val="750"/>
-              </a:spcBef>
-              <a:buClr>
-                <a:srgbClr val="C00000"/>
-              </a:buClr>
-              <a:buSzPts val="2100"/>
-              <a:buFont typeface="+mj-lt"/>
-              <a:buAutoNum type="arabicPeriod"/>
-            </a:pPr>
-            <a:r>
-              <a:rPr lang="en-US" sz="2000" dirty="0">
-                <a:solidFill>
-                  <a:srgbClr val="CF3338"/>
-                </a:solidFill>
-                <a:latin typeface="Pragmatica" panose="020B0403040502020204" pitchFamily="34" charset="0"/>
-                <a:ea typeface="Consolas"/>
-                <a:cs typeface="Consolas"/>
-                <a:sym typeface="Consolas"/>
-              </a:rPr>
-              <a:t>Identify which wild card teams have won the World Series</a:t>
-            </a:r>
-          </a:p>
-          <a:p>
-            <a:pPr marL="552450" lvl="0" indent="-457200">
-              <a:lnSpc>
-                <a:spcPct val="115000"/>
-              </a:lnSpc>
-              <a:spcBef>
-                <a:spcPts val="750"/>
-              </a:spcBef>
-              <a:buClr>
-                <a:srgbClr val="C00000"/>
-              </a:buClr>
-              <a:buSzPts val="2100"/>
-              <a:buFont typeface="+mj-lt"/>
-              <a:buAutoNum type="arabicPeriod"/>
-            </a:pPr>
-            <a:r>
-              <a:rPr lang="en-US" sz="2000" dirty="0">
-                <a:solidFill>
-                  <a:srgbClr val="CF3338"/>
-                </a:solidFill>
-                <a:latin typeface="Pragmatica" panose="020B0403040502020204" pitchFamily="34" charset="0"/>
-                <a:ea typeface="Consolas"/>
-                <a:cs typeface="Consolas"/>
-                <a:sym typeface="Consolas"/>
-              </a:rPr>
-              <a:t>Plot the average team ERA of AL vs NL teams since 1973</a:t>
+              <a:t>Summarize &amp; visualize segments as % to total</a:t>
             </a:r>
           </a:p>
         </p:txBody>
@@ -7533,7 +7582,7 @@
     </p:spTree>
     <p:extLst>
       <p:ext uri="{BB962C8B-B14F-4D97-AF65-F5344CB8AC3E}">
-        <p14:creationId xmlns:p14="http://schemas.microsoft.com/office/powerpoint/2010/main" val="2901871732"/>
+        <p14:creationId xmlns:p14="http://schemas.microsoft.com/office/powerpoint/2010/main" val="1558020940"/>
       </p:ext>
     </p:extLst>
   </p:cSld>
@@ -7831,6 +7880,357 @@
 </file>
 
 <file path=ppt/slides/slide20.xml><?xml version="1.0" encoding="utf-8"?>
+<p:sld xmlns:a="http://schemas.openxmlformats.org/drawingml/2006/main" xmlns:r="http://schemas.openxmlformats.org/officeDocument/2006/relationships" xmlns:p="http://schemas.openxmlformats.org/presentationml/2006/main">
+  <p:cSld>
+    <p:spTree>
+      <p:nvGrpSpPr>
+        <p:cNvPr id="1" name=""/>
+        <p:cNvGrpSpPr/>
+        <p:nvPr/>
+      </p:nvGrpSpPr>
+      <p:grpSpPr>
+        <a:xfrm>
+          <a:off x="0" y="0"/>
+          <a:ext cx="0" cy="0"/>
+          <a:chOff x="0" y="0"/>
+          <a:chExt cx="0" cy="0"/>
+        </a:xfrm>
+      </p:grpSpPr>
+      <p:sp>
+        <p:nvSpPr>
+          <p:cNvPr id="4" name="Rectangle 3"/>
+          <p:cNvSpPr/>
+          <p:nvPr/>
+        </p:nvSpPr>
+        <p:spPr>
+          <a:xfrm>
+            <a:off x="6574420" y="0"/>
+            <a:ext cx="5617580" cy="6858000"/>
+          </a:xfrm>
+          <a:prstGeom prst="rect">
+            <a:avLst/>
+          </a:prstGeom>
+          <a:solidFill>
+            <a:srgbClr val="CF3338"/>
+          </a:solidFill>
+          <a:ln>
+            <a:noFill/>
+          </a:ln>
+        </p:spPr>
+        <p:style>
+          <a:lnRef idx="2">
+            <a:schemeClr val="accent1">
+              <a:shade val="50000"/>
+            </a:schemeClr>
+          </a:lnRef>
+          <a:fillRef idx="1">
+            <a:schemeClr val="accent1"/>
+          </a:fillRef>
+          <a:effectRef idx="0">
+            <a:schemeClr val="accent1"/>
+          </a:effectRef>
+          <a:fontRef idx="minor">
+            <a:schemeClr val="lt1"/>
+          </a:fontRef>
+        </p:style>
+        <p:txBody>
+          <a:bodyPr rtlCol="0" anchor="ctr"/>
+          <a:lstStyle/>
+          <a:p>
+            <a:pPr algn="ctr"/>
+            <a:endParaRPr lang="en-US"/>
+          </a:p>
+        </p:txBody>
+      </p:sp>
+      <p:pic>
+        <p:nvPicPr>
+          <p:cNvPr id="2" name="Picture 1"/>
+          <p:cNvPicPr>
+            <a:picLocks noChangeAspect="1"/>
+          </p:cNvPicPr>
+          <p:nvPr/>
+        </p:nvPicPr>
+        <p:blipFill rotWithShape="1">
+          <a:blip r:embed="rId3">
+            <a:extLst>
+              <a:ext uri="{28A0092B-C50C-407E-A947-70E740481C1C}">
+                <a14:useLocalDpi xmlns:a14="http://schemas.microsoft.com/office/drawing/2010/main" val="0"/>
+              </a:ext>
+            </a:extLst>
+          </a:blip>
+          <a:srcRect l="69227" t="33418" r="20112" b="50548"/>
+          <a:stretch/>
+        </p:blipFill>
+        <p:spPr>
+          <a:xfrm>
+            <a:off x="10386349" y="5029795"/>
+            <a:ext cx="1805651" cy="1991719"/>
+          </a:xfrm>
+          <a:prstGeom prst="rect">
+            <a:avLst/>
+          </a:prstGeom>
+        </p:spPr>
+      </p:pic>
+      <p:sp>
+        <p:nvSpPr>
+          <p:cNvPr id="3" name="TextBox 2"/>
+          <p:cNvSpPr txBox="1"/>
+          <p:nvPr/>
+        </p:nvSpPr>
+        <p:spPr>
+          <a:xfrm>
+            <a:off x="173620" y="219919"/>
+            <a:ext cx="5937813" cy="5857757"/>
+          </a:xfrm>
+          <a:prstGeom prst="rect">
+            <a:avLst/>
+          </a:prstGeom>
+          <a:noFill/>
+        </p:spPr>
+        <p:txBody>
+          <a:bodyPr wrap="square" rtlCol="0">
+            <a:spAutoFit/>
+          </a:bodyPr>
+          <a:lstStyle/>
+          <a:p>
+            <a:r>
+              <a:rPr lang="en-US" sz="4000" b="1" dirty="0">
+                <a:solidFill>
+                  <a:srgbClr val="CF3338"/>
+                </a:solidFill>
+                <a:latin typeface="Pragmatica" panose="020B0403040502020204" pitchFamily="34" charset="0"/>
+              </a:rPr>
+              <a:t>Demo/Exercises</a:t>
+            </a:r>
+          </a:p>
+          <a:p>
+            <a:r>
+              <a:rPr lang="en-US" sz="2000" dirty="0">
+                <a:solidFill>
+                  <a:srgbClr val="CF3338"/>
+                </a:solidFill>
+                <a:latin typeface="Pragmatica" panose="020B0403040502020204" pitchFamily="34" charset="0"/>
+              </a:rPr>
+              <a:t>File: </a:t>
+            </a:r>
+            <a:r>
+              <a:rPr lang="en-US" sz="2000" dirty="0">
+                <a:solidFill>
+                  <a:srgbClr val="CF3338"/>
+                </a:solidFill>
+                <a:latin typeface="Consolas" panose="020B0609020204030204" pitchFamily="49" charset="0"/>
+              </a:rPr>
+              <a:t>teams-start.xlsx</a:t>
+            </a:r>
+          </a:p>
+          <a:p>
+            <a:pPr marL="95250" lvl="0">
+              <a:lnSpc>
+                <a:spcPct val="115000"/>
+              </a:lnSpc>
+              <a:spcBef>
+                <a:spcPts val="750"/>
+              </a:spcBef>
+              <a:buClr>
+                <a:srgbClr val="C00000"/>
+              </a:buClr>
+              <a:buSzPts val="2100"/>
+            </a:pPr>
+            <a:r>
+              <a:rPr lang="en-US" sz="2000" dirty="0">
+                <a:solidFill>
+                  <a:srgbClr val="CF3338"/>
+                </a:solidFill>
+                <a:latin typeface="Pragmatica" panose="020B0403040502020204" pitchFamily="34" charset="0"/>
+                <a:sym typeface="Consolas"/>
+              </a:rPr>
+              <a:t>Use PivotTables, charts and more to analyze &amp; visualize MLB data: </a:t>
+            </a:r>
+          </a:p>
+          <a:p>
+            <a:pPr marL="95250" lvl="0">
+              <a:lnSpc>
+                <a:spcPct val="115000"/>
+              </a:lnSpc>
+              <a:spcBef>
+                <a:spcPts val="750"/>
+              </a:spcBef>
+              <a:buClr>
+                <a:srgbClr val="C00000"/>
+              </a:buClr>
+              <a:buSzPts val="2100"/>
+            </a:pPr>
+            <a:endParaRPr lang="en-US" sz="2000" dirty="0">
+              <a:solidFill>
+                <a:srgbClr val="CF3338"/>
+              </a:solidFill>
+              <a:latin typeface="Pragmatica" panose="020B0403040502020204" pitchFamily="34" charset="0"/>
+              <a:ea typeface="Consolas"/>
+              <a:cs typeface="Consolas"/>
+              <a:sym typeface="Consolas"/>
+            </a:endParaRPr>
+          </a:p>
+          <a:p>
+            <a:pPr marL="552450" lvl="0" indent="-457200">
+              <a:lnSpc>
+                <a:spcPct val="115000"/>
+              </a:lnSpc>
+              <a:spcBef>
+                <a:spcPts val="750"/>
+              </a:spcBef>
+              <a:buClr>
+                <a:srgbClr val="C00000"/>
+              </a:buClr>
+              <a:buSzPts val="2100"/>
+              <a:buFont typeface="+mj-lt"/>
+              <a:buAutoNum type="arabicPeriod"/>
+            </a:pPr>
+            <a:r>
+              <a:rPr lang="en-US" sz="2000" dirty="0">
+                <a:solidFill>
+                  <a:srgbClr val="CF3338"/>
+                </a:solidFill>
+                <a:latin typeface="Pragmatica" panose="020B0403040502020204" pitchFamily="34" charset="0"/>
+                <a:ea typeface="Consolas"/>
+                <a:cs typeface="Consolas"/>
+                <a:sym typeface="Consolas"/>
+              </a:rPr>
+              <a:t>Plot the franchises with the 10 most World Series wins since 1903 vs those </a:t>
+            </a:r>
+            <a:r>
+              <a:rPr lang="en-US" sz="2000" dirty="0" err="1">
+                <a:solidFill>
+                  <a:srgbClr val="CF3338"/>
+                </a:solidFill>
+                <a:latin typeface="Pragmatica" panose="020B0403040502020204" pitchFamily="34" charset="0"/>
+                <a:ea typeface="Consolas"/>
+                <a:cs typeface="Consolas"/>
+                <a:sym typeface="Consolas"/>
+              </a:rPr>
+              <a:t>franchses</a:t>
+            </a:r>
+            <a:r>
+              <a:rPr lang="en-US" sz="2000" dirty="0">
+                <a:solidFill>
+                  <a:srgbClr val="CF3338"/>
+                </a:solidFill>
+                <a:latin typeface="Pragmatica" panose="020B0403040502020204" pitchFamily="34" charset="0"/>
+                <a:ea typeface="Consolas"/>
+                <a:cs typeface="Consolas"/>
+                <a:sym typeface="Consolas"/>
+              </a:rPr>
+              <a:t>’ total number of World Series appearances. </a:t>
+            </a:r>
+            <a:endParaRPr lang="en-US" sz="2000" dirty="0">
+              <a:solidFill>
+                <a:srgbClr val="C00000"/>
+              </a:solidFill>
+              <a:latin typeface="Consolas" panose="020B0609020204030204" pitchFamily="49" charset="0"/>
+              <a:ea typeface="Consolas"/>
+              <a:cs typeface="Consolas"/>
+              <a:sym typeface="Consolas"/>
+            </a:endParaRPr>
+          </a:p>
+          <a:p>
+            <a:pPr marL="552450" lvl="0" indent="-457200">
+              <a:lnSpc>
+                <a:spcPct val="115000"/>
+              </a:lnSpc>
+              <a:spcBef>
+                <a:spcPts val="750"/>
+              </a:spcBef>
+              <a:buClr>
+                <a:srgbClr val="C00000"/>
+              </a:buClr>
+              <a:buSzPts val="2100"/>
+              <a:buFont typeface="+mj-lt"/>
+              <a:buAutoNum type="arabicPeriod"/>
+            </a:pPr>
+            <a:r>
+              <a:rPr lang="en-US" sz="2000" dirty="0">
+                <a:solidFill>
+                  <a:srgbClr val="CF3338"/>
+                </a:solidFill>
+                <a:latin typeface="Pragmatica" panose="020B0403040502020204" pitchFamily="34" charset="0"/>
+                <a:ea typeface="Consolas"/>
+                <a:cs typeface="Consolas"/>
+                <a:sym typeface="Consolas"/>
+              </a:rPr>
+              <a:t>Plot the average number of stolen bases per game from 1990 to 2017</a:t>
+            </a:r>
+          </a:p>
+          <a:p>
+            <a:pPr marL="552450" lvl="0" indent="-457200">
+              <a:lnSpc>
+                <a:spcPct val="115000"/>
+              </a:lnSpc>
+              <a:spcBef>
+                <a:spcPts val="750"/>
+              </a:spcBef>
+              <a:buClr>
+                <a:srgbClr val="C00000"/>
+              </a:buClr>
+              <a:buSzPts val="2100"/>
+              <a:buFont typeface="+mj-lt"/>
+              <a:buAutoNum type="arabicPeriod"/>
+            </a:pPr>
+            <a:r>
+              <a:rPr lang="en-US" sz="2000" dirty="0">
+                <a:solidFill>
+                  <a:srgbClr val="CF3338"/>
+                </a:solidFill>
+                <a:latin typeface="Pragmatica" panose="020B0403040502020204" pitchFamily="34" charset="0"/>
+                <a:ea typeface="Consolas"/>
+                <a:cs typeface="Consolas"/>
+                <a:sym typeface="Consolas"/>
+              </a:rPr>
+              <a:t>Identify which wild card teams have won the World Series</a:t>
+            </a:r>
+          </a:p>
+          <a:p>
+            <a:pPr marL="552450" lvl="0" indent="-457200">
+              <a:lnSpc>
+                <a:spcPct val="115000"/>
+              </a:lnSpc>
+              <a:spcBef>
+                <a:spcPts val="750"/>
+              </a:spcBef>
+              <a:buClr>
+                <a:srgbClr val="C00000"/>
+              </a:buClr>
+              <a:buSzPts val="2100"/>
+              <a:buFont typeface="+mj-lt"/>
+              <a:buAutoNum type="arabicPeriod"/>
+            </a:pPr>
+            <a:r>
+              <a:rPr lang="en-US" sz="2000" dirty="0">
+                <a:solidFill>
+                  <a:srgbClr val="CF3338"/>
+                </a:solidFill>
+                <a:latin typeface="Pragmatica" panose="020B0403040502020204" pitchFamily="34" charset="0"/>
+                <a:ea typeface="Consolas"/>
+                <a:cs typeface="Consolas"/>
+                <a:sym typeface="Consolas"/>
+              </a:rPr>
+              <a:t>Plot the average team ERA of AL vs NL teams since 1973</a:t>
+            </a:r>
+          </a:p>
+        </p:txBody>
+      </p:sp>
+    </p:spTree>
+    <p:extLst>
+      <p:ext uri="{BB962C8B-B14F-4D97-AF65-F5344CB8AC3E}">
+        <p14:creationId xmlns:p14="http://schemas.microsoft.com/office/powerpoint/2010/main" val="2901871732"/>
+      </p:ext>
+    </p:extLst>
+  </p:cSld>
+  <p:clrMapOvr>
+    <a:masterClrMapping/>
+  </p:clrMapOvr>
+</p:sld>
+</file>
+
+<file path=ppt/slides/slide21.xml><?xml version="1.0" encoding="utf-8"?>
 <p:sld xmlns:a="http://schemas.openxmlformats.org/drawingml/2006/main" xmlns:r="http://schemas.openxmlformats.org/officeDocument/2006/relationships" xmlns:p="http://schemas.openxmlformats.org/presentationml/2006/main">
   <p:cSld>
     <p:spTree>
@@ -7988,7 +8388,7 @@
 </p:sld>
 </file>
 
-<file path=ppt/slides/slide21.xml><?xml version="1.0" encoding="utf-8"?>
+<file path=ppt/slides/slide22.xml><?xml version="1.0" encoding="utf-8"?>
 <p:sld xmlns:a="http://schemas.openxmlformats.org/drawingml/2006/main" xmlns:r="http://schemas.openxmlformats.org/officeDocument/2006/relationships" xmlns:p="http://schemas.openxmlformats.org/presentationml/2006/main">
   <p:cSld>
     <p:spTree>
@@ -8104,7 +8504,7 @@
 </p:sld>
 </file>
 
-<file path=ppt/slides/slide22.xml><?xml version="1.0" encoding="utf-8"?>
+<file path=ppt/slides/slide23.xml><?xml version="1.0" encoding="utf-8"?>
 <p:sld xmlns:a="http://schemas.openxmlformats.org/drawingml/2006/main" xmlns:r="http://schemas.openxmlformats.org/officeDocument/2006/relationships" xmlns:p="http://schemas.openxmlformats.org/presentationml/2006/main">
   <p:cSld>
     <p:spTree>
@@ -8206,7 +8606,7 @@
 </p:sld>
 </file>
 
-<file path=ppt/slides/slide23.xml><?xml version="1.0" encoding="utf-8"?>
+<file path=ppt/slides/slide24.xml><?xml version="1.0" encoding="utf-8"?>
 <p:sld xmlns:a="http://schemas.openxmlformats.org/drawingml/2006/main" xmlns:r="http://schemas.openxmlformats.org/officeDocument/2006/relationships" xmlns:p="http://schemas.openxmlformats.org/presentationml/2006/main">
   <p:cSld>
     <p:spTree>
@@ -8482,279 +8882,6 @@
     <p:extLst>
       <p:ext uri="{BB962C8B-B14F-4D97-AF65-F5344CB8AC3E}">
         <p14:creationId xmlns:p14="http://schemas.microsoft.com/office/powerpoint/2010/main" val="51188219"/>
-      </p:ext>
-    </p:extLst>
-  </p:cSld>
-  <p:clrMapOvr>
-    <a:masterClrMapping/>
-  </p:clrMapOvr>
-</p:sld>
-</file>
-
-<file path=ppt/slides/slide24.xml><?xml version="1.0" encoding="utf-8"?>
-<p:sld xmlns:a="http://schemas.openxmlformats.org/drawingml/2006/main" xmlns:r="http://schemas.openxmlformats.org/officeDocument/2006/relationships" xmlns:p="http://schemas.openxmlformats.org/presentationml/2006/main">
-  <p:cSld>
-    <p:spTree>
-      <p:nvGrpSpPr>
-        <p:cNvPr id="1" name=""/>
-        <p:cNvGrpSpPr/>
-        <p:nvPr/>
-      </p:nvGrpSpPr>
-      <p:grpSpPr>
-        <a:xfrm>
-          <a:off x="0" y="0"/>
-          <a:ext cx="0" cy="0"/>
-          <a:chOff x="0" y="0"/>
-          <a:chExt cx="0" cy="0"/>
-        </a:xfrm>
-      </p:grpSpPr>
-      <p:sp>
-        <p:nvSpPr>
-          <p:cNvPr id="4" name="Rectangle 3"/>
-          <p:cNvSpPr/>
-          <p:nvPr/>
-        </p:nvSpPr>
-        <p:spPr>
-          <a:xfrm>
-            <a:off x="6574420" y="0"/>
-            <a:ext cx="5617580" cy="6858000"/>
-          </a:xfrm>
-          <a:prstGeom prst="rect">
-            <a:avLst/>
-          </a:prstGeom>
-          <a:solidFill>
-            <a:srgbClr val="CF3338"/>
-          </a:solidFill>
-          <a:ln>
-            <a:noFill/>
-          </a:ln>
-        </p:spPr>
-        <p:style>
-          <a:lnRef idx="2">
-            <a:schemeClr val="accent1">
-              <a:shade val="50000"/>
-            </a:schemeClr>
-          </a:lnRef>
-          <a:fillRef idx="1">
-            <a:schemeClr val="accent1"/>
-          </a:fillRef>
-          <a:effectRef idx="0">
-            <a:schemeClr val="accent1"/>
-          </a:effectRef>
-          <a:fontRef idx="minor">
-            <a:schemeClr val="lt1"/>
-          </a:fontRef>
-        </p:style>
-        <p:txBody>
-          <a:bodyPr rtlCol="0" anchor="ctr"/>
-          <a:lstStyle/>
-          <a:p>
-            <a:pPr algn="ctr"/>
-            <a:endParaRPr lang="en-US"/>
-          </a:p>
-        </p:txBody>
-      </p:sp>
-      <p:pic>
-        <p:nvPicPr>
-          <p:cNvPr id="2" name="Picture 1"/>
-          <p:cNvPicPr>
-            <a:picLocks noChangeAspect="1"/>
-          </p:cNvPicPr>
-          <p:nvPr/>
-        </p:nvPicPr>
-        <p:blipFill rotWithShape="1">
-          <a:blip r:embed="rId3">
-            <a:extLst>
-              <a:ext uri="{28A0092B-C50C-407E-A947-70E740481C1C}">
-                <a14:useLocalDpi xmlns:a14="http://schemas.microsoft.com/office/drawing/2010/main" val="0"/>
-              </a:ext>
-            </a:extLst>
-          </a:blip>
-          <a:srcRect l="69227" t="33418" r="20112" b="50548"/>
-          <a:stretch/>
-        </p:blipFill>
-        <p:spPr>
-          <a:xfrm>
-            <a:off x="10386349" y="5029795"/>
-            <a:ext cx="1805651" cy="1991719"/>
-          </a:xfrm>
-          <a:prstGeom prst="rect">
-            <a:avLst/>
-          </a:prstGeom>
-        </p:spPr>
-      </p:pic>
-      <p:sp>
-        <p:nvSpPr>
-          <p:cNvPr id="3" name="TextBox 2"/>
-          <p:cNvSpPr txBox="1"/>
-          <p:nvPr/>
-        </p:nvSpPr>
-        <p:spPr>
-          <a:xfrm>
-            <a:off x="173620" y="219919"/>
-            <a:ext cx="5937813" cy="5232202"/>
-          </a:xfrm>
-          <a:prstGeom prst="rect">
-            <a:avLst/>
-          </a:prstGeom>
-          <a:noFill/>
-        </p:spPr>
-        <p:txBody>
-          <a:bodyPr wrap="square" rtlCol="0">
-            <a:spAutoFit/>
-          </a:bodyPr>
-          <a:lstStyle/>
-          <a:p>
-            <a:r>
-              <a:rPr lang="en-US" sz="4000" b="1" dirty="0">
-                <a:solidFill>
-                  <a:srgbClr val="CF3338"/>
-                </a:solidFill>
-                <a:latin typeface="Pragmatica" panose="020B0403040502020204" pitchFamily="34" charset="0"/>
-              </a:rPr>
-              <a:t>Demo + Exercises</a:t>
-            </a:r>
-          </a:p>
-          <a:p>
-            <a:r>
-              <a:rPr lang="en-US" sz="2800" dirty="0">
-                <a:solidFill>
-                  <a:srgbClr val="CF3338"/>
-                </a:solidFill>
-                <a:latin typeface="Pragmatica" panose="020B0403040502020204" pitchFamily="34" charset="0"/>
-              </a:rPr>
-              <a:t>Data: </a:t>
-            </a:r>
-            <a:r>
-              <a:rPr lang="en-US" sz="2800" dirty="0">
-                <a:solidFill>
-                  <a:srgbClr val="CF3338"/>
-                </a:solidFill>
-                <a:latin typeface="Consolas" panose="020B0609020204030204" pitchFamily="49" charset="0"/>
-              </a:rPr>
-              <a:t>superstore</a:t>
-            </a:r>
-            <a:r>
-              <a:rPr lang="en-US" sz="2800" dirty="0">
-                <a:solidFill>
-                  <a:srgbClr val="CF3338"/>
-                </a:solidFill>
-                <a:latin typeface="Pragmatica" panose="020B0403040502020204" pitchFamily="34" charset="0"/>
-              </a:rPr>
-              <a:t> model continued</a:t>
-            </a:r>
-          </a:p>
-          <a:p>
-            <a:endParaRPr lang="en-US" sz="2800" dirty="0">
-              <a:solidFill>
-                <a:srgbClr val="CF3338"/>
-              </a:solidFill>
-              <a:latin typeface="Pragmatica" panose="020B0403040502020204" pitchFamily="34" charset="0"/>
-            </a:endParaRPr>
-          </a:p>
-          <a:p>
-            <a:pPr marL="457200" lvl="0" indent="-361950">
-              <a:lnSpc>
-                <a:spcPct val="115000"/>
-              </a:lnSpc>
-              <a:spcBef>
-                <a:spcPts val="750"/>
-              </a:spcBef>
-              <a:buClr>
-                <a:srgbClr val="C00000"/>
-              </a:buClr>
-              <a:buSzPts val="2100"/>
-              <a:buFont typeface="Arial" panose="020B0604020202020204" pitchFamily="34" charset="0"/>
-              <a:buChar char="•"/>
-            </a:pPr>
-            <a:r>
-              <a:rPr lang="en-US" sz="2400" dirty="0">
-                <a:solidFill>
-                  <a:srgbClr val="C00000"/>
-                </a:solidFill>
-                <a:latin typeface="Pragmatica" panose="020B0403040502020204"/>
-                <a:ea typeface="Consolas"/>
-                <a:cs typeface="Consolas"/>
-                <a:sym typeface="Consolas"/>
-              </a:rPr>
-              <a:t>Design a basic Excel dashboard to monitor profitability, regional performance and sales trends</a:t>
-            </a:r>
-          </a:p>
-          <a:p>
-            <a:pPr marL="457200" lvl="0" indent="-361950">
-              <a:lnSpc>
-                <a:spcPct val="115000"/>
-              </a:lnSpc>
-              <a:spcBef>
-                <a:spcPts val="750"/>
-              </a:spcBef>
-              <a:buClr>
-                <a:srgbClr val="C00000"/>
-              </a:buClr>
-              <a:buSzPts val="2100"/>
-              <a:buFont typeface="Arial" panose="020B0604020202020204" pitchFamily="34" charset="0"/>
-              <a:buChar char="•"/>
-            </a:pPr>
-            <a:r>
-              <a:rPr lang="en-US" sz="2400" dirty="0">
-                <a:solidFill>
-                  <a:srgbClr val="C00000"/>
-                </a:solidFill>
-                <a:latin typeface="Pragmatica" panose="020B0403040502020204"/>
-                <a:ea typeface="Consolas"/>
-                <a:cs typeface="Consolas"/>
-                <a:sym typeface="Consolas"/>
-              </a:rPr>
-              <a:t>Create additional measures &amp; KPIs</a:t>
-            </a:r>
-          </a:p>
-          <a:p>
-            <a:pPr marL="457200" lvl="0" indent="-361950">
-              <a:lnSpc>
-                <a:spcPct val="115000"/>
-              </a:lnSpc>
-              <a:spcBef>
-                <a:spcPts val="750"/>
-              </a:spcBef>
-              <a:buClr>
-                <a:srgbClr val="C00000"/>
-              </a:buClr>
-              <a:buSzPts val="2100"/>
-              <a:buFont typeface="Arial" panose="020B0604020202020204" pitchFamily="34" charset="0"/>
-              <a:buChar char="•"/>
-            </a:pPr>
-            <a:endParaRPr lang="en-US" sz="2400" dirty="0">
-              <a:solidFill>
-                <a:srgbClr val="C00000"/>
-              </a:solidFill>
-              <a:latin typeface="Consolas" panose="020B0609020204030204" pitchFamily="49" charset="0"/>
-              <a:ea typeface="Consolas"/>
-              <a:cs typeface="Consolas"/>
-              <a:sym typeface="Consolas"/>
-            </a:endParaRPr>
-          </a:p>
-          <a:p>
-            <a:endParaRPr lang="en-US" sz="4000" dirty="0">
-              <a:solidFill>
-                <a:srgbClr val="CF3338"/>
-              </a:solidFill>
-              <a:latin typeface="Pragmatica" panose="020B0403040502020204" pitchFamily="34" charset="0"/>
-            </a:endParaRPr>
-          </a:p>
-          <a:p>
-            <a:endParaRPr lang="en-US" sz="4000" dirty="0">
-              <a:solidFill>
-                <a:srgbClr val="CF3338"/>
-              </a:solidFill>
-              <a:latin typeface="Pragmatica" panose="020B0403040502020204" pitchFamily="34" charset="0"/>
-            </a:endParaRPr>
-          </a:p>
-        </p:txBody>
-      </p:sp>
-    </p:spTree>
-    <p:extLst>
-      <p:ext uri="{BB962C8B-B14F-4D97-AF65-F5344CB8AC3E}">
-        <p14:creationId xmlns:p14="http://schemas.microsoft.com/office/powerpoint/2010/main" val="3413916140"/>
       </p:ext>
     </p:extLst>
   </p:cSld>
@@ -8865,6 +8992,279 @@
         <p:spPr>
           <a:xfrm>
             <a:off x="173620" y="219919"/>
+            <a:ext cx="5937813" cy="5232202"/>
+          </a:xfrm>
+          <a:prstGeom prst="rect">
+            <a:avLst/>
+          </a:prstGeom>
+          <a:noFill/>
+        </p:spPr>
+        <p:txBody>
+          <a:bodyPr wrap="square" rtlCol="0">
+            <a:spAutoFit/>
+          </a:bodyPr>
+          <a:lstStyle/>
+          <a:p>
+            <a:r>
+              <a:rPr lang="en-US" sz="4000" b="1" dirty="0">
+                <a:solidFill>
+                  <a:srgbClr val="CF3338"/>
+                </a:solidFill>
+                <a:latin typeface="Pragmatica" panose="020B0403040502020204" pitchFamily="34" charset="0"/>
+              </a:rPr>
+              <a:t>Demo + Exercises</a:t>
+            </a:r>
+          </a:p>
+          <a:p>
+            <a:r>
+              <a:rPr lang="en-US" sz="2800" dirty="0">
+                <a:solidFill>
+                  <a:srgbClr val="CF3338"/>
+                </a:solidFill>
+                <a:latin typeface="Pragmatica" panose="020B0403040502020204" pitchFamily="34" charset="0"/>
+              </a:rPr>
+              <a:t>Data: </a:t>
+            </a:r>
+            <a:r>
+              <a:rPr lang="en-US" sz="2800" dirty="0">
+                <a:solidFill>
+                  <a:srgbClr val="CF3338"/>
+                </a:solidFill>
+                <a:latin typeface="Consolas" panose="020B0609020204030204" pitchFamily="49" charset="0"/>
+              </a:rPr>
+              <a:t>superstore</a:t>
+            </a:r>
+            <a:r>
+              <a:rPr lang="en-US" sz="2800" dirty="0">
+                <a:solidFill>
+                  <a:srgbClr val="CF3338"/>
+                </a:solidFill>
+                <a:latin typeface="Pragmatica" panose="020B0403040502020204" pitchFamily="34" charset="0"/>
+              </a:rPr>
+              <a:t> model continued</a:t>
+            </a:r>
+          </a:p>
+          <a:p>
+            <a:endParaRPr lang="en-US" sz="2800" dirty="0">
+              <a:solidFill>
+                <a:srgbClr val="CF3338"/>
+              </a:solidFill>
+              <a:latin typeface="Pragmatica" panose="020B0403040502020204" pitchFamily="34" charset="0"/>
+            </a:endParaRPr>
+          </a:p>
+          <a:p>
+            <a:pPr marL="457200" lvl="0" indent="-361950">
+              <a:lnSpc>
+                <a:spcPct val="115000"/>
+              </a:lnSpc>
+              <a:spcBef>
+                <a:spcPts val="750"/>
+              </a:spcBef>
+              <a:buClr>
+                <a:srgbClr val="C00000"/>
+              </a:buClr>
+              <a:buSzPts val="2100"/>
+              <a:buFont typeface="Arial" panose="020B0604020202020204" pitchFamily="34" charset="0"/>
+              <a:buChar char="•"/>
+            </a:pPr>
+            <a:r>
+              <a:rPr lang="en-US" sz="2400" dirty="0">
+                <a:solidFill>
+                  <a:srgbClr val="C00000"/>
+                </a:solidFill>
+                <a:latin typeface="Pragmatica" panose="020B0403040502020204"/>
+                <a:ea typeface="Consolas"/>
+                <a:cs typeface="Consolas"/>
+                <a:sym typeface="Consolas"/>
+              </a:rPr>
+              <a:t>Design a basic Excel dashboard to monitor profitability, regional performance and sales trends</a:t>
+            </a:r>
+          </a:p>
+          <a:p>
+            <a:pPr marL="457200" lvl="0" indent="-361950">
+              <a:lnSpc>
+                <a:spcPct val="115000"/>
+              </a:lnSpc>
+              <a:spcBef>
+                <a:spcPts val="750"/>
+              </a:spcBef>
+              <a:buClr>
+                <a:srgbClr val="C00000"/>
+              </a:buClr>
+              <a:buSzPts val="2100"/>
+              <a:buFont typeface="Arial" panose="020B0604020202020204" pitchFamily="34" charset="0"/>
+              <a:buChar char="•"/>
+            </a:pPr>
+            <a:r>
+              <a:rPr lang="en-US" sz="2400" dirty="0">
+                <a:solidFill>
+                  <a:srgbClr val="C00000"/>
+                </a:solidFill>
+                <a:latin typeface="Pragmatica" panose="020B0403040502020204"/>
+                <a:ea typeface="Consolas"/>
+                <a:cs typeface="Consolas"/>
+                <a:sym typeface="Consolas"/>
+              </a:rPr>
+              <a:t>Create additional measures &amp; KPIs</a:t>
+            </a:r>
+          </a:p>
+          <a:p>
+            <a:pPr marL="457200" lvl="0" indent="-361950">
+              <a:lnSpc>
+                <a:spcPct val="115000"/>
+              </a:lnSpc>
+              <a:spcBef>
+                <a:spcPts val="750"/>
+              </a:spcBef>
+              <a:buClr>
+                <a:srgbClr val="C00000"/>
+              </a:buClr>
+              <a:buSzPts val="2100"/>
+              <a:buFont typeface="Arial" panose="020B0604020202020204" pitchFamily="34" charset="0"/>
+              <a:buChar char="•"/>
+            </a:pPr>
+            <a:endParaRPr lang="en-US" sz="2400" dirty="0">
+              <a:solidFill>
+                <a:srgbClr val="C00000"/>
+              </a:solidFill>
+              <a:latin typeface="Consolas" panose="020B0609020204030204" pitchFamily="49" charset="0"/>
+              <a:ea typeface="Consolas"/>
+              <a:cs typeface="Consolas"/>
+              <a:sym typeface="Consolas"/>
+            </a:endParaRPr>
+          </a:p>
+          <a:p>
+            <a:endParaRPr lang="en-US" sz="4000" dirty="0">
+              <a:solidFill>
+                <a:srgbClr val="CF3338"/>
+              </a:solidFill>
+              <a:latin typeface="Pragmatica" panose="020B0403040502020204" pitchFamily="34" charset="0"/>
+            </a:endParaRPr>
+          </a:p>
+          <a:p>
+            <a:endParaRPr lang="en-US" sz="4000" dirty="0">
+              <a:solidFill>
+                <a:srgbClr val="CF3338"/>
+              </a:solidFill>
+              <a:latin typeface="Pragmatica" panose="020B0403040502020204" pitchFamily="34" charset="0"/>
+            </a:endParaRPr>
+          </a:p>
+        </p:txBody>
+      </p:sp>
+    </p:spTree>
+    <p:extLst>
+      <p:ext uri="{BB962C8B-B14F-4D97-AF65-F5344CB8AC3E}">
+        <p14:creationId xmlns:p14="http://schemas.microsoft.com/office/powerpoint/2010/main" val="3413916140"/>
+      </p:ext>
+    </p:extLst>
+  </p:cSld>
+  <p:clrMapOvr>
+    <a:masterClrMapping/>
+  </p:clrMapOvr>
+</p:sld>
+</file>
+
+<file path=ppt/slides/slide26.xml><?xml version="1.0" encoding="utf-8"?>
+<p:sld xmlns:a="http://schemas.openxmlformats.org/drawingml/2006/main" xmlns:r="http://schemas.openxmlformats.org/officeDocument/2006/relationships" xmlns:p="http://schemas.openxmlformats.org/presentationml/2006/main">
+  <p:cSld>
+    <p:spTree>
+      <p:nvGrpSpPr>
+        <p:cNvPr id="1" name=""/>
+        <p:cNvGrpSpPr/>
+        <p:nvPr/>
+      </p:nvGrpSpPr>
+      <p:grpSpPr>
+        <a:xfrm>
+          <a:off x="0" y="0"/>
+          <a:ext cx="0" cy="0"/>
+          <a:chOff x="0" y="0"/>
+          <a:chExt cx="0" cy="0"/>
+        </a:xfrm>
+      </p:grpSpPr>
+      <p:sp>
+        <p:nvSpPr>
+          <p:cNvPr id="4" name="Rectangle 3"/>
+          <p:cNvSpPr/>
+          <p:nvPr/>
+        </p:nvSpPr>
+        <p:spPr>
+          <a:xfrm>
+            <a:off x="6574420" y="0"/>
+            <a:ext cx="5617580" cy="6858000"/>
+          </a:xfrm>
+          <a:prstGeom prst="rect">
+            <a:avLst/>
+          </a:prstGeom>
+          <a:solidFill>
+            <a:srgbClr val="CF3338"/>
+          </a:solidFill>
+          <a:ln>
+            <a:noFill/>
+          </a:ln>
+        </p:spPr>
+        <p:style>
+          <a:lnRef idx="2">
+            <a:schemeClr val="accent1">
+              <a:shade val="50000"/>
+            </a:schemeClr>
+          </a:lnRef>
+          <a:fillRef idx="1">
+            <a:schemeClr val="accent1"/>
+          </a:fillRef>
+          <a:effectRef idx="0">
+            <a:schemeClr val="accent1"/>
+          </a:effectRef>
+          <a:fontRef idx="minor">
+            <a:schemeClr val="lt1"/>
+          </a:fontRef>
+        </p:style>
+        <p:txBody>
+          <a:bodyPr rtlCol="0" anchor="ctr"/>
+          <a:lstStyle/>
+          <a:p>
+            <a:pPr algn="ctr"/>
+            <a:endParaRPr lang="en-US"/>
+          </a:p>
+        </p:txBody>
+      </p:sp>
+      <p:pic>
+        <p:nvPicPr>
+          <p:cNvPr id="2" name="Picture 1"/>
+          <p:cNvPicPr>
+            <a:picLocks noChangeAspect="1"/>
+          </p:cNvPicPr>
+          <p:nvPr/>
+        </p:nvPicPr>
+        <p:blipFill rotWithShape="1">
+          <a:blip r:embed="rId3">
+            <a:extLst>
+              <a:ext uri="{28A0092B-C50C-407E-A947-70E740481C1C}">
+                <a14:useLocalDpi xmlns:a14="http://schemas.microsoft.com/office/drawing/2010/main" val="0"/>
+              </a:ext>
+            </a:extLst>
+          </a:blip>
+          <a:srcRect l="69227" t="33418" r="20112" b="50548"/>
+          <a:stretch/>
+        </p:blipFill>
+        <p:spPr>
+          <a:xfrm>
+            <a:off x="10386349" y="5029795"/>
+            <a:ext cx="1805651" cy="1991719"/>
+          </a:xfrm>
+          <a:prstGeom prst="rect">
+            <a:avLst/>
+          </a:prstGeom>
+        </p:spPr>
+      </p:pic>
+      <p:sp>
+        <p:nvSpPr>
+          <p:cNvPr id="3" name="TextBox 2"/>
+          <p:cNvSpPr txBox="1"/>
+          <p:nvPr/>
+        </p:nvSpPr>
+        <p:spPr>
+          <a:xfrm>
+            <a:off x="173620" y="219919"/>
             <a:ext cx="5937813" cy="5492786"/>
           </a:xfrm>
           <a:prstGeom prst="rect">
@@ -9132,7 +9532,7 @@
 </p:sld>
 </file>
 
-<file path=ppt/slides/slide26.xml><?xml version="1.0" encoding="utf-8"?>
+<file path=ppt/slides/slide27.xml><?xml version="1.0" encoding="utf-8"?>
 <p:sld xmlns:a="http://schemas.openxmlformats.org/drawingml/2006/main" xmlns:r="http://schemas.openxmlformats.org/officeDocument/2006/relationships" xmlns:p="http://schemas.openxmlformats.org/presentationml/2006/main">
   <p:cSld>
     <p:spTree>
@@ -9265,122 +9665,6 @@
 </p:sld>
 </file>
 
-<file path=ppt/slides/slide27.xml><?xml version="1.0" encoding="utf-8"?>
-<p:sld xmlns:a="http://schemas.openxmlformats.org/drawingml/2006/main" xmlns:r="http://schemas.openxmlformats.org/officeDocument/2006/relationships" xmlns:p="http://schemas.openxmlformats.org/presentationml/2006/main">
-  <p:cSld>
-    <p:spTree>
-      <p:nvGrpSpPr>
-        <p:cNvPr id="1" name=""/>
-        <p:cNvGrpSpPr/>
-        <p:nvPr/>
-      </p:nvGrpSpPr>
-      <p:grpSpPr>
-        <a:xfrm>
-          <a:off x="0" y="0"/>
-          <a:ext cx="0" cy="0"/>
-          <a:chOff x="0" y="0"/>
-          <a:chExt cx="0" cy="0"/>
-        </a:xfrm>
-      </p:grpSpPr>
-      <p:sp>
-        <p:nvSpPr>
-          <p:cNvPr id="4" name="Rectangle 3"/>
-          <p:cNvSpPr/>
-          <p:nvPr/>
-        </p:nvSpPr>
-        <p:spPr>
-          <a:xfrm>
-            <a:off x="0" y="0"/>
-            <a:ext cx="12192000" cy="6858000"/>
-          </a:xfrm>
-          <a:prstGeom prst="rect">
-            <a:avLst/>
-          </a:prstGeom>
-          <a:solidFill>
-            <a:srgbClr val="CF3338"/>
-          </a:solidFill>
-          <a:ln>
-            <a:noFill/>
-          </a:ln>
-        </p:spPr>
-        <p:style>
-          <a:lnRef idx="2">
-            <a:schemeClr val="accent1">
-              <a:shade val="50000"/>
-            </a:schemeClr>
-          </a:lnRef>
-          <a:fillRef idx="1">
-            <a:schemeClr val="accent1"/>
-          </a:fillRef>
-          <a:effectRef idx="0">
-            <a:schemeClr val="accent1"/>
-          </a:effectRef>
-          <a:fontRef idx="minor">
-            <a:schemeClr val="lt1"/>
-          </a:fontRef>
-        </p:style>
-        <p:txBody>
-          <a:bodyPr rtlCol="0" anchor="ctr"/>
-          <a:lstStyle/>
-          <a:p>
-            <a:pPr algn="ctr"/>
-            <a:endParaRPr lang="en-US"/>
-          </a:p>
-        </p:txBody>
-      </p:sp>
-      <p:sp>
-        <p:nvSpPr>
-          <p:cNvPr id="5" name="TextBox 4"/>
-          <p:cNvSpPr txBox="1"/>
-          <p:nvPr/>
-        </p:nvSpPr>
-        <p:spPr>
-          <a:xfrm>
-            <a:off x="520861" y="393539"/>
-            <a:ext cx="10324617" cy="1107996"/>
-          </a:xfrm>
-          <a:prstGeom prst="rect">
-            <a:avLst/>
-          </a:prstGeom>
-          <a:noFill/>
-        </p:spPr>
-        <p:txBody>
-          <a:bodyPr wrap="square" rtlCol="0">
-            <a:spAutoFit/>
-          </a:bodyPr>
-          <a:lstStyle/>
-          <a:p>
-            <a:r>
-              <a:rPr lang="en-US" sz="6600" b="1" dirty="0">
-                <a:solidFill>
-                  <a:schemeClr val="bg1"/>
-                </a:solidFill>
-                <a:latin typeface="Normafixed Tryout" panose="00000409000000000000" pitchFamily="49" charset="0"/>
-              </a:rPr>
-              <a:t>Conclusion &amp; Resources</a:t>
-            </a:r>
-            <a:endParaRPr lang="en-US" sz="6600" b="1" dirty="0">
-              <a:solidFill>
-                <a:schemeClr val="bg1"/>
-              </a:solidFill>
-              <a:latin typeface="Consolas" panose="020B0609020204030204" pitchFamily="49" charset="0"/>
-            </a:endParaRPr>
-          </a:p>
-        </p:txBody>
-      </p:sp>
-    </p:spTree>
-    <p:extLst>
-      <p:ext uri="{BB962C8B-B14F-4D97-AF65-F5344CB8AC3E}">
-        <p14:creationId xmlns:p14="http://schemas.microsoft.com/office/powerpoint/2010/main" val="1115844779"/>
-      </p:ext>
-    </p:extLst>
-  </p:cSld>
-  <p:clrMapOvr>
-    <a:masterClrMapping/>
-  </p:clrMapOvr>
-</p:sld>
-</file>
-
 <file path=ppt/slides/slide28.xml><?xml version="1.0" encoding="utf-8"?>
 <p:sld xmlns:a="http://schemas.openxmlformats.org/drawingml/2006/main" xmlns:r="http://schemas.openxmlformats.org/officeDocument/2006/relationships" xmlns:p="http://schemas.openxmlformats.org/presentationml/2006/main">
   <p:cSld>
@@ -9398,45 +9682,62 @@
           <a:chExt cx="0" cy="0"/>
         </a:xfrm>
       </p:grpSpPr>
-      <p:pic>
-        <p:nvPicPr>
-          <p:cNvPr id="10" name="Picture 9"/>
-          <p:cNvPicPr>
-            <a:picLocks noChangeAspect="1"/>
-          </p:cNvPicPr>
+      <p:sp>
+        <p:nvSpPr>
+          <p:cNvPr id="4" name="Rectangle 3"/>
+          <p:cNvSpPr/>
           <p:nvPr/>
-        </p:nvPicPr>
-        <p:blipFill rotWithShape="1">
-          <a:blip r:embed="rId2">
-            <a:extLst>
-              <a:ext uri="{28A0092B-C50C-407E-A947-70E740481C1C}">
-                <a14:useLocalDpi xmlns:a14="http://schemas.microsoft.com/office/drawing/2010/main" val="0"/>
-              </a:ext>
-            </a:extLst>
-          </a:blip>
-          <a:srcRect l="50728" t="56371"/>
-          <a:stretch/>
-        </p:blipFill>
+        </p:nvSpPr>
         <p:spPr>
           <a:xfrm>
-            <a:off x="10894024" y="5370653"/>
-            <a:ext cx="1297975" cy="1487348"/>
+            <a:off x="0" y="0"/>
+            <a:ext cx="12192000" cy="6858000"/>
           </a:xfrm>
           <a:prstGeom prst="rect">
             <a:avLst/>
           </a:prstGeom>
-        </p:spPr>
-      </p:pic>
-      <p:sp>
-        <p:nvSpPr>
-          <p:cNvPr id="11" name="TextBox 10"/>
+          <a:solidFill>
+            <a:srgbClr val="CF3338"/>
+          </a:solidFill>
+          <a:ln>
+            <a:noFill/>
+          </a:ln>
+        </p:spPr>
+        <p:style>
+          <a:lnRef idx="2">
+            <a:schemeClr val="accent1">
+              <a:shade val="50000"/>
+            </a:schemeClr>
+          </a:lnRef>
+          <a:fillRef idx="1">
+            <a:schemeClr val="accent1"/>
+          </a:fillRef>
+          <a:effectRef idx="0">
+            <a:schemeClr val="accent1"/>
+          </a:effectRef>
+          <a:fontRef idx="minor">
+            <a:schemeClr val="lt1"/>
+          </a:fontRef>
+        </p:style>
+        <p:txBody>
+          <a:bodyPr rtlCol="0" anchor="ctr"/>
+          <a:lstStyle/>
+          <a:p>
+            <a:pPr algn="ctr"/>
+            <a:endParaRPr lang="en-US"/>
+          </a:p>
+        </p:txBody>
+      </p:sp>
+      <p:sp>
+        <p:nvSpPr>
+          <p:cNvPr id="5" name="TextBox 4"/>
           <p:cNvSpPr txBox="1"/>
           <p:nvPr/>
         </p:nvSpPr>
         <p:spPr>
           <a:xfrm>
-            <a:off x="347240" y="113388"/>
-            <a:ext cx="11447363" cy="2585323"/>
+            <a:off x="520861" y="393539"/>
+            <a:ext cx="10324617" cy="1107996"/>
           </a:xfrm>
           <a:prstGeom prst="rect">
             <a:avLst/>
@@ -9450,127 +9751,27 @@
           <a:lstStyle/>
           <a:p>
             <a:r>
-              <a:rPr lang="en-US" sz="5400" i="1" dirty="0">
-                <a:latin typeface="Aliens &amp; cows" panose="00000500000000000000" pitchFamily="2" charset="0"/>
-              </a:rPr>
-              <a:t>Excel Power Pivot &amp; Power Query for Dummies, </a:t>
-            </a:r>
-            <a:r>
-              <a:rPr lang="en-US" sz="5400" dirty="0">
-                <a:latin typeface="Aliens &amp; cows" panose="00000500000000000000" pitchFamily="2" charset="0"/>
-              </a:rPr>
-              <a:t>2</a:t>
-            </a:r>
-            <a:r>
-              <a:rPr lang="en-US" sz="5400" baseline="30000" dirty="0">
-                <a:latin typeface="Aliens &amp; cows" panose="00000500000000000000" pitchFamily="2" charset="0"/>
-              </a:rPr>
-              <a:t>nd</a:t>
-            </a:r>
-            <a:r>
-              <a:rPr lang="en-US" sz="5400" dirty="0">
-                <a:latin typeface="Aliens &amp; cows" panose="00000500000000000000" pitchFamily="2" charset="0"/>
-              </a:rPr>
-              <a:t> Edition</a:t>
-            </a:r>
-          </a:p>
-          <a:p>
-            <a:r>
-              <a:rPr lang="en-US" sz="5400" dirty="0">
-                <a:latin typeface="Aliens &amp; cows" panose="00000500000000000000" pitchFamily="2" charset="0"/>
-              </a:rPr>
-              <a:t>by Michael Alexander</a:t>
-            </a:r>
-          </a:p>
-        </p:txBody>
-      </p:sp>
-      <p:pic>
-        <p:nvPicPr>
-          <p:cNvPr id="6" name="Picture 5" descr="A close up of a sign&#10;&#10;Description automatically generated">
-            <a:extLst>
-              <a:ext uri="{FF2B5EF4-FFF2-40B4-BE49-F238E27FC236}">
-                <a16:creationId xmlns:a16="http://schemas.microsoft.com/office/drawing/2014/main" id="{69CD627F-A48D-4910-BDAB-E86D1B428A91}"/>
-              </a:ext>
-            </a:extLst>
-          </p:cNvPr>
-          <p:cNvPicPr>
-            <a:picLocks noChangeAspect="1"/>
-          </p:cNvPicPr>
-          <p:nvPr/>
-        </p:nvPicPr>
-        <p:blipFill>
-          <a:blip r:embed="rId3">
-            <a:extLst>
-              <a:ext uri="{28A0092B-C50C-407E-A947-70E740481C1C}">
-                <a14:useLocalDpi xmlns:a14="http://schemas.microsoft.com/office/drawing/2010/main" val="0"/>
-              </a:ext>
-            </a:extLst>
-          </a:blip>
-          <a:stretch>
-            <a:fillRect/>
-          </a:stretch>
-        </p:blipFill>
-        <p:spPr>
-          <a:xfrm>
-            <a:off x="10894024" y="5372286"/>
-            <a:ext cx="1295238" cy="1485714"/>
-          </a:xfrm>
-          <a:prstGeom prst="rect">
-            <a:avLst/>
-          </a:prstGeom>
-        </p:spPr>
-      </p:pic>
-      <p:pic>
-        <p:nvPicPr>
-          <p:cNvPr id="1026" name="Picture 2" descr="Excel Power Pivot &amp; Power Query For Dummies, 2nd Edition | Wiley">
-            <a:extLst>
-              <a:ext uri="{FF2B5EF4-FFF2-40B4-BE49-F238E27FC236}">
-                <a16:creationId xmlns:a16="http://schemas.microsoft.com/office/drawing/2014/main" id="{E8BEF313-D798-61BA-155B-712422A0FF33}"/>
-              </a:ext>
-            </a:extLst>
-          </p:cNvPr>
-          <p:cNvPicPr>
-            <a:picLocks noChangeAspect="1" noChangeArrowheads="1"/>
-          </p:cNvPicPr>
-          <p:nvPr/>
-        </p:nvPicPr>
-        <p:blipFill>
-          <a:blip r:embed="rId4">
-            <a:extLst>
-              <a:ext uri="{28A0092B-C50C-407E-A947-70E740481C1C}">
-                <a14:useLocalDpi xmlns:a14="http://schemas.microsoft.com/office/drawing/2010/main" val="0"/>
-              </a:ext>
-            </a:extLst>
-          </a:blip>
-          <a:srcRect/>
-          <a:stretch>
-            <a:fillRect/>
-          </a:stretch>
-        </p:blipFill>
-        <p:spPr bwMode="auto">
-          <a:xfrm>
-            <a:off x="7263081" y="1450041"/>
-            <a:ext cx="3829909" cy="4800152"/>
-          </a:xfrm>
-          <a:prstGeom prst="rect">
-            <a:avLst/>
-          </a:prstGeom>
-          <a:noFill/>
-          <a:extLst>
-            <a:ext uri="{909E8E84-426E-40DD-AFC4-6F175D3DCCD1}">
-              <a14:hiddenFill xmlns:a14="http://schemas.microsoft.com/office/drawing/2010/main">
-                <a:solidFill>
-                  <a:srgbClr val="FFFFFF"/>
-                </a:solidFill>
-              </a14:hiddenFill>
-            </a:ext>
-          </a:extLst>
-        </p:spPr>
-      </p:pic>
+              <a:rPr lang="en-US" sz="6600" b="1" dirty="0">
+                <a:solidFill>
+                  <a:schemeClr val="bg1"/>
+                </a:solidFill>
+                <a:latin typeface="Normafixed Tryout" panose="00000409000000000000" pitchFamily="49" charset="0"/>
+              </a:rPr>
+              <a:t>Conclusion &amp; Resources</a:t>
+            </a:r>
+            <a:endParaRPr lang="en-US" sz="6600" b="1" dirty="0">
+              <a:solidFill>
+                <a:schemeClr val="bg1"/>
+              </a:solidFill>
+              <a:latin typeface="Consolas" panose="020B0609020204030204" pitchFamily="49" charset="0"/>
+            </a:endParaRPr>
+          </a:p>
+        </p:txBody>
+      </p:sp>
     </p:spTree>
     <p:extLst>
       <p:ext uri="{BB962C8B-B14F-4D97-AF65-F5344CB8AC3E}">
-        <p14:creationId xmlns:p14="http://schemas.microsoft.com/office/powerpoint/2010/main" val="2647322791"/>
+        <p14:creationId xmlns:p14="http://schemas.microsoft.com/office/powerpoint/2010/main" val="1115844779"/>
       </p:ext>
     </p:extLst>
   </p:cSld>
@@ -9634,8 +9835,8 @@
         </p:nvSpPr>
         <p:spPr>
           <a:xfrm>
-            <a:off x="347241" y="113388"/>
-            <a:ext cx="10116044" cy="3416320"/>
+            <a:off x="347240" y="113388"/>
+            <a:ext cx="11447363" cy="2585323"/>
           </a:xfrm>
           <a:prstGeom prst="rect">
             <a:avLst/>
@@ -9652,23 +9853,33 @@
               <a:rPr lang="en-US" sz="5400" i="1" dirty="0">
                 <a:latin typeface="Aliens &amp; cows" panose="00000500000000000000" pitchFamily="2" charset="0"/>
               </a:rPr>
-              <a:t>Analyzing Data with Power BI and Power Pivot for Excel</a:t>
-            </a:r>
-          </a:p>
-          <a:p>
+              <a:t>Excel Power Pivot &amp; Power Query for Dummies, </a:t>
+            </a:r>
             <a:r>
               <a:rPr lang="en-US" sz="5400" dirty="0">
                 <a:latin typeface="Aliens &amp; cows" panose="00000500000000000000" pitchFamily="2" charset="0"/>
               </a:rPr>
-              <a:t>by Alberto Ferrari and</a:t>
-            </a:r>
-          </a:p>
-          <a:p>
+              <a:t>2</a:t>
+            </a:r>
+            <a:r>
+              <a:rPr lang="en-US" sz="5400" baseline="30000" dirty="0">
+                <a:latin typeface="Aliens &amp; cows" panose="00000500000000000000" pitchFamily="2" charset="0"/>
+              </a:rPr>
+              <a:t>nd</a:t>
+            </a:r>
             <a:r>
               <a:rPr lang="en-US" sz="5400" dirty="0">
                 <a:latin typeface="Aliens &amp; cows" panose="00000500000000000000" pitchFamily="2" charset="0"/>
               </a:rPr>
-              <a:t>Marco Russo</a:t>
+              <a:t> Edition</a:t>
+            </a:r>
+          </a:p>
+          <a:p>
+            <a:r>
+              <a:rPr lang="en-US" sz="5400" dirty="0">
+                <a:latin typeface="Aliens &amp; cows" panose="00000500000000000000" pitchFamily="2" charset="0"/>
+              </a:rPr>
+              <a:t>by Michael Alexander</a:t>
             </a:r>
           </a:p>
         </p:txBody>
@@ -9711,10 +9922,10 @@
       </p:pic>
       <p:pic>
         <p:nvPicPr>
-          <p:cNvPr id="2050" name="Picture 2" descr="Analyzing Data with Power BI and Power Pivot for Excel (Business Skills):  Ferrari, Alberto, Russo, Marco: 9781509302765: Amazon.com: Books">
+          <p:cNvPr id="1026" name="Picture 2" descr="Excel Power Pivot &amp; Power Query For Dummies, 2nd Edition | Wiley">
             <a:extLst>
               <a:ext uri="{FF2B5EF4-FFF2-40B4-BE49-F238E27FC236}">
-                <a16:creationId xmlns:a16="http://schemas.microsoft.com/office/drawing/2014/main" id="{4286132D-BAA9-776B-515E-7F0A467787BF}"/>
+                <a16:creationId xmlns:a16="http://schemas.microsoft.com/office/drawing/2014/main" id="{E8BEF313-D798-61BA-155B-712422A0FF33}"/>
               </a:ext>
             </a:extLst>
           </p:cNvPr>
@@ -9738,8 +9949,8 @@
         </p:blipFill>
         <p:spPr bwMode="auto">
           <a:xfrm>
-            <a:off x="7270152" y="1564117"/>
-            <a:ext cx="3848100" cy="4762500"/>
+            <a:off x="7263081" y="1450041"/>
+            <a:ext cx="3829909" cy="4800152"/>
           </a:xfrm>
           <a:prstGeom prst="rect">
             <a:avLst/>
@@ -9759,7 +9970,7 @@
     </p:spTree>
     <p:extLst>
       <p:ext uri="{BB962C8B-B14F-4D97-AF65-F5344CB8AC3E}">
-        <p14:creationId xmlns:p14="http://schemas.microsoft.com/office/powerpoint/2010/main" val="1842843684"/>
+        <p14:creationId xmlns:p14="http://schemas.microsoft.com/office/powerpoint/2010/main" val="2647322791"/>
       </p:ext>
     </p:extLst>
   </p:cSld>
@@ -9996,6 +10207,195 @@
           </p:cNvPicPr>
           <p:nvPr/>
         </p:nvPicPr>
+        <p:blipFill rotWithShape="1">
+          <a:blip r:embed="rId2">
+            <a:extLst>
+              <a:ext uri="{28A0092B-C50C-407E-A947-70E740481C1C}">
+                <a14:useLocalDpi xmlns:a14="http://schemas.microsoft.com/office/drawing/2010/main" val="0"/>
+              </a:ext>
+            </a:extLst>
+          </a:blip>
+          <a:srcRect l="50728" t="56371"/>
+          <a:stretch/>
+        </p:blipFill>
+        <p:spPr>
+          <a:xfrm>
+            <a:off x="10894024" y="5370653"/>
+            <a:ext cx="1297975" cy="1487348"/>
+          </a:xfrm>
+          <a:prstGeom prst="rect">
+            <a:avLst/>
+          </a:prstGeom>
+        </p:spPr>
+      </p:pic>
+      <p:sp>
+        <p:nvSpPr>
+          <p:cNvPr id="11" name="TextBox 10"/>
+          <p:cNvSpPr txBox="1"/>
+          <p:nvPr/>
+        </p:nvSpPr>
+        <p:spPr>
+          <a:xfrm>
+            <a:off x="347241" y="113388"/>
+            <a:ext cx="10116044" cy="3416320"/>
+          </a:xfrm>
+          <a:prstGeom prst="rect">
+            <a:avLst/>
+          </a:prstGeom>
+          <a:noFill/>
+        </p:spPr>
+        <p:txBody>
+          <a:bodyPr wrap="square" rtlCol="0">
+            <a:spAutoFit/>
+          </a:bodyPr>
+          <a:lstStyle/>
+          <a:p>
+            <a:r>
+              <a:rPr lang="en-US" sz="5400" i="1" dirty="0">
+                <a:latin typeface="Aliens &amp; cows" panose="00000500000000000000" pitchFamily="2" charset="0"/>
+              </a:rPr>
+              <a:t>Analyzing Data with Power BI and Power Pivot for Excel</a:t>
+            </a:r>
+          </a:p>
+          <a:p>
+            <a:r>
+              <a:rPr lang="en-US" sz="5400" dirty="0">
+                <a:latin typeface="Aliens &amp; cows" panose="00000500000000000000" pitchFamily="2" charset="0"/>
+              </a:rPr>
+              <a:t>by Alberto Ferrari and</a:t>
+            </a:r>
+          </a:p>
+          <a:p>
+            <a:r>
+              <a:rPr lang="en-US" sz="5400" dirty="0">
+                <a:latin typeface="Aliens &amp; cows" panose="00000500000000000000" pitchFamily="2" charset="0"/>
+              </a:rPr>
+              <a:t>Marco Russo</a:t>
+            </a:r>
+          </a:p>
+        </p:txBody>
+      </p:sp>
+      <p:pic>
+        <p:nvPicPr>
+          <p:cNvPr id="6" name="Picture 5" descr="A close up of a sign&#10;&#10;Description automatically generated">
+            <a:extLst>
+              <a:ext uri="{FF2B5EF4-FFF2-40B4-BE49-F238E27FC236}">
+                <a16:creationId xmlns:a16="http://schemas.microsoft.com/office/drawing/2014/main" id="{69CD627F-A48D-4910-BDAB-E86D1B428A91}"/>
+              </a:ext>
+            </a:extLst>
+          </p:cNvPr>
+          <p:cNvPicPr>
+            <a:picLocks noChangeAspect="1"/>
+          </p:cNvPicPr>
+          <p:nvPr/>
+        </p:nvPicPr>
+        <p:blipFill>
+          <a:blip r:embed="rId3">
+            <a:extLst>
+              <a:ext uri="{28A0092B-C50C-407E-A947-70E740481C1C}">
+                <a14:useLocalDpi xmlns:a14="http://schemas.microsoft.com/office/drawing/2010/main" val="0"/>
+              </a:ext>
+            </a:extLst>
+          </a:blip>
+          <a:stretch>
+            <a:fillRect/>
+          </a:stretch>
+        </p:blipFill>
+        <p:spPr>
+          <a:xfrm>
+            <a:off x="10894024" y="5372286"/>
+            <a:ext cx="1295238" cy="1485714"/>
+          </a:xfrm>
+          <a:prstGeom prst="rect">
+            <a:avLst/>
+          </a:prstGeom>
+        </p:spPr>
+      </p:pic>
+      <p:pic>
+        <p:nvPicPr>
+          <p:cNvPr id="2050" name="Picture 2" descr="Analyzing Data with Power BI and Power Pivot for Excel (Business Skills):  Ferrari, Alberto, Russo, Marco: 9781509302765: Amazon.com: Books">
+            <a:extLst>
+              <a:ext uri="{FF2B5EF4-FFF2-40B4-BE49-F238E27FC236}">
+                <a16:creationId xmlns:a16="http://schemas.microsoft.com/office/drawing/2014/main" id="{4286132D-BAA9-776B-515E-7F0A467787BF}"/>
+              </a:ext>
+            </a:extLst>
+          </p:cNvPr>
+          <p:cNvPicPr>
+            <a:picLocks noChangeAspect="1" noChangeArrowheads="1"/>
+          </p:cNvPicPr>
+          <p:nvPr/>
+        </p:nvPicPr>
+        <p:blipFill>
+          <a:blip r:embed="rId4">
+            <a:extLst>
+              <a:ext uri="{28A0092B-C50C-407E-A947-70E740481C1C}">
+                <a14:useLocalDpi xmlns:a14="http://schemas.microsoft.com/office/drawing/2010/main" val="0"/>
+              </a:ext>
+            </a:extLst>
+          </a:blip>
+          <a:srcRect/>
+          <a:stretch>
+            <a:fillRect/>
+          </a:stretch>
+        </p:blipFill>
+        <p:spPr bwMode="auto">
+          <a:xfrm>
+            <a:off x="7270152" y="1564117"/>
+            <a:ext cx="3848100" cy="4762500"/>
+          </a:xfrm>
+          <a:prstGeom prst="rect">
+            <a:avLst/>
+          </a:prstGeom>
+          <a:noFill/>
+          <a:extLst>
+            <a:ext uri="{909E8E84-426E-40DD-AFC4-6F175D3DCCD1}">
+              <a14:hiddenFill xmlns:a14="http://schemas.microsoft.com/office/drawing/2010/main">
+                <a:solidFill>
+                  <a:srgbClr val="FFFFFF"/>
+                </a:solidFill>
+              </a14:hiddenFill>
+            </a:ext>
+          </a:extLst>
+        </p:spPr>
+      </p:pic>
+    </p:spTree>
+    <p:extLst>
+      <p:ext uri="{BB962C8B-B14F-4D97-AF65-F5344CB8AC3E}">
+        <p14:creationId xmlns:p14="http://schemas.microsoft.com/office/powerpoint/2010/main" val="1842843684"/>
+      </p:ext>
+    </p:extLst>
+  </p:cSld>
+  <p:clrMapOvr>
+    <a:masterClrMapping/>
+  </p:clrMapOvr>
+</p:sld>
+</file>
+
+<file path=ppt/slides/slide31.xml><?xml version="1.0" encoding="utf-8"?>
+<p:sld xmlns:a="http://schemas.openxmlformats.org/drawingml/2006/main" xmlns:r="http://schemas.openxmlformats.org/officeDocument/2006/relationships" xmlns:p="http://schemas.openxmlformats.org/presentationml/2006/main">
+  <p:cSld>
+    <p:spTree>
+      <p:nvGrpSpPr>
+        <p:cNvPr id="1" name=""/>
+        <p:cNvGrpSpPr/>
+        <p:nvPr/>
+      </p:nvGrpSpPr>
+      <p:grpSpPr>
+        <a:xfrm>
+          <a:off x="0" y="0"/>
+          <a:ext cx="0" cy="0"/>
+          <a:chOff x="0" y="0"/>
+          <a:chExt cx="0" cy="0"/>
+        </a:xfrm>
+      </p:grpSpPr>
+      <p:pic>
+        <p:nvPicPr>
+          <p:cNvPr id="10" name="Picture 9"/>
+          <p:cNvPicPr>
+            <a:picLocks noChangeAspect="1"/>
+          </p:cNvPicPr>
+          <p:nvPr/>
+        </p:nvPicPr>
         <p:blipFill>
           <a:blip r:embed="rId2">
             <a:extLst>
@@ -10176,7 +10576,7 @@
 </p:sld>
 </file>
 
-<file path=ppt/slides/slide31.xml><?xml version="1.0" encoding="utf-8"?>
+<file path=ppt/slides/slide32.xml><?xml version="1.0" encoding="utf-8"?>
 <p:sld xmlns:a="http://schemas.openxmlformats.org/drawingml/2006/main" xmlns:r="http://schemas.openxmlformats.org/officeDocument/2006/relationships" xmlns:p="http://schemas.openxmlformats.org/presentationml/2006/main">
   <p:cSld>
     <p:spTree>
